--- a/NK/20190320 Logistic Regression.pptx
+++ b/NK/20190320 Logistic Regression.pptx
@@ -5,7 +5,7 @@
     <p:sldMasterId id="2147483648" r:id="rId1"/>
   </p:sldMasterIdLst>
   <p:notesMasterIdLst>
-    <p:notesMasterId r:id="rId27"/>
+    <p:notesMasterId r:id="rId28"/>
   </p:notesMasterIdLst>
   <p:sldIdLst>
     <p:sldId id="288" r:id="rId2"/>
@@ -23,16 +23,17 @@
     <p:sldId id="306" r:id="rId14"/>
     <p:sldId id="308" r:id="rId15"/>
     <p:sldId id="309" r:id="rId16"/>
-    <p:sldId id="302" r:id="rId17"/>
-    <p:sldId id="310" r:id="rId18"/>
-    <p:sldId id="303" r:id="rId19"/>
-    <p:sldId id="311" r:id="rId20"/>
-    <p:sldId id="304" r:id="rId21"/>
-    <p:sldId id="305" r:id="rId22"/>
-    <p:sldId id="284" r:id="rId23"/>
-    <p:sldId id="287" r:id="rId24"/>
-    <p:sldId id="285" r:id="rId25"/>
-    <p:sldId id="286" r:id="rId26"/>
+    <p:sldId id="313" r:id="rId17"/>
+    <p:sldId id="302" r:id="rId18"/>
+    <p:sldId id="310" r:id="rId19"/>
+    <p:sldId id="303" r:id="rId20"/>
+    <p:sldId id="311" r:id="rId21"/>
+    <p:sldId id="314" r:id="rId22"/>
+    <p:sldId id="315" r:id="rId23"/>
+    <p:sldId id="304" r:id="rId24"/>
+    <p:sldId id="316" r:id="rId25"/>
+    <p:sldId id="305" r:id="rId26"/>
+    <p:sldId id="312" r:id="rId27"/>
   </p:sldIdLst>
   <p:sldSz cx="12192000" cy="6858000"/>
   <p:notesSz cx="6858000" cy="9144000"/>
@@ -3529,8 +3530,8 @@
           </a:p>
         </p:txBody>
       </p:sp>
-      <mc:AlternateContent xmlns:mc="http://schemas.openxmlformats.org/markup-compatibility/2006">
-        <mc:Choice xmlns:a14="http://schemas.microsoft.com/office/drawing/2010/main" Requires="a14">
+      <mc:AlternateContent xmlns:mc="http://schemas.openxmlformats.org/markup-compatibility/2006" xmlns:a14="http://schemas.microsoft.com/office/drawing/2010/main">
+        <mc:Choice Requires="a14">
           <p:sp>
             <p:nvSpPr>
               <p:cNvPr id="3" name="内容占位符 2"/>
@@ -3644,17 +3645,12 @@
                 </a:r>
                 <a:r>
                   <a:rPr lang="en-US" altLang="zh-CN" sz="2000" dirty="0" smtClean="0"/>
-                  <a:t>algorithm</a:t>
-                </a:r>
-                <a:r>
-                  <a:rPr lang="en-US" altLang="zh-CN" sz="2000" dirty="0" smtClean="0"/>
-                  <a:t>.           </a:t>
+                  <a:t>algorithm.           </a:t>
                 </a:r>
                 <a:r>
                   <a:rPr lang="en-US" altLang="zh-CN" sz="2000" b="1" dirty="0" smtClean="0"/>
                   <a:t>3 Probabilistic interpretation</a:t>
                 </a:r>
-                <a:endParaRPr lang="en-US" altLang="zh-CN" sz="2000" b="1" dirty="0" smtClean="0"/>
               </a:p>
               <a:p>
                 <a:pPr>
@@ -4197,7 +4193,7 @@
             </p:txBody>
           </p:sp>
         </mc:Choice>
-        <mc:Fallback>
+        <mc:Fallback xmlns="">
           <p:sp>
             <p:nvSpPr>
               <p:cNvPr id="3" name="内容占位符 2"/>
@@ -4307,8 +4303,8 @@
           </a:p>
         </p:txBody>
       </p:sp>
-      <mc:AlternateContent xmlns:mc="http://schemas.openxmlformats.org/markup-compatibility/2006">
-        <mc:Choice xmlns:a14="http://schemas.microsoft.com/office/drawing/2010/main" Requires="a14">
+      <mc:AlternateContent xmlns:mc="http://schemas.openxmlformats.org/markup-compatibility/2006" xmlns:a14="http://schemas.microsoft.com/office/drawing/2010/main">
+        <mc:Choice Requires="a14">
           <p:sp>
             <p:nvSpPr>
               <p:cNvPr id="3" name="内容占位符 2"/>
@@ -5727,7 +5723,7 @@
             </p:txBody>
           </p:sp>
         </mc:Choice>
-        <mc:Fallback>
+        <mc:Fallback xmlns="">
           <p:sp>
             <p:nvSpPr>
               <p:cNvPr id="3" name="内容占位符 2"/>
@@ -6411,11 +6407,7 @@
                 </a14:m>
                 <a:r>
                   <a:rPr lang="en-US" altLang="zh-CN" sz="2000" dirty="0" smtClean="0"/>
-                  <a:t> </a:t>
-                </a:r>
-                <a:r>
-                  <a:rPr lang="en-US" altLang="zh-CN" sz="2000" dirty="0" smtClean="0"/>
-                  <a:t>(and perhaps </a:t>
+                  <a:t> (and perhaps </a:t>
                 </a:r>
                 <a14:m>
                   <m:oMath xmlns:m="http://schemas.openxmlformats.org/officeDocument/2006/math">
@@ -6456,12 +6448,23 @@
                 </a:r>
                 <a:r>
                   <a:rPr lang="en-US" altLang="zh-CN" sz="2000" dirty="0" smtClean="0"/>
-                  <a:t>    when we wish to explicitly view this as a function of </a:t>
+                  <a:t>    when we wish to explicitly </a:t>
+                </a:r>
+                <a:r>
+                  <a:rPr lang="en-US" altLang="zh-CN" sz="2000" dirty="0" smtClean="0">
+                    <a:solidFill>
+                      <a:srgbClr val="FF0000"/>
+                    </a:solidFill>
+                  </a:rPr>
+                  <a:t>view this as a function of </a:t>
                 </a:r>
                 <a14:m>
                   <m:oMath xmlns:m="http://schemas.openxmlformats.org/officeDocument/2006/math">
                     <m:r>
                       <a:rPr lang="zh-CN" altLang="en-US" sz="2000" i="1">
+                        <a:solidFill>
+                          <a:srgbClr val="FF0000"/>
+                        </a:solidFill>
                         <a:latin typeface="Cambria Math" panose="02040503050406030204" pitchFamily="18" charset="0"/>
                       </a:rPr>
                       <m:t>𝜃</m:t>
@@ -6470,7 +6473,19 @@
                 </a14:m>
                 <a:r>
                   <a:rPr lang="en-US" altLang="zh-CN" sz="2000" dirty="0" smtClean="0"/>
-                  <a:t>, instead call it likelihood function.</a:t>
+                  <a:t>, instead call it </a:t>
+                </a:r>
+                <a:r>
+                  <a:rPr lang="en-US" altLang="zh-CN" sz="2000" dirty="0" smtClean="0">
+                    <a:solidFill>
+                      <a:srgbClr val="FF0000"/>
+                    </a:solidFill>
+                  </a:rPr>
+                  <a:t>likelihood function</a:t>
+                </a:r>
+                <a:r>
+                  <a:rPr lang="en-US" altLang="zh-CN" sz="2000" dirty="0" smtClean="0"/>
+                  <a:t>.</a:t>
                 </a:r>
               </a:p>
               <a:p>
@@ -7279,13 +7294,7 @@
                                         <a:rPr lang="en-US" altLang="zh-CN" sz="2000" i="1">
                                           <a:latin typeface="Cambria Math" panose="02040503050406030204" pitchFamily="18" charset="0"/>
                                         </a:rPr>
-                                        <m:t>−</m:t>
-                                      </m:r>
-                                      <m:r>
-                                        <a:rPr lang="en-US" altLang="zh-CN" sz="2000" i="1">
-                                          <a:latin typeface="Cambria Math" panose="02040503050406030204" pitchFamily="18" charset="0"/>
-                                        </a:rPr>
-                                        <m:t> </m:t>
+                                        <m:t>− </m:t>
                                       </m:r>
                                       <m:sSup>
                                         <m:sSupPr>
@@ -7515,8 +7524,8 @@
           </a:p>
         </p:txBody>
       </p:sp>
-      <mc:AlternateContent xmlns:mc="http://schemas.openxmlformats.org/markup-compatibility/2006">
-        <mc:Choice xmlns:a14="http://schemas.microsoft.com/office/drawing/2010/main" Requires="a14">
+      <mc:AlternateContent xmlns:mc="http://schemas.openxmlformats.org/markup-compatibility/2006" xmlns:a14="http://schemas.microsoft.com/office/drawing/2010/main">
+        <mc:Choice Requires="a14">
           <p:sp>
             <p:nvSpPr>
               <p:cNvPr id="3" name="内容占位符 2"/>
@@ -8814,13 +8823,7 @@
                                         <a:rPr lang="en-US" altLang="zh-CN" sz="2000" i="1">
                                           <a:latin typeface="Cambria Math" panose="02040503050406030204" pitchFamily="18" charset="0"/>
                                         </a:rPr>
-                                        <m:t>−</m:t>
-                                      </m:r>
-                                      <m:r>
-                                        <a:rPr lang="en-US" altLang="zh-CN" sz="2000" i="1">
-                                          <a:latin typeface="Cambria Math" panose="02040503050406030204" pitchFamily="18" charset="0"/>
-                                        </a:rPr>
-                                        <m:t> </m:t>
+                                        <m:t>− </m:t>
                                       </m:r>
                                       <m:sSup>
                                         <m:sSupPr>
@@ -8940,7 +8943,7 @@
             </p:txBody>
           </p:sp>
         </mc:Choice>
-        <mc:Fallback>
+        <mc:Fallback xmlns="">
           <p:sp>
             <p:nvSpPr>
               <p:cNvPr id="3" name="内容占位符 2"/>
@@ -9050,8 +9053,8 @@
           </a:p>
         </p:txBody>
       </p:sp>
-      <mc:AlternateContent xmlns:mc="http://schemas.openxmlformats.org/markup-compatibility/2006">
-        <mc:Choice xmlns:a14="http://schemas.microsoft.com/office/drawing/2010/main" Requires="a14">
+      <mc:AlternateContent xmlns:mc="http://schemas.openxmlformats.org/markup-compatibility/2006" xmlns:a14="http://schemas.microsoft.com/office/drawing/2010/main">
+        <mc:Choice Requires="a14">
           <p:sp>
             <p:nvSpPr>
               <p:cNvPr id="3" name="内容占位符 2"/>
@@ -10513,7 +10516,7 @@
             </p:txBody>
           </p:sp>
         </mc:Choice>
-        <mc:Fallback>
+        <mc:Fallback xmlns="">
           <p:sp>
             <p:nvSpPr>
               <p:cNvPr id="3" name="内容占位符 2"/>
@@ -11171,7 +11174,45 @@
                 </a:pPr>
                 <a:r>
                   <a:rPr lang="en-US" altLang="zh-CN" sz="2000" dirty="0" smtClean="0"/>
-                  <a:t>     To summarize: Under the previous probabilistic assumptions on the data, least-squares regression corresponds to finding the maximum likelihood estimate of </a:t>
+                  <a:t>     To summarize: Under the previous probabilistic assumptions on the data, </a:t>
+                </a:r>
+                <a:r>
+                  <a:rPr lang="en-US" altLang="zh-CN" sz="2000" dirty="0" smtClean="0">
+                    <a:solidFill>
+                      <a:srgbClr val="FF0000"/>
+                    </a:solidFill>
+                  </a:rPr>
+                  <a:t>least-squares regression corresponds to finding the maximum likelihood estimate of </a:t>
+                </a:r>
+                <a14:m>
+                  <m:oMath xmlns:m="http://schemas.openxmlformats.org/officeDocument/2006/math">
+                    <m:r>
+                      <a:rPr lang="zh-CN" altLang="en-US" sz="2000" i="1">
+                        <a:solidFill>
+                          <a:srgbClr val="FF0000"/>
+                        </a:solidFill>
+                        <a:latin typeface="Cambria Math" panose="02040503050406030204" pitchFamily="18" charset="0"/>
+                      </a:rPr>
+                      <m:t>𝜃</m:t>
+                    </m:r>
+                  </m:oMath>
+                </a14:m>
+                <a:r>
+                  <a:rPr lang="en-US" altLang="zh-CN" sz="2000" dirty="0" smtClean="0"/>
+                  <a:t>. This is thus one set of assumptions under which least-squares regression can be justified as a very natural method that’s just doing maximum likelihood estimation. There are other natural assumptions that can also be used to justify it. </a:t>
+                </a:r>
+              </a:p>
+              <a:p>
+                <a:pPr marL="0" indent="0">
+                  <a:buNone/>
+                </a:pPr>
+                <a:r>
+                  <a:rPr lang="en-US" altLang="zh-CN" sz="2000" dirty="0"/>
+                  <a:t> </a:t>
+                </a:r>
+                <a:r>
+                  <a:rPr lang="en-US" altLang="zh-CN" sz="2000" dirty="0" smtClean="0"/>
+                  <a:t>    Note also that, in our previous discussion, our final choice of </a:t>
                 </a:r>
                 <a14:m>
                   <m:oMath xmlns:m="http://schemas.openxmlformats.org/officeDocument/2006/math">
@@ -11185,42 +11226,7 @@
                 </a14:m>
                 <a:r>
                   <a:rPr lang="en-US" altLang="zh-CN" sz="2000" dirty="0" smtClean="0"/>
-                  <a:t>. This is thus one set of assumptions under which least-squares regression can be justified as a very natural method that’s just doing maximum likelihood estimation. There are other natural assumptions that can also be used to justify it. </a:t>
-                </a:r>
-              </a:p>
-              <a:p>
-                <a:pPr marL="0" indent="0">
-                  <a:buNone/>
-                </a:pPr>
-                <a:r>
-                  <a:rPr lang="en-US" altLang="zh-CN" sz="2000" dirty="0"/>
-                  <a:t> </a:t>
-                </a:r>
-                <a:r>
-                  <a:rPr lang="en-US" altLang="zh-CN" sz="2000" dirty="0" smtClean="0"/>
-                  <a:t>    </a:t>
-                </a:r>
-                <a:r>
-                  <a:rPr lang="en-US" altLang="zh-CN" sz="2000" dirty="0" smtClean="0"/>
-                  <a:t>Note also that, in our previous discussion, our final choice of </a:t>
-                </a:r>
-                <a14:m>
-                  <m:oMath xmlns:m="http://schemas.openxmlformats.org/officeDocument/2006/math">
-                    <m:r>
-                      <a:rPr lang="zh-CN" altLang="en-US" sz="2000" i="1">
-                        <a:latin typeface="Cambria Math" panose="02040503050406030204" pitchFamily="18" charset="0"/>
-                      </a:rPr>
-                      <m:t>𝜃</m:t>
-                    </m:r>
-                  </m:oMath>
-                </a14:m>
-                <a:r>
-                  <a:rPr lang="en-US" altLang="zh-CN" sz="2000" dirty="0" smtClean="0"/>
-                  <a:t> did not depend on what wa</a:t>
-                </a:r>
-                <a:r>
-                  <a:rPr lang="en-US" altLang="zh-CN" sz="2000" dirty="0" smtClean="0"/>
-                  <a:t>s </a:t>
+                  <a:t> did not depend on what was </a:t>
                 </a:r>
                 <a14:m>
                   <m:oMath xmlns:m="http://schemas.openxmlformats.org/officeDocument/2006/math">
@@ -11253,7 +11259,15 @@
                 </a14:m>
                 <a:r>
                   <a:rPr lang="en-US" altLang="zh-CN" sz="2000" dirty="0" smtClean="0"/>
-                  <a:t>, and indeed we’d have arrived at the same result even if </a:t>
+                  <a:t>, and indeed </a:t>
+                </a:r>
+                <a:r>
+                  <a:rPr lang="en-US" altLang="zh-CN" sz="2000" dirty="0" smtClean="0">
+                    <a:solidFill>
+                      <a:srgbClr val="FF0000"/>
+                    </a:solidFill>
+                  </a:rPr>
+                  <a:t>we’d have arrived at the same result even if </a:t>
                 </a:r>
                 <a14:m>
                   <m:oMath xmlns:m="http://schemas.openxmlformats.org/officeDocument/2006/math">
@@ -11261,6 +11275,9 @@
                       <m:sSupPr>
                         <m:ctrlPr>
                           <a:rPr lang="en-US" altLang="zh-CN" sz="2000" i="1">
+                            <a:solidFill>
+                              <a:srgbClr val="FF0000"/>
+                            </a:solidFill>
                             <a:latin typeface="Cambria Math" panose="02040503050406030204" pitchFamily="18" charset="0"/>
                           </a:rPr>
                         </m:ctrlPr>
@@ -11268,6 +11285,9 @@
                       <m:e>
                         <m:r>
                           <a:rPr lang="zh-CN" altLang="en-US" sz="2000" i="1">
+                            <a:solidFill>
+                              <a:srgbClr val="FF0000"/>
+                            </a:solidFill>
                             <a:latin typeface="Cambria Math" panose="02040503050406030204" pitchFamily="18" charset="0"/>
                           </a:rPr>
                           <m:t>𝜎</m:t>
@@ -11276,6 +11296,9 @@
                       <m:sup>
                         <m:r>
                           <a:rPr lang="en-US" altLang="zh-CN" sz="2000" i="1">
+                            <a:solidFill>
+                              <a:srgbClr val="FF0000"/>
+                            </a:solidFill>
                             <a:latin typeface="Cambria Math" panose="02040503050406030204" pitchFamily="18" charset="0"/>
                           </a:rPr>
                           <m:t>2</m:t>
@@ -11285,8 +11308,16 @@
                   </m:oMath>
                 </a14:m>
                 <a:r>
-                  <a:rPr lang="en-US" altLang="zh-CN" sz="2000" dirty="0" smtClean="0"/>
-                  <a:t> were unknown.</a:t>
+                  <a:rPr lang="en-US" altLang="zh-CN" sz="2000" dirty="0" smtClean="0">
+                    <a:solidFill>
+                      <a:srgbClr val="FF0000"/>
+                    </a:solidFill>
+                  </a:rPr>
+                  <a:t> were unknown</a:t>
+                </a:r>
+                <a:r>
+                  <a:rPr lang="en-US" altLang="zh-CN" sz="2000" dirty="0" smtClean="0"/>
+                  <a:t>.</a:t>
                 </a:r>
               </a:p>
               <a:p>
@@ -11648,8 +11679,12 @@
           <a:p>
             <a:pPr algn="ctr"/>
             <a:r>
-              <a:rPr lang="en-US" altLang="zh-CN" sz="2400" dirty="0"/>
-              <a:t>Logistic Regression</a:t>
+              <a:rPr lang="en-US" altLang="zh-CN" sz="2400" dirty="0" smtClean="0">
+                <a:latin typeface="+mn-lt"/>
+                <a:ea typeface="+mn-ea"/>
+                <a:cs typeface="+mn-cs"/>
+              </a:rPr>
+              <a:t>Linear Regression</a:t>
             </a:r>
             <a:endParaRPr lang="zh-CN" altLang="en-US" sz="2400" dirty="0">
               <a:latin typeface="+mn-lt"/>
@@ -11659,689 +11694,310 @@
           </a:p>
         </p:txBody>
       </p:sp>
-      <mc:AlternateContent xmlns:mc="http://schemas.openxmlformats.org/markup-compatibility/2006">
-        <mc:Choice xmlns:a14="http://schemas.microsoft.com/office/drawing/2010/main" Requires="a14">
-          <p:sp>
-            <p:nvSpPr>
-              <p:cNvPr id="3" name="内容占位符 2"/>
-              <p:cNvSpPr>
-                <a:spLocks noGrp="1"/>
-              </p:cNvSpPr>
-              <p:nvPr>
-                <p:ph idx="1"/>
-              </p:nvPr>
-            </p:nvSpPr>
-            <p:spPr/>
-            <p:txBody>
-              <a:bodyPr/>
-              <a:lstStyle/>
-              <a:p>
-                <a:pPr>
-                  <a:buFont typeface="Wingdings" panose="05000000000000000000" pitchFamily="2" charset="2"/>
-                  <a:buChar char="Ø"/>
-                </a:pPr>
-                <a:r>
-                  <a:rPr lang="en-US" altLang="zh-CN" sz="2000" dirty="0" smtClean="0"/>
-                  <a:t> a </a:t>
-                </a:r>
-                <a:r>
-                  <a:rPr lang="en-US" altLang="zh-CN" sz="2000" dirty="0"/>
-                  <a:t>classification problem </a:t>
-                </a:r>
-                <a:endParaRPr lang="en-US" altLang="zh-CN" sz="2000" dirty="0" smtClean="0"/>
-              </a:p>
-              <a:p>
-                <a:pPr>
-                  <a:buFont typeface="Wingdings" panose="05000000000000000000" pitchFamily="2" charset="2"/>
-                  <a:buChar char="Ø"/>
-                </a:pPr>
-                <a:endParaRPr lang="en-US" altLang="zh-CN" sz="2000" dirty="0" smtClean="0"/>
-              </a:p>
-              <a:p>
-                <a:pPr>
-                  <a:buFont typeface="Wingdings" panose="05000000000000000000" pitchFamily="2" charset="2"/>
-                  <a:buChar char="Ø"/>
-                </a:pPr>
-                <a:r>
-                  <a:rPr lang="en-US" altLang="zh-CN" sz="2000" dirty="0" smtClean="0"/>
-                  <a:t> </a:t>
-                </a:r>
-                <a:r>
-                  <a:rPr lang="en-US" altLang="zh-CN" sz="2000" dirty="0"/>
-                  <a:t>Linear Regression: We could approach the classification problem ignoring the fact that </a:t>
-                </a:r>
-                <a:endParaRPr lang="en-US" altLang="zh-CN" sz="2000" dirty="0" smtClean="0"/>
-              </a:p>
-              <a:p>
-                <a:pPr marL="0" indent="0">
-                  <a:buNone/>
-                </a:pPr>
-                <a:r>
-                  <a:rPr lang="en-US" altLang="zh-CN" sz="2000" dirty="0"/>
-                  <a:t> </a:t>
-                </a:r>
-                <a:r>
-                  <a:rPr lang="en-US" altLang="zh-CN" sz="2000" dirty="0" smtClean="0"/>
-                  <a:t>   y is discrete-valued</a:t>
-                </a:r>
-                <a:r>
-                  <a:rPr lang="en-US" altLang="zh-CN" sz="2000" dirty="0"/>
-                  <a:t>, and </a:t>
-                </a:r>
-                <a:r>
-                  <a:rPr lang="en-US" altLang="zh-CN" sz="2000" dirty="0">
-                    <a:solidFill>
-                      <a:srgbClr val="FF0000"/>
-                    </a:solidFill>
-                  </a:rPr>
-                  <a:t>use </a:t>
-                </a:r>
-                <a:r>
-                  <a:rPr lang="en-US" altLang="zh-CN" sz="2000" dirty="0" smtClean="0">
-                    <a:solidFill>
-                      <a:srgbClr val="FF0000"/>
-                    </a:solidFill>
-                  </a:rPr>
-                  <a:t>linear </a:t>
-                </a:r>
-                <a:r>
-                  <a:rPr lang="en-US" altLang="zh-CN" sz="2000" dirty="0">
-                    <a:solidFill>
-                      <a:srgbClr val="FF0000"/>
-                    </a:solidFill>
-                  </a:rPr>
-                  <a:t>regression algorithm to try to </a:t>
-                </a:r>
-                <a:r>
-                  <a:rPr lang="en-US" altLang="zh-CN" sz="2000" dirty="0" smtClean="0">
-                    <a:solidFill>
-                      <a:srgbClr val="FF0000"/>
-                    </a:solidFill>
-                  </a:rPr>
-                  <a:t>predict y</a:t>
-                </a:r>
-                <a:r>
-                  <a:rPr lang="en-US" altLang="zh-CN" sz="2000" dirty="0" smtClean="0"/>
-                  <a:t> </a:t>
-                </a:r>
-                <a:r>
-                  <a:rPr lang="en-US" altLang="zh-CN" sz="2000" dirty="0"/>
-                  <a:t>given x</a:t>
-                </a:r>
-                <a:r>
-                  <a:rPr lang="en-US" altLang="zh-CN" sz="2000" dirty="0" smtClean="0"/>
-                  <a:t>.</a:t>
-                </a:r>
-              </a:p>
-              <a:p>
-                <a:pPr>
-                  <a:buFont typeface="Wingdings" panose="05000000000000000000" pitchFamily="2" charset="2"/>
-                  <a:buChar char="Ø"/>
-                </a:pPr>
-                <a:endParaRPr lang="en-US" altLang="zh-CN" sz="2000" dirty="0" smtClean="0"/>
-              </a:p>
-              <a:p>
-                <a:pPr>
-                  <a:buFont typeface="Wingdings" panose="05000000000000000000" pitchFamily="2" charset="2"/>
-                  <a:buChar char="Ø"/>
-                </a:pPr>
-                <a:r>
-                  <a:rPr lang="en-US" altLang="zh-CN" sz="2000" dirty="0"/>
-                  <a:t> </a:t>
-                </a:r>
-                <a:r>
-                  <a:rPr lang="en-US" altLang="zh-CN" sz="2000" dirty="0" smtClean="0"/>
-                  <a:t>When </a:t>
-                </a:r>
-                <a:r>
-                  <a:rPr lang="en-US" altLang="zh-CN" sz="2000" dirty="0"/>
-                  <a:t>we know that </a:t>
-                </a:r>
-                <a:r>
-                  <a:rPr lang="en-US" altLang="zh-CN" sz="2000" dirty="0" smtClean="0"/>
-                  <a:t>y</a:t>
-                </a:r>
-                <a14:m>
-                  <m:oMath xmlns:m="http://schemas.openxmlformats.org/officeDocument/2006/math">
-                    <m:r>
-                      <a:rPr lang="en-US" altLang="zh-CN" sz="2000" i="1" smtClean="0">
-                        <a:latin typeface="Cambria Math" panose="02040503050406030204" pitchFamily="18" charset="0"/>
-                        <a:ea typeface="Cambria Math" panose="02040503050406030204" pitchFamily="18" charset="0"/>
-                      </a:rPr>
-                      <m:t>∈</m:t>
-                    </m:r>
-                    <m:d>
-                      <m:dPr>
-                        <m:begChr m:val="{"/>
-                        <m:endChr m:val="}"/>
-                        <m:ctrlPr>
-                          <a:rPr lang="en-US" altLang="zh-CN" sz="2000" i="1" smtClean="0">
-                            <a:latin typeface="Cambria Math" panose="02040503050406030204" pitchFamily="18" charset="0"/>
-                            <a:ea typeface="Cambria Math" panose="02040503050406030204" pitchFamily="18" charset="0"/>
-                          </a:rPr>
-                        </m:ctrlPr>
-                      </m:dPr>
-                      <m:e>
-                        <m:r>
-                          <a:rPr lang="en-US" altLang="zh-CN" sz="2000" b="0" i="1" smtClean="0">
-                            <a:latin typeface="Cambria Math" panose="02040503050406030204" pitchFamily="18" charset="0"/>
-                            <a:ea typeface="Cambria Math" panose="02040503050406030204" pitchFamily="18" charset="0"/>
-                          </a:rPr>
-                          <m:t>0, 1</m:t>
-                        </m:r>
-                      </m:e>
-                    </m:d>
-                  </m:oMath>
-                </a14:m>
-                <a:r>
-                  <a:rPr lang="en-US" altLang="zh-CN" sz="2000" dirty="0" smtClean="0"/>
-                  <a:t>, intuitively</a:t>
-                </a:r>
-                <a:r>
-                  <a:rPr lang="en-US" altLang="zh-CN" sz="2000" dirty="0"/>
-                  <a:t>, it </a:t>
-                </a:r>
-                <a:r>
-                  <a:rPr lang="en-US" altLang="zh-CN" sz="2000" dirty="0" smtClean="0"/>
-                  <a:t>doesn’t </a:t>
-                </a:r>
-                <a:r>
-                  <a:rPr lang="en-US" altLang="zh-CN" sz="2000" dirty="0"/>
-                  <a:t>make sense </a:t>
-                </a:r>
-                <a:endParaRPr lang="en-US" altLang="zh-CN" sz="2000" dirty="0" smtClean="0"/>
-              </a:p>
-              <a:p>
-                <a:pPr marL="0" indent="0">
-                  <a:buNone/>
-                </a:pPr>
-                <a:r>
-                  <a:rPr lang="en-US" altLang="zh-CN" sz="2000" dirty="0"/>
-                  <a:t> </a:t>
-                </a:r>
-                <a:r>
-                  <a:rPr lang="en-US" altLang="zh-CN" sz="2000" dirty="0" smtClean="0"/>
-                  <a:t>    for </a:t>
-                </a:r>
-                <a14:m>
-                  <m:oMath xmlns:m="http://schemas.openxmlformats.org/officeDocument/2006/math">
-                    <m:sSub>
-                      <m:sSubPr>
-                        <m:ctrlPr>
-                          <a:rPr lang="en-US" altLang="zh-CN" sz="2000" i="1">
-                            <a:latin typeface="Cambria Math" panose="02040503050406030204" pitchFamily="18" charset="0"/>
-                          </a:rPr>
-                        </m:ctrlPr>
-                      </m:sSubPr>
-                      <m:e>
-                        <m:r>
-                          <a:rPr lang="en-US" altLang="zh-CN" sz="2000" i="1">
-                            <a:latin typeface="Cambria Math" panose="02040503050406030204" pitchFamily="18" charset="0"/>
-                          </a:rPr>
-                          <m:t>h</m:t>
-                        </m:r>
-                      </m:e>
-                      <m:sub>
-                        <m:r>
-                          <a:rPr lang="zh-CN" altLang="en-US" sz="2000" i="1">
-                            <a:latin typeface="Cambria Math" panose="02040503050406030204" pitchFamily="18" charset="0"/>
-                          </a:rPr>
-                          <m:t>𝜃</m:t>
-                        </m:r>
-                      </m:sub>
-                    </m:sSub>
-                    <m:d>
-                      <m:dPr>
-                        <m:ctrlPr>
-                          <a:rPr lang="en-US" altLang="zh-CN" sz="2000" i="1">
-                            <a:latin typeface="Cambria Math" panose="02040503050406030204" pitchFamily="18" charset="0"/>
-                          </a:rPr>
-                        </m:ctrlPr>
-                      </m:dPr>
-                      <m:e>
-                        <m:r>
-                          <a:rPr lang="en-US" altLang="zh-CN" sz="2000" i="1">
-                            <a:latin typeface="Cambria Math" panose="02040503050406030204" pitchFamily="18" charset="0"/>
-                          </a:rPr>
-                          <m:t>𝑥</m:t>
-                        </m:r>
-                      </m:e>
-                    </m:d>
-                  </m:oMath>
-                </a14:m>
-                <a:r>
-                  <a:rPr lang="en-US" altLang="zh-CN" sz="2000" dirty="0"/>
-                  <a:t> to </a:t>
-                </a:r>
-                <a:r>
-                  <a:rPr lang="en-US" altLang="zh-CN" sz="2000" dirty="0" smtClean="0"/>
-                  <a:t>take values </a:t>
-                </a:r>
-                <a:r>
-                  <a:rPr lang="en-US" altLang="zh-CN" sz="2000" dirty="0"/>
-                  <a:t>larger than 1 or smaller than </a:t>
-                </a:r>
-                <a:r>
-                  <a:rPr lang="en-US" altLang="zh-CN" sz="2000" dirty="0" smtClean="0"/>
-                  <a:t>0.</a:t>
-                </a:r>
-              </a:p>
-              <a:p>
-                <a:pPr>
-                  <a:buFont typeface="Wingdings" panose="05000000000000000000" pitchFamily="2" charset="2"/>
-                  <a:buChar char="Ø"/>
-                </a:pPr>
-                <a:r>
-                  <a:rPr lang="en-US" altLang="zh-CN" sz="2000" dirty="0" smtClean="0"/>
-                  <a:t> To </a:t>
-                </a:r>
-                <a:r>
-                  <a:rPr lang="en-US" altLang="zh-CN" sz="2000" dirty="0"/>
-                  <a:t>fix this, let’s change the form for our hypotheses </a:t>
-                </a:r>
-                <a14:m>
-                  <m:oMath xmlns:m="http://schemas.openxmlformats.org/officeDocument/2006/math">
-                    <m:sSub>
-                      <m:sSubPr>
-                        <m:ctrlPr>
-                          <a:rPr lang="en-US" altLang="zh-CN" sz="2000" i="1">
-                            <a:latin typeface="Cambria Math" panose="02040503050406030204" pitchFamily="18" charset="0"/>
-                          </a:rPr>
-                        </m:ctrlPr>
-                      </m:sSubPr>
-                      <m:e>
-                        <m:r>
-                          <a:rPr lang="en-US" altLang="zh-CN" sz="2000" i="1">
-                            <a:latin typeface="Cambria Math" panose="02040503050406030204" pitchFamily="18" charset="0"/>
-                          </a:rPr>
-                          <m:t>h</m:t>
-                        </m:r>
-                      </m:e>
-                      <m:sub>
-                        <m:r>
-                          <a:rPr lang="zh-CN" altLang="en-US" sz="2000" i="1">
-                            <a:latin typeface="Cambria Math" panose="02040503050406030204" pitchFamily="18" charset="0"/>
-                          </a:rPr>
-                          <m:t>𝜃</m:t>
-                        </m:r>
-                      </m:sub>
-                    </m:sSub>
-                    <m:d>
-                      <m:dPr>
-                        <m:ctrlPr>
-                          <a:rPr lang="en-US" altLang="zh-CN" sz="2000" i="1">
-                            <a:latin typeface="Cambria Math" panose="02040503050406030204" pitchFamily="18" charset="0"/>
-                          </a:rPr>
-                        </m:ctrlPr>
-                      </m:dPr>
-                      <m:e>
-                        <m:r>
-                          <a:rPr lang="en-US" altLang="zh-CN" sz="2000" i="1">
-                            <a:latin typeface="Cambria Math" panose="02040503050406030204" pitchFamily="18" charset="0"/>
-                          </a:rPr>
-                          <m:t>𝑥</m:t>
-                        </m:r>
-                      </m:e>
-                    </m:d>
-                  </m:oMath>
-                </a14:m>
-                <a:r>
-                  <a:rPr lang="en-US" altLang="zh-CN" sz="2000" dirty="0"/>
-                  <a:t>. We will </a:t>
-                </a:r>
-                <a:r>
-                  <a:rPr lang="en-US" altLang="zh-CN" sz="2000" dirty="0" smtClean="0"/>
-                  <a:t>choose</a:t>
-                </a:r>
-              </a:p>
-              <a:p>
-                <a:pPr marL="0" indent="0" algn="ctr">
-                  <a:buNone/>
-                </a:pPr>
-                <a:r>
-                  <a:rPr lang="en-US" altLang="zh-CN" sz="2000" dirty="0"/>
-                  <a:t> </a:t>
-                </a:r>
-                <a:r>
-                  <a:rPr lang="en-US" altLang="zh-CN" sz="2000" dirty="0" smtClean="0"/>
-                  <a:t>  </a:t>
-                </a:r>
-                <a14:m>
-                  <m:oMath xmlns:m="http://schemas.openxmlformats.org/officeDocument/2006/math">
-                    <m:sSub>
-                      <m:sSubPr>
-                        <m:ctrlPr>
-                          <a:rPr lang="en-US" altLang="zh-CN" sz="2000" i="1">
-                            <a:latin typeface="Cambria Math" panose="02040503050406030204" pitchFamily="18" charset="0"/>
-                          </a:rPr>
-                        </m:ctrlPr>
-                      </m:sSubPr>
-                      <m:e>
-                        <m:r>
-                          <a:rPr lang="en-US" altLang="zh-CN" sz="2000" i="1">
-                            <a:latin typeface="Cambria Math" panose="02040503050406030204" pitchFamily="18" charset="0"/>
-                          </a:rPr>
-                          <m:t>h</m:t>
-                        </m:r>
-                      </m:e>
-                      <m:sub>
-                        <m:r>
-                          <a:rPr lang="zh-CN" altLang="en-US" sz="2000" i="1">
-                            <a:latin typeface="Cambria Math" panose="02040503050406030204" pitchFamily="18" charset="0"/>
-                          </a:rPr>
-                          <m:t>𝜃</m:t>
-                        </m:r>
-                      </m:sub>
-                    </m:sSub>
-                    <m:d>
-                      <m:dPr>
-                        <m:ctrlPr>
-                          <a:rPr lang="en-US" altLang="zh-CN" sz="2000" i="1">
-                            <a:latin typeface="Cambria Math" panose="02040503050406030204" pitchFamily="18" charset="0"/>
-                          </a:rPr>
-                        </m:ctrlPr>
-                      </m:dPr>
-                      <m:e>
-                        <m:r>
-                          <a:rPr lang="en-US" altLang="zh-CN" sz="2000" i="1">
-                            <a:latin typeface="Cambria Math" panose="02040503050406030204" pitchFamily="18" charset="0"/>
-                          </a:rPr>
-                          <m:t>𝑥</m:t>
-                        </m:r>
-                      </m:e>
-                    </m:d>
-                    <m:r>
-                      <a:rPr lang="en-US" altLang="zh-CN" sz="2000" b="0" i="1" smtClean="0">
-                        <a:latin typeface="Cambria Math" panose="02040503050406030204" pitchFamily="18" charset="0"/>
-                      </a:rPr>
-                      <m:t>=</m:t>
-                    </m:r>
-                    <m:r>
-                      <a:rPr lang="en-US" altLang="zh-CN" sz="2000" b="0" i="1" smtClean="0">
-                        <a:latin typeface="Cambria Math" panose="02040503050406030204" pitchFamily="18" charset="0"/>
-                      </a:rPr>
-                      <m:t>𝑔</m:t>
-                    </m:r>
-                    <m:d>
-                      <m:dPr>
-                        <m:ctrlPr>
-                          <a:rPr lang="en-US" altLang="zh-CN" sz="2000" b="0" i="1" smtClean="0">
-                            <a:latin typeface="Cambria Math" panose="02040503050406030204" pitchFamily="18" charset="0"/>
-                          </a:rPr>
-                        </m:ctrlPr>
-                      </m:dPr>
-                      <m:e>
-                        <m:sSup>
-                          <m:sSupPr>
-                            <m:ctrlPr>
-                              <a:rPr lang="en-US" altLang="zh-CN" sz="2000" b="0" i="1" smtClean="0">
-                                <a:latin typeface="Cambria Math" panose="02040503050406030204" pitchFamily="18" charset="0"/>
-                              </a:rPr>
-                            </m:ctrlPr>
-                          </m:sSupPr>
-                          <m:e>
-                            <m:r>
-                              <a:rPr lang="zh-CN" altLang="en-US" sz="2000" b="0" i="1" smtClean="0">
-                                <a:latin typeface="Cambria Math" panose="02040503050406030204" pitchFamily="18" charset="0"/>
-                              </a:rPr>
-                              <m:t>𝜃</m:t>
-                            </m:r>
-                          </m:e>
-                          <m:sup>
-                            <m:r>
-                              <a:rPr lang="en-US" altLang="zh-CN" sz="2000" b="0" i="1" smtClean="0">
-                                <a:latin typeface="Cambria Math" panose="02040503050406030204" pitchFamily="18" charset="0"/>
-                              </a:rPr>
-                              <m:t>𝑇</m:t>
-                            </m:r>
-                          </m:sup>
-                        </m:sSup>
-                        <m:r>
-                          <a:rPr lang="en-US" altLang="zh-CN" sz="2000" b="0" i="1" smtClean="0">
-                            <a:latin typeface="Cambria Math" panose="02040503050406030204" pitchFamily="18" charset="0"/>
-                          </a:rPr>
-                          <m:t>𝑥</m:t>
-                        </m:r>
-                      </m:e>
-                    </m:d>
-                    <m:r>
-                      <a:rPr lang="en-US" altLang="zh-CN" sz="2000" b="0" i="1" smtClean="0">
-                        <a:latin typeface="Cambria Math" panose="02040503050406030204" pitchFamily="18" charset="0"/>
-                      </a:rPr>
-                      <m:t>=</m:t>
-                    </m:r>
-                    <m:f>
-                      <m:fPr>
-                        <m:ctrlPr>
-                          <a:rPr lang="en-US" altLang="zh-CN" sz="2000" b="0" i="1" smtClean="0">
-                            <a:latin typeface="Cambria Math" panose="02040503050406030204" pitchFamily="18" charset="0"/>
-                          </a:rPr>
-                        </m:ctrlPr>
-                      </m:fPr>
-                      <m:num>
-                        <m:r>
-                          <a:rPr lang="en-US" altLang="zh-CN" sz="2000" b="0" i="1" smtClean="0">
-                            <a:latin typeface="Cambria Math" panose="02040503050406030204" pitchFamily="18" charset="0"/>
-                          </a:rPr>
-                          <m:t>1</m:t>
-                        </m:r>
-                      </m:num>
-                      <m:den>
-                        <m:r>
-                          <a:rPr lang="en-US" altLang="zh-CN" sz="2000" b="0" i="1" smtClean="0">
-                            <a:latin typeface="Cambria Math" panose="02040503050406030204" pitchFamily="18" charset="0"/>
-                          </a:rPr>
-                          <m:t>1+</m:t>
-                        </m:r>
-                        <m:sSup>
-                          <m:sSupPr>
-                            <m:ctrlPr>
-                              <a:rPr lang="en-US" altLang="zh-CN" sz="2000" b="0" i="1" smtClean="0">
-                                <a:latin typeface="Cambria Math" panose="02040503050406030204" pitchFamily="18" charset="0"/>
-                              </a:rPr>
-                            </m:ctrlPr>
-                          </m:sSupPr>
-                          <m:e>
-                            <m:r>
-                              <a:rPr lang="en-US" altLang="zh-CN" sz="2000" b="0" i="1" smtClean="0">
-                                <a:latin typeface="Cambria Math" panose="02040503050406030204" pitchFamily="18" charset="0"/>
-                              </a:rPr>
-                              <m:t>𝑒</m:t>
-                            </m:r>
-                          </m:e>
-                          <m:sup>
-                            <m:r>
-                              <a:rPr lang="en-US" altLang="zh-CN" sz="2000" b="0" i="1" smtClean="0">
-                                <a:latin typeface="Cambria Math" panose="02040503050406030204" pitchFamily="18" charset="0"/>
-                              </a:rPr>
-                              <m:t>−</m:t>
-                            </m:r>
-                            <m:sSup>
-                              <m:sSupPr>
-                                <m:ctrlPr>
-                                  <a:rPr lang="en-US" altLang="zh-CN" sz="2000" b="0" i="1" smtClean="0">
-                                    <a:latin typeface="Cambria Math" panose="02040503050406030204" pitchFamily="18" charset="0"/>
-                                  </a:rPr>
-                                </m:ctrlPr>
-                              </m:sSupPr>
-                              <m:e>
-                                <m:r>
-                                  <a:rPr lang="zh-CN" altLang="en-US" sz="2000" b="0" i="1" smtClean="0">
-                                    <a:latin typeface="Cambria Math" panose="02040503050406030204" pitchFamily="18" charset="0"/>
-                                  </a:rPr>
-                                  <m:t>𝜃</m:t>
-                                </m:r>
-                              </m:e>
-                              <m:sup>
-                                <m:r>
-                                  <a:rPr lang="en-US" altLang="zh-CN" sz="2000" b="0" i="1" smtClean="0">
-                                    <a:latin typeface="Cambria Math" panose="02040503050406030204" pitchFamily="18" charset="0"/>
-                                  </a:rPr>
-                                  <m:t>𝑇</m:t>
-                                </m:r>
-                              </m:sup>
-                            </m:sSup>
-                            <m:r>
-                              <a:rPr lang="en-US" altLang="zh-CN" sz="2000" b="0" i="1" smtClean="0">
-                                <a:latin typeface="Cambria Math" panose="02040503050406030204" pitchFamily="18" charset="0"/>
-                              </a:rPr>
-                              <m:t>𝑥</m:t>
-                            </m:r>
-                          </m:sup>
-                        </m:sSup>
-                      </m:den>
-                    </m:f>
-                  </m:oMath>
-                </a14:m>
-                <a:r>
-                  <a:rPr lang="en-US" altLang="zh-CN" sz="2000" dirty="0" smtClean="0"/>
-                  <a:t> </a:t>
-                </a:r>
-              </a:p>
-              <a:p>
-                <a:pPr marL="0" indent="0">
-                  <a:buNone/>
-                </a:pPr>
-                <a:r>
-                  <a:rPr lang="en-US" altLang="zh-CN" sz="2000" dirty="0"/>
-                  <a:t> </a:t>
-                </a:r>
-                <a:r>
-                  <a:rPr lang="en-US" altLang="zh-CN" sz="2000" dirty="0" smtClean="0"/>
-                  <a:t>   where </a:t>
-                </a:r>
-                <a14:m>
-                  <m:oMath xmlns:m="http://schemas.openxmlformats.org/officeDocument/2006/math">
-                    <m:r>
-                      <a:rPr lang="en-US" altLang="zh-CN" sz="2000" i="1">
-                        <a:latin typeface="Cambria Math" panose="02040503050406030204" pitchFamily="18" charset="0"/>
-                      </a:rPr>
-                      <m:t>𝑔</m:t>
-                    </m:r>
-                    <m:d>
-                      <m:dPr>
-                        <m:ctrlPr>
-                          <a:rPr lang="en-US" altLang="zh-CN" sz="2000" i="1">
-                            <a:latin typeface="Cambria Math" panose="02040503050406030204" pitchFamily="18" charset="0"/>
-                          </a:rPr>
-                        </m:ctrlPr>
-                      </m:dPr>
-                      <m:e>
-                        <m:r>
-                          <a:rPr lang="en-US" altLang="zh-CN" sz="2000" b="0" i="1" smtClean="0">
-                            <a:latin typeface="Cambria Math" panose="02040503050406030204" pitchFamily="18" charset="0"/>
-                          </a:rPr>
-                          <m:t>𝑧</m:t>
-                        </m:r>
-                      </m:e>
-                    </m:d>
-                    <m:r>
-                      <a:rPr lang="en-US" altLang="zh-CN" sz="2000" i="1">
-                        <a:latin typeface="Cambria Math" panose="02040503050406030204" pitchFamily="18" charset="0"/>
-                      </a:rPr>
-                      <m:t>=</m:t>
-                    </m:r>
-                    <m:f>
-                      <m:fPr>
-                        <m:ctrlPr>
-                          <a:rPr lang="en-US" altLang="zh-CN" sz="2000" i="1">
-                            <a:latin typeface="Cambria Math" panose="02040503050406030204" pitchFamily="18" charset="0"/>
-                          </a:rPr>
-                        </m:ctrlPr>
-                      </m:fPr>
-                      <m:num>
-                        <m:r>
-                          <a:rPr lang="en-US" altLang="zh-CN" sz="2000" i="1">
-                            <a:latin typeface="Cambria Math" panose="02040503050406030204" pitchFamily="18" charset="0"/>
-                          </a:rPr>
-                          <m:t>1</m:t>
-                        </m:r>
-                      </m:num>
-                      <m:den>
-                        <m:r>
-                          <a:rPr lang="en-US" altLang="zh-CN" sz="2000" i="1">
-                            <a:latin typeface="Cambria Math" panose="02040503050406030204" pitchFamily="18" charset="0"/>
-                          </a:rPr>
-                          <m:t>1+</m:t>
-                        </m:r>
-                        <m:sSup>
-                          <m:sSupPr>
-                            <m:ctrlPr>
-                              <a:rPr lang="en-US" altLang="zh-CN" sz="2000" i="1">
-                                <a:latin typeface="Cambria Math" panose="02040503050406030204" pitchFamily="18" charset="0"/>
-                              </a:rPr>
-                            </m:ctrlPr>
-                          </m:sSupPr>
-                          <m:e>
-                            <m:r>
-                              <a:rPr lang="en-US" altLang="zh-CN" sz="2000" i="1">
-                                <a:latin typeface="Cambria Math" panose="02040503050406030204" pitchFamily="18" charset="0"/>
-                              </a:rPr>
-                              <m:t>𝑒</m:t>
-                            </m:r>
-                          </m:e>
-                          <m:sup>
-                            <m:r>
-                              <a:rPr lang="en-US" altLang="zh-CN" sz="2000" i="1">
-                                <a:latin typeface="Cambria Math" panose="02040503050406030204" pitchFamily="18" charset="0"/>
-                              </a:rPr>
-                              <m:t>−</m:t>
-                            </m:r>
-                            <m:r>
-                              <a:rPr lang="en-US" altLang="zh-CN" sz="2000" b="0" i="1" smtClean="0">
-                                <a:latin typeface="Cambria Math" panose="02040503050406030204" pitchFamily="18" charset="0"/>
-                              </a:rPr>
-                              <m:t>𝑧</m:t>
-                            </m:r>
-                          </m:sup>
-                        </m:sSup>
-                      </m:den>
-                    </m:f>
-                  </m:oMath>
-                </a14:m>
-                <a:endParaRPr lang="en-US" altLang="zh-CN" sz="2000" dirty="0" smtClean="0"/>
-              </a:p>
-            </p:txBody>
-          </p:sp>
-        </mc:Choice>
-        <mc:Fallback>
-          <p:sp>
-            <p:nvSpPr>
-              <p:cNvPr id="3" name="内容占位符 2"/>
-              <p:cNvSpPr>
-                <a:spLocks noGrp="1" noRot="1" noChangeAspect="1" noMove="1" noResize="1" noEditPoints="1" noAdjustHandles="1" noChangeArrowheads="1" noChangeShapeType="1" noTextEdit="1"/>
-              </p:cNvSpPr>
-              <p:nvPr>
-                <p:ph idx="1"/>
-              </p:nvPr>
-            </p:nvSpPr>
-            <p:spPr>
-              <a:blipFill>
-                <a:blip r:embed="rId2"/>
-                <a:stretch>
-                  <a:fillRect l="-522" t="-1401"/>
-                </a:stretch>
-              </a:blipFill>
-            </p:spPr>
-            <p:txBody>
-              <a:bodyPr/>
-              <a:lstStyle/>
-              <a:p>
-                <a:r>
-                  <a:rPr lang="zh-CN" altLang="en-US">
-                    <a:noFill/>
-                  </a:rPr>
-                  <a:t> </a:t>
-                </a:r>
-              </a:p>
-            </p:txBody>
-          </p:sp>
-        </mc:Fallback>
-      </mc:AlternateContent>
+      <p:sp>
+        <p:nvSpPr>
+          <p:cNvPr id="3" name="内容占位符 2"/>
+          <p:cNvSpPr>
+            <a:spLocks noGrp="1"/>
+          </p:cNvSpPr>
+          <p:nvPr>
+            <p:ph idx="1"/>
+          </p:nvPr>
+        </p:nvSpPr>
+        <p:spPr/>
+        <p:txBody>
+          <a:bodyPr/>
+          <a:lstStyle/>
+          <a:p>
+            <a:pPr>
+              <a:buFont typeface="Wingdings" panose="05000000000000000000" pitchFamily="2" charset="2"/>
+              <a:buChar char="Ø"/>
+            </a:pPr>
+            <a:r>
+              <a:rPr lang="en-US" altLang="zh-CN" sz="2000" dirty="0" smtClean="0"/>
+              <a:t> </a:t>
+            </a:r>
+            <a:r>
+              <a:rPr lang="zh-CN" altLang="en-US" sz="2000" dirty="0" smtClean="0"/>
+              <a:t>线性回归模型可以推广成分类模型，如二分类模型（逻辑回归模型），不过需要对其做出两个改变：</a:t>
+            </a:r>
+            <a:endParaRPr lang="en-US" altLang="zh-CN" sz="2000" dirty="0" smtClean="0"/>
+          </a:p>
+          <a:p>
+            <a:pPr marL="0" indent="0">
+              <a:buNone/>
+            </a:pPr>
+            <a:r>
+              <a:rPr lang="en-US" altLang="zh-CN" sz="2000" dirty="0" smtClean="0"/>
+              <a:t>           </a:t>
+            </a:r>
+            <a:r>
+              <a:rPr lang="zh-CN" altLang="en-US" sz="2000" dirty="0" smtClean="0"/>
+              <a:t>第一，要把假设</a:t>
+            </a:r>
+            <a:r>
+              <a:rPr lang="en-US" altLang="zh-CN" sz="2000" dirty="0" smtClean="0"/>
+              <a:t>y</a:t>
+            </a:r>
+            <a:r>
+              <a:rPr lang="zh-CN" altLang="en-US" sz="2000" dirty="0" smtClean="0"/>
+              <a:t>服从的高斯分布换成适合于二分类模型的伯努利分布，从而可以把模</a:t>
+            </a:r>
+            <a:endParaRPr lang="en-US" altLang="zh-CN" sz="2000" dirty="0" smtClean="0"/>
+          </a:p>
+          <a:p>
+            <a:pPr marL="0" indent="0">
+              <a:buNone/>
+            </a:pPr>
+            <a:r>
+              <a:rPr lang="en-US" altLang="zh-CN" sz="2000" dirty="0"/>
+              <a:t> </a:t>
+            </a:r>
+            <a:r>
+              <a:rPr lang="en-US" altLang="zh-CN" sz="2000" dirty="0" smtClean="0"/>
+              <a:t>                     </a:t>
+            </a:r>
+            <a:r>
+              <a:rPr lang="zh-CN" altLang="en-US" sz="2000" dirty="0" smtClean="0"/>
+              <a:t>型的输出看作成概率值</a:t>
+            </a:r>
+            <a:r>
+              <a:rPr lang="en-US" altLang="zh-CN" sz="2000" dirty="0" smtClean="0"/>
+              <a:t>, </a:t>
+            </a:r>
+            <a:r>
+              <a:rPr lang="zh-CN" altLang="en-US" sz="2000" dirty="0" smtClean="0"/>
+              <a:t>因此适合于使用最大似然估计求参数；</a:t>
+            </a:r>
+            <a:endParaRPr lang="en-US" altLang="zh-CN" sz="2000" dirty="0" smtClean="0"/>
+          </a:p>
+          <a:p>
+            <a:pPr marL="0" indent="0">
+              <a:buNone/>
+            </a:pPr>
+            <a:r>
+              <a:rPr lang="en-US" altLang="zh-CN" sz="2000" dirty="0"/>
+              <a:t> </a:t>
+            </a:r>
+            <a:r>
+              <a:rPr lang="en-US" altLang="zh-CN" sz="2000" dirty="0" smtClean="0"/>
+              <a:t>          </a:t>
+            </a:r>
+            <a:r>
+              <a:rPr lang="zh-CN" altLang="en-US" sz="2000" dirty="0" smtClean="0"/>
+              <a:t>第二，在计算输入数据的线性组合后，还要将该计算结果代入另一个函数中，该函数</a:t>
+            </a:r>
+            <a:endParaRPr lang="en-US" altLang="zh-CN" sz="2000" dirty="0" smtClean="0"/>
+          </a:p>
+          <a:p>
+            <a:pPr marL="0" indent="0">
+              <a:buNone/>
+            </a:pPr>
+            <a:r>
+              <a:rPr lang="en-US" altLang="zh-CN" sz="2000" dirty="0"/>
+              <a:t> </a:t>
+            </a:r>
+            <a:r>
+              <a:rPr lang="en-US" altLang="zh-CN" sz="2000" dirty="0" smtClean="0"/>
+              <a:t>                     </a:t>
+            </a:r>
+            <a:r>
+              <a:rPr lang="zh-CN" altLang="en-US" sz="2000" dirty="0" smtClean="0"/>
+              <a:t>需要确保其输出值介于</a:t>
+            </a:r>
+            <a:r>
+              <a:rPr lang="en-US" altLang="zh-CN" sz="2000" dirty="0" smtClean="0"/>
+              <a:t>0</a:t>
+            </a:r>
+            <a:r>
+              <a:rPr lang="zh-CN" altLang="en-US" sz="2000" dirty="0" smtClean="0"/>
+              <a:t>和</a:t>
+            </a:r>
+            <a:r>
+              <a:rPr lang="en-US" altLang="zh-CN" sz="2000" dirty="0" smtClean="0"/>
+              <a:t>1</a:t>
+            </a:r>
+            <a:r>
+              <a:rPr lang="zh-CN" altLang="en-US" sz="2000" dirty="0" smtClean="0"/>
+              <a:t>之间。如果该函数是</a:t>
+            </a:r>
+            <a:r>
+              <a:rPr lang="en-US" altLang="zh-CN" sz="2000" dirty="0" smtClean="0"/>
+              <a:t>sigmoid</a:t>
+            </a:r>
+            <a:r>
+              <a:rPr lang="zh-CN" altLang="en-US" sz="2000" dirty="0" smtClean="0"/>
+              <a:t>函数，此时即为逻辑回</a:t>
+            </a:r>
+            <a:endParaRPr lang="en-US" altLang="zh-CN" sz="2000" dirty="0" smtClean="0"/>
+          </a:p>
+          <a:p>
+            <a:pPr marL="0" indent="0">
+              <a:buNone/>
+            </a:pPr>
+            <a:r>
+              <a:rPr lang="en-US" altLang="zh-CN" sz="2000" dirty="0"/>
+              <a:t> </a:t>
+            </a:r>
+            <a:r>
+              <a:rPr lang="en-US" altLang="zh-CN" sz="2000" dirty="0" smtClean="0"/>
+              <a:t>                     </a:t>
+            </a:r>
+            <a:r>
+              <a:rPr lang="zh-CN" altLang="en-US" sz="2000" dirty="0" smtClean="0"/>
+              <a:t>归模型。</a:t>
+            </a:r>
+            <a:endParaRPr lang="en-US" altLang="zh-CN" sz="2000" dirty="0" smtClean="0"/>
+          </a:p>
+          <a:p>
+            <a:pPr marL="0" indent="0">
+              <a:buNone/>
+            </a:pPr>
+            <a:r>
+              <a:rPr lang="en-US" altLang="zh-TW" sz="2000" dirty="0"/>
+              <a:t>Bernoulli </a:t>
+            </a:r>
+            <a:r>
+              <a:rPr lang="en-US" altLang="zh-TW" sz="2000" dirty="0" smtClean="0"/>
+              <a:t>distribution, </a:t>
+            </a:r>
+            <a:r>
+              <a:rPr lang="zh-TW" altLang="en-US" sz="2000" dirty="0" smtClean="0"/>
+              <a:t>又</a:t>
+            </a:r>
+            <a:r>
+              <a:rPr lang="zh-TW" altLang="en-US" sz="2000" dirty="0"/>
+              <a:t>名</a:t>
+            </a:r>
+            <a:r>
+              <a:rPr lang="en-US" altLang="zh-TW" sz="2000" dirty="0"/>
+              <a:t>0-1</a:t>
+            </a:r>
+            <a:r>
+              <a:rPr lang="zh-TW" altLang="en-US" sz="2000" dirty="0" smtClean="0"/>
+              <a:t>分布</a:t>
+            </a:r>
+            <a:r>
+              <a:rPr lang="en-US" altLang="zh-TW" sz="2000" dirty="0" smtClean="0"/>
+              <a:t>, </a:t>
+            </a:r>
+            <a:r>
+              <a:rPr lang="zh-TW" altLang="en-US" sz="2000" dirty="0" smtClean="0"/>
+              <a:t>是</a:t>
+            </a:r>
+            <a:r>
+              <a:rPr lang="zh-TW" altLang="en-US" sz="2000" dirty="0"/>
+              <a:t>一個離散型</a:t>
+            </a:r>
+            <a:r>
+              <a:rPr lang="zh-TW" altLang="en-US" sz="2000" dirty="0" smtClean="0"/>
+              <a:t>概率分布。若伯努利</a:t>
+            </a:r>
+            <a:r>
+              <a:rPr lang="zh-TW" altLang="en-US" sz="2000" dirty="0"/>
+              <a:t>試驗</a:t>
+            </a:r>
+            <a:r>
+              <a:rPr lang="zh-TW" altLang="en-US" sz="2000" dirty="0" smtClean="0"/>
+              <a:t>成功</a:t>
+            </a:r>
+            <a:r>
+              <a:rPr lang="en-US" altLang="zh-TW" sz="2000" dirty="0" smtClean="0"/>
+              <a:t>, </a:t>
+            </a:r>
+            <a:r>
+              <a:rPr lang="zh-TW" altLang="en-US" sz="2000" dirty="0" smtClean="0"/>
+              <a:t>則</a:t>
+            </a:r>
+            <a:r>
+              <a:rPr lang="zh-TW" altLang="en-US" sz="2000" dirty="0"/>
+              <a:t>伯努利隨机變量取值為</a:t>
+            </a:r>
+            <a:r>
+              <a:rPr lang="en-US" altLang="zh-TW" sz="2000" dirty="0"/>
+              <a:t>1</a:t>
+            </a:r>
+            <a:r>
+              <a:rPr lang="zh-TW" altLang="en-US" sz="2000" dirty="0"/>
+              <a:t>。若伯努利試驗失</a:t>
+            </a:r>
+            <a:r>
+              <a:rPr lang="zh-TW" altLang="en-US" sz="2000" dirty="0" smtClean="0"/>
+              <a:t>敗</a:t>
+            </a:r>
+            <a:r>
+              <a:rPr lang="en-US" altLang="zh-TW" sz="2000" dirty="0" smtClean="0"/>
+              <a:t>, </a:t>
+            </a:r>
+            <a:r>
+              <a:rPr lang="zh-TW" altLang="en-US" sz="2000" dirty="0" smtClean="0"/>
+              <a:t>則</a:t>
+            </a:r>
+            <a:r>
+              <a:rPr lang="zh-TW" altLang="en-US" sz="2000" dirty="0"/>
+              <a:t>伯努利隨机變量取值為</a:t>
+            </a:r>
+            <a:r>
+              <a:rPr lang="en-US" altLang="zh-TW" sz="2000" dirty="0"/>
+              <a:t>0</a:t>
+            </a:r>
+            <a:r>
+              <a:rPr lang="zh-TW" altLang="en-US" sz="2000" dirty="0"/>
+              <a:t>。記其成功概率為  </a:t>
+            </a:r>
+            <a:r>
+              <a:rPr lang="en-US" altLang="zh-TW" sz="2000" dirty="0" smtClean="0"/>
+              <a:t>p, </a:t>
+            </a:r>
+            <a:r>
+              <a:rPr lang="zh-TW" altLang="en-US" sz="2000" dirty="0" smtClean="0"/>
+              <a:t>失</a:t>
+            </a:r>
+            <a:r>
+              <a:rPr lang="zh-TW" altLang="en-US" sz="2000" dirty="0"/>
+              <a:t>敗概率為 </a:t>
+            </a:r>
+            <a:r>
+              <a:rPr lang="en-US" altLang="zh-TW" sz="2000" dirty="0" smtClean="0"/>
+              <a:t>q=1-p</a:t>
+            </a:r>
+            <a:r>
+              <a:rPr lang="zh-TW" altLang="en-US" sz="2000" dirty="0" smtClean="0"/>
+              <a:t>。</a:t>
+            </a:r>
+            <a:endParaRPr lang="en-US" altLang="zh-CN" sz="2000" dirty="0"/>
+          </a:p>
+          <a:p>
+            <a:pPr>
+              <a:buFont typeface="Wingdings" panose="05000000000000000000" pitchFamily="2" charset="2"/>
+              <a:buChar char="Ø"/>
+            </a:pPr>
+            <a:r>
+              <a:rPr lang="zh-CN" altLang="en-US" sz="2000" dirty="0"/>
+              <a:t> 这种通过对假定的参数模型进行建模求参数而从构建概率性分类器的方法就是判别式法。</a:t>
+            </a:r>
+            <a:endParaRPr lang="en-US" altLang="zh-CN" sz="2000" dirty="0"/>
+          </a:p>
+          <a:p>
+            <a:pPr marL="0" indent="0">
+              <a:buNone/>
+            </a:pPr>
+            <a:r>
+              <a:rPr lang="zh-CN" altLang="en-US" sz="2000" dirty="0"/>
+              <a:t>另一</a:t>
+            </a:r>
+            <a:r>
+              <a:rPr lang="zh-CN" altLang="en-US" sz="2000" dirty="0"/>
+              <a:t>种生成法是通过建模联合分布得到条件分布从而构建出概率性分类器。</a:t>
+            </a:r>
+            <a:endParaRPr lang="en-US" altLang="zh-CN" sz="2000" dirty="0"/>
+          </a:p>
+        </p:txBody>
+      </p:sp>
     </p:spTree>
     <p:extLst>
       <p:ext uri="{BB962C8B-B14F-4D97-AF65-F5344CB8AC3E}">
-        <p14:creationId xmlns:p14="http://schemas.microsoft.com/office/powerpoint/2010/main" val="4087018265"/>
+        <p14:creationId xmlns:p14="http://schemas.microsoft.com/office/powerpoint/2010/main" val="1981125450"/>
       </p:ext>
     </p:extLst>
   </p:cSld>
@@ -12410,8 +12066,759 @@
           </a:p>
         </p:txBody>
       </p:sp>
-      <mc:AlternateContent xmlns:mc="http://schemas.openxmlformats.org/markup-compatibility/2006">
-        <mc:Choice xmlns:a14="http://schemas.microsoft.com/office/drawing/2010/main" Requires="a14">
+      <mc:AlternateContent xmlns:mc="http://schemas.openxmlformats.org/markup-compatibility/2006" xmlns:a14="http://schemas.microsoft.com/office/drawing/2010/main">
+        <mc:Choice Requires="a14">
+          <p:sp>
+            <p:nvSpPr>
+              <p:cNvPr id="3" name="内容占位符 2"/>
+              <p:cNvSpPr>
+                <a:spLocks noGrp="1"/>
+              </p:cNvSpPr>
+              <p:nvPr>
+                <p:ph idx="1"/>
+              </p:nvPr>
+            </p:nvSpPr>
+            <p:spPr/>
+            <p:txBody>
+              <a:bodyPr/>
+              <a:lstStyle/>
+              <a:p>
+                <a:pPr>
+                  <a:buFont typeface="Wingdings" panose="05000000000000000000" pitchFamily="2" charset="2"/>
+                  <a:buChar char="Ø"/>
+                </a:pPr>
+                <a:r>
+                  <a:rPr lang="en-US" altLang="zh-CN" sz="2000" dirty="0" smtClean="0"/>
+                  <a:t> a </a:t>
+                </a:r>
+                <a:r>
+                  <a:rPr lang="en-US" altLang="zh-CN" sz="2000" dirty="0"/>
+                  <a:t>classification problem </a:t>
+                </a:r>
+                <a:endParaRPr lang="en-US" altLang="zh-CN" sz="2000" dirty="0" smtClean="0"/>
+              </a:p>
+              <a:p>
+                <a:pPr>
+                  <a:buFont typeface="Wingdings" panose="05000000000000000000" pitchFamily="2" charset="2"/>
+                  <a:buChar char="Ø"/>
+                </a:pPr>
+                <a:endParaRPr lang="en-US" altLang="zh-CN" sz="2000" dirty="0" smtClean="0"/>
+              </a:p>
+              <a:p>
+                <a:pPr>
+                  <a:buFont typeface="Wingdings" panose="05000000000000000000" pitchFamily="2" charset="2"/>
+                  <a:buChar char="Ø"/>
+                </a:pPr>
+                <a:r>
+                  <a:rPr lang="en-US" altLang="zh-CN" sz="2000" dirty="0" smtClean="0"/>
+                  <a:t> </a:t>
+                </a:r>
+                <a:r>
+                  <a:rPr lang="en-US" altLang="zh-CN" sz="2000" dirty="0"/>
+                  <a:t>Linear Regression: We could approach the classification problem ignoring the fact that </a:t>
+                </a:r>
+                <a:endParaRPr lang="en-US" altLang="zh-CN" sz="2000" dirty="0" smtClean="0"/>
+              </a:p>
+              <a:p>
+                <a:pPr marL="0" indent="0">
+                  <a:buNone/>
+                </a:pPr>
+                <a:r>
+                  <a:rPr lang="en-US" altLang="zh-CN" sz="2000" dirty="0"/>
+                  <a:t> </a:t>
+                </a:r>
+                <a:r>
+                  <a:rPr lang="en-US" altLang="zh-CN" sz="2000" dirty="0" smtClean="0"/>
+                  <a:t>   y is discrete-valued</a:t>
+                </a:r>
+                <a:r>
+                  <a:rPr lang="en-US" altLang="zh-CN" sz="2000" dirty="0"/>
+                  <a:t>, and </a:t>
+                </a:r>
+                <a:r>
+                  <a:rPr lang="en-US" altLang="zh-CN" sz="2000" dirty="0">
+                    <a:solidFill>
+                      <a:srgbClr val="FF0000"/>
+                    </a:solidFill>
+                  </a:rPr>
+                  <a:t>use </a:t>
+                </a:r>
+                <a:r>
+                  <a:rPr lang="en-US" altLang="zh-CN" sz="2000" dirty="0" smtClean="0">
+                    <a:solidFill>
+                      <a:srgbClr val="FF0000"/>
+                    </a:solidFill>
+                  </a:rPr>
+                  <a:t>linear </a:t>
+                </a:r>
+                <a:r>
+                  <a:rPr lang="en-US" altLang="zh-CN" sz="2000" dirty="0">
+                    <a:solidFill>
+                      <a:srgbClr val="FF0000"/>
+                    </a:solidFill>
+                  </a:rPr>
+                  <a:t>regression algorithm to try to </a:t>
+                </a:r>
+                <a:r>
+                  <a:rPr lang="en-US" altLang="zh-CN" sz="2000" dirty="0" smtClean="0">
+                    <a:solidFill>
+                      <a:srgbClr val="FF0000"/>
+                    </a:solidFill>
+                  </a:rPr>
+                  <a:t>predict y</a:t>
+                </a:r>
+                <a:r>
+                  <a:rPr lang="en-US" altLang="zh-CN" sz="2000" dirty="0" smtClean="0"/>
+                  <a:t> </a:t>
+                </a:r>
+                <a:r>
+                  <a:rPr lang="en-US" altLang="zh-CN" sz="2000" dirty="0"/>
+                  <a:t>given x</a:t>
+                </a:r>
+                <a:r>
+                  <a:rPr lang="en-US" altLang="zh-CN" sz="2000" dirty="0" smtClean="0"/>
+                  <a:t>.</a:t>
+                </a:r>
+              </a:p>
+              <a:p>
+                <a:pPr>
+                  <a:buFont typeface="Wingdings" panose="05000000000000000000" pitchFamily="2" charset="2"/>
+                  <a:buChar char="Ø"/>
+                </a:pPr>
+                <a:endParaRPr lang="en-US" altLang="zh-CN" sz="2000" dirty="0" smtClean="0"/>
+              </a:p>
+              <a:p>
+                <a:pPr>
+                  <a:buFont typeface="Wingdings" panose="05000000000000000000" pitchFamily="2" charset="2"/>
+                  <a:buChar char="Ø"/>
+                </a:pPr>
+                <a:r>
+                  <a:rPr lang="en-US" altLang="zh-CN" sz="2000" dirty="0"/>
+                  <a:t> </a:t>
+                </a:r>
+                <a:r>
+                  <a:rPr lang="en-US" altLang="zh-CN" sz="2000" dirty="0" smtClean="0"/>
+                  <a:t>When </a:t>
+                </a:r>
+                <a:r>
+                  <a:rPr lang="en-US" altLang="zh-CN" sz="2000" dirty="0"/>
+                  <a:t>we know that </a:t>
+                </a:r>
+                <a:r>
+                  <a:rPr lang="en-US" altLang="zh-CN" sz="2000" dirty="0" smtClean="0"/>
+                  <a:t>y</a:t>
+                </a:r>
+                <a14:m>
+                  <m:oMath xmlns:m="http://schemas.openxmlformats.org/officeDocument/2006/math">
+                    <m:r>
+                      <a:rPr lang="en-US" altLang="zh-CN" sz="2000" i="1" smtClean="0">
+                        <a:latin typeface="Cambria Math" panose="02040503050406030204" pitchFamily="18" charset="0"/>
+                        <a:ea typeface="Cambria Math" panose="02040503050406030204" pitchFamily="18" charset="0"/>
+                      </a:rPr>
+                      <m:t>∈</m:t>
+                    </m:r>
+                    <m:d>
+                      <m:dPr>
+                        <m:begChr m:val="{"/>
+                        <m:endChr m:val="}"/>
+                        <m:ctrlPr>
+                          <a:rPr lang="en-US" altLang="zh-CN" sz="2000" i="1" smtClean="0">
+                            <a:latin typeface="Cambria Math" panose="02040503050406030204" pitchFamily="18" charset="0"/>
+                            <a:ea typeface="Cambria Math" panose="02040503050406030204" pitchFamily="18" charset="0"/>
+                          </a:rPr>
+                        </m:ctrlPr>
+                      </m:dPr>
+                      <m:e>
+                        <m:r>
+                          <a:rPr lang="en-US" altLang="zh-CN" sz="2000" b="0" i="1" smtClean="0">
+                            <a:latin typeface="Cambria Math" panose="02040503050406030204" pitchFamily="18" charset="0"/>
+                            <a:ea typeface="Cambria Math" panose="02040503050406030204" pitchFamily="18" charset="0"/>
+                          </a:rPr>
+                          <m:t>0, 1</m:t>
+                        </m:r>
+                      </m:e>
+                    </m:d>
+                  </m:oMath>
+                </a14:m>
+                <a:r>
+                  <a:rPr lang="en-US" altLang="zh-CN" sz="2000" dirty="0" smtClean="0"/>
+                  <a:t>, intuitively</a:t>
+                </a:r>
+                <a:r>
+                  <a:rPr lang="en-US" altLang="zh-CN" sz="2000" dirty="0"/>
+                  <a:t>, it </a:t>
+                </a:r>
+                <a:r>
+                  <a:rPr lang="en-US" altLang="zh-CN" sz="2000" dirty="0" smtClean="0"/>
+                  <a:t>doesn’t </a:t>
+                </a:r>
+                <a:r>
+                  <a:rPr lang="en-US" altLang="zh-CN" sz="2000" dirty="0"/>
+                  <a:t>make sense </a:t>
+                </a:r>
+                <a:endParaRPr lang="en-US" altLang="zh-CN" sz="2000" dirty="0" smtClean="0"/>
+              </a:p>
+              <a:p>
+                <a:pPr marL="0" indent="0">
+                  <a:buNone/>
+                </a:pPr>
+                <a:r>
+                  <a:rPr lang="en-US" altLang="zh-CN" sz="2000" dirty="0"/>
+                  <a:t> </a:t>
+                </a:r>
+                <a:r>
+                  <a:rPr lang="en-US" altLang="zh-CN" sz="2000" dirty="0" smtClean="0"/>
+                  <a:t>    for </a:t>
+                </a:r>
+                <a14:m>
+                  <m:oMath xmlns:m="http://schemas.openxmlformats.org/officeDocument/2006/math">
+                    <m:sSub>
+                      <m:sSubPr>
+                        <m:ctrlPr>
+                          <a:rPr lang="en-US" altLang="zh-CN" sz="2000" i="1">
+                            <a:latin typeface="Cambria Math" panose="02040503050406030204" pitchFamily="18" charset="0"/>
+                          </a:rPr>
+                        </m:ctrlPr>
+                      </m:sSubPr>
+                      <m:e>
+                        <m:r>
+                          <a:rPr lang="en-US" altLang="zh-CN" sz="2000" i="1">
+                            <a:latin typeface="Cambria Math" panose="02040503050406030204" pitchFamily="18" charset="0"/>
+                          </a:rPr>
+                          <m:t>h</m:t>
+                        </m:r>
+                      </m:e>
+                      <m:sub>
+                        <m:r>
+                          <a:rPr lang="zh-CN" altLang="en-US" sz="2000" i="1">
+                            <a:latin typeface="Cambria Math" panose="02040503050406030204" pitchFamily="18" charset="0"/>
+                          </a:rPr>
+                          <m:t>𝜃</m:t>
+                        </m:r>
+                      </m:sub>
+                    </m:sSub>
+                    <m:d>
+                      <m:dPr>
+                        <m:ctrlPr>
+                          <a:rPr lang="en-US" altLang="zh-CN" sz="2000" i="1">
+                            <a:latin typeface="Cambria Math" panose="02040503050406030204" pitchFamily="18" charset="0"/>
+                          </a:rPr>
+                        </m:ctrlPr>
+                      </m:dPr>
+                      <m:e>
+                        <m:r>
+                          <a:rPr lang="en-US" altLang="zh-CN" sz="2000" i="1">
+                            <a:latin typeface="Cambria Math" panose="02040503050406030204" pitchFamily="18" charset="0"/>
+                          </a:rPr>
+                          <m:t>𝑥</m:t>
+                        </m:r>
+                      </m:e>
+                    </m:d>
+                  </m:oMath>
+                </a14:m>
+                <a:r>
+                  <a:rPr lang="en-US" altLang="zh-CN" sz="2000" dirty="0"/>
+                  <a:t> to </a:t>
+                </a:r>
+                <a:r>
+                  <a:rPr lang="en-US" altLang="zh-CN" sz="2000" dirty="0" smtClean="0"/>
+                  <a:t>take values </a:t>
+                </a:r>
+                <a:r>
+                  <a:rPr lang="en-US" altLang="zh-CN" sz="2000" dirty="0"/>
+                  <a:t>larger than 1 or smaller than </a:t>
+                </a:r>
+                <a:r>
+                  <a:rPr lang="en-US" altLang="zh-CN" sz="2000" dirty="0" smtClean="0"/>
+                  <a:t>0.</a:t>
+                </a:r>
+              </a:p>
+              <a:p>
+                <a:pPr>
+                  <a:buFont typeface="Wingdings" panose="05000000000000000000" pitchFamily="2" charset="2"/>
+                  <a:buChar char="Ø"/>
+                </a:pPr>
+                <a:r>
+                  <a:rPr lang="en-US" altLang="zh-CN" sz="2000" dirty="0" smtClean="0"/>
+                  <a:t> To </a:t>
+                </a:r>
+                <a:r>
+                  <a:rPr lang="en-US" altLang="zh-CN" sz="2000" dirty="0"/>
+                  <a:t>fix this, let’s change the form for our hypotheses </a:t>
+                </a:r>
+                <a14:m>
+                  <m:oMath xmlns:m="http://schemas.openxmlformats.org/officeDocument/2006/math">
+                    <m:sSub>
+                      <m:sSubPr>
+                        <m:ctrlPr>
+                          <a:rPr lang="en-US" altLang="zh-CN" sz="2000" i="1">
+                            <a:latin typeface="Cambria Math" panose="02040503050406030204" pitchFamily="18" charset="0"/>
+                          </a:rPr>
+                        </m:ctrlPr>
+                      </m:sSubPr>
+                      <m:e>
+                        <m:r>
+                          <a:rPr lang="en-US" altLang="zh-CN" sz="2000" i="1">
+                            <a:latin typeface="Cambria Math" panose="02040503050406030204" pitchFamily="18" charset="0"/>
+                          </a:rPr>
+                          <m:t>h</m:t>
+                        </m:r>
+                      </m:e>
+                      <m:sub>
+                        <m:r>
+                          <a:rPr lang="zh-CN" altLang="en-US" sz="2000" i="1">
+                            <a:latin typeface="Cambria Math" panose="02040503050406030204" pitchFamily="18" charset="0"/>
+                          </a:rPr>
+                          <m:t>𝜃</m:t>
+                        </m:r>
+                      </m:sub>
+                    </m:sSub>
+                    <m:d>
+                      <m:dPr>
+                        <m:ctrlPr>
+                          <a:rPr lang="en-US" altLang="zh-CN" sz="2000" i="1">
+                            <a:latin typeface="Cambria Math" panose="02040503050406030204" pitchFamily="18" charset="0"/>
+                          </a:rPr>
+                        </m:ctrlPr>
+                      </m:dPr>
+                      <m:e>
+                        <m:r>
+                          <a:rPr lang="en-US" altLang="zh-CN" sz="2000" i="1">
+                            <a:latin typeface="Cambria Math" panose="02040503050406030204" pitchFamily="18" charset="0"/>
+                          </a:rPr>
+                          <m:t>𝑥</m:t>
+                        </m:r>
+                      </m:e>
+                    </m:d>
+                  </m:oMath>
+                </a14:m>
+                <a:r>
+                  <a:rPr lang="en-US" altLang="zh-CN" sz="2000" dirty="0"/>
+                  <a:t>. We will </a:t>
+                </a:r>
+                <a:r>
+                  <a:rPr lang="en-US" altLang="zh-CN" sz="2000" dirty="0" smtClean="0"/>
+                  <a:t>choose</a:t>
+                </a:r>
+              </a:p>
+              <a:p>
+                <a:pPr marL="0" indent="0" algn="ctr">
+                  <a:buNone/>
+                </a:pPr>
+                <a:r>
+                  <a:rPr lang="en-US" altLang="zh-CN" sz="2000" dirty="0"/>
+                  <a:t> </a:t>
+                </a:r>
+                <a:r>
+                  <a:rPr lang="en-US" altLang="zh-CN" sz="2000" dirty="0" smtClean="0"/>
+                  <a:t>  </a:t>
+                </a:r>
+                <a14:m>
+                  <m:oMath xmlns:m="http://schemas.openxmlformats.org/officeDocument/2006/math">
+                    <m:sSub>
+                      <m:sSubPr>
+                        <m:ctrlPr>
+                          <a:rPr lang="en-US" altLang="zh-CN" sz="2000" i="1">
+                            <a:latin typeface="Cambria Math" panose="02040503050406030204" pitchFamily="18" charset="0"/>
+                          </a:rPr>
+                        </m:ctrlPr>
+                      </m:sSubPr>
+                      <m:e>
+                        <m:r>
+                          <a:rPr lang="en-US" altLang="zh-CN" sz="2000" i="1">
+                            <a:latin typeface="Cambria Math" panose="02040503050406030204" pitchFamily="18" charset="0"/>
+                          </a:rPr>
+                          <m:t>h</m:t>
+                        </m:r>
+                      </m:e>
+                      <m:sub>
+                        <m:r>
+                          <a:rPr lang="zh-CN" altLang="en-US" sz="2000" i="1">
+                            <a:latin typeface="Cambria Math" panose="02040503050406030204" pitchFamily="18" charset="0"/>
+                          </a:rPr>
+                          <m:t>𝜃</m:t>
+                        </m:r>
+                      </m:sub>
+                    </m:sSub>
+                    <m:d>
+                      <m:dPr>
+                        <m:ctrlPr>
+                          <a:rPr lang="en-US" altLang="zh-CN" sz="2000" i="1">
+                            <a:latin typeface="Cambria Math" panose="02040503050406030204" pitchFamily="18" charset="0"/>
+                          </a:rPr>
+                        </m:ctrlPr>
+                      </m:dPr>
+                      <m:e>
+                        <m:r>
+                          <a:rPr lang="en-US" altLang="zh-CN" sz="2000" i="1">
+                            <a:latin typeface="Cambria Math" panose="02040503050406030204" pitchFamily="18" charset="0"/>
+                          </a:rPr>
+                          <m:t>𝑥</m:t>
+                        </m:r>
+                      </m:e>
+                    </m:d>
+                    <m:r>
+                      <a:rPr lang="en-US" altLang="zh-CN" sz="2000" b="0" i="1" smtClean="0">
+                        <a:latin typeface="Cambria Math" panose="02040503050406030204" pitchFamily="18" charset="0"/>
+                      </a:rPr>
+                      <m:t>=</m:t>
+                    </m:r>
+                    <m:r>
+                      <a:rPr lang="en-US" altLang="zh-CN" sz="2000" b="0" i="1" smtClean="0">
+                        <a:latin typeface="Cambria Math" panose="02040503050406030204" pitchFamily="18" charset="0"/>
+                      </a:rPr>
+                      <m:t>𝑔</m:t>
+                    </m:r>
+                    <m:d>
+                      <m:dPr>
+                        <m:ctrlPr>
+                          <a:rPr lang="en-US" altLang="zh-CN" sz="2000" b="0" i="1" smtClean="0">
+                            <a:latin typeface="Cambria Math" panose="02040503050406030204" pitchFamily="18" charset="0"/>
+                          </a:rPr>
+                        </m:ctrlPr>
+                      </m:dPr>
+                      <m:e>
+                        <m:sSup>
+                          <m:sSupPr>
+                            <m:ctrlPr>
+                              <a:rPr lang="en-US" altLang="zh-CN" sz="2000" b="0" i="1" smtClean="0">
+                                <a:latin typeface="Cambria Math" panose="02040503050406030204" pitchFamily="18" charset="0"/>
+                              </a:rPr>
+                            </m:ctrlPr>
+                          </m:sSupPr>
+                          <m:e>
+                            <m:r>
+                              <a:rPr lang="zh-CN" altLang="en-US" sz="2000" b="0" i="1" smtClean="0">
+                                <a:latin typeface="Cambria Math" panose="02040503050406030204" pitchFamily="18" charset="0"/>
+                              </a:rPr>
+                              <m:t>𝜃</m:t>
+                            </m:r>
+                          </m:e>
+                          <m:sup>
+                            <m:r>
+                              <a:rPr lang="en-US" altLang="zh-CN" sz="2000" b="0" i="1" smtClean="0">
+                                <a:latin typeface="Cambria Math" panose="02040503050406030204" pitchFamily="18" charset="0"/>
+                              </a:rPr>
+                              <m:t>𝑇</m:t>
+                            </m:r>
+                          </m:sup>
+                        </m:sSup>
+                        <m:r>
+                          <a:rPr lang="en-US" altLang="zh-CN" sz="2000" b="0" i="1" smtClean="0">
+                            <a:latin typeface="Cambria Math" panose="02040503050406030204" pitchFamily="18" charset="0"/>
+                          </a:rPr>
+                          <m:t>𝑥</m:t>
+                        </m:r>
+                      </m:e>
+                    </m:d>
+                    <m:r>
+                      <a:rPr lang="en-US" altLang="zh-CN" sz="2000" b="0" i="1" smtClean="0">
+                        <a:latin typeface="Cambria Math" panose="02040503050406030204" pitchFamily="18" charset="0"/>
+                      </a:rPr>
+                      <m:t>=</m:t>
+                    </m:r>
+                    <m:f>
+                      <m:fPr>
+                        <m:ctrlPr>
+                          <a:rPr lang="en-US" altLang="zh-CN" sz="2000" b="0" i="1" smtClean="0">
+                            <a:latin typeface="Cambria Math" panose="02040503050406030204" pitchFamily="18" charset="0"/>
+                          </a:rPr>
+                        </m:ctrlPr>
+                      </m:fPr>
+                      <m:num>
+                        <m:r>
+                          <a:rPr lang="en-US" altLang="zh-CN" sz="2000" b="0" i="1" smtClean="0">
+                            <a:latin typeface="Cambria Math" panose="02040503050406030204" pitchFamily="18" charset="0"/>
+                          </a:rPr>
+                          <m:t>1</m:t>
+                        </m:r>
+                      </m:num>
+                      <m:den>
+                        <m:r>
+                          <a:rPr lang="en-US" altLang="zh-CN" sz="2000" b="0" i="1" smtClean="0">
+                            <a:latin typeface="Cambria Math" panose="02040503050406030204" pitchFamily="18" charset="0"/>
+                          </a:rPr>
+                          <m:t>1+</m:t>
+                        </m:r>
+                        <m:sSup>
+                          <m:sSupPr>
+                            <m:ctrlPr>
+                              <a:rPr lang="en-US" altLang="zh-CN" sz="2000" b="0" i="1" smtClean="0">
+                                <a:latin typeface="Cambria Math" panose="02040503050406030204" pitchFamily="18" charset="0"/>
+                              </a:rPr>
+                            </m:ctrlPr>
+                          </m:sSupPr>
+                          <m:e>
+                            <m:r>
+                              <a:rPr lang="en-US" altLang="zh-CN" sz="2000" b="0" i="1" smtClean="0">
+                                <a:latin typeface="Cambria Math" panose="02040503050406030204" pitchFamily="18" charset="0"/>
+                              </a:rPr>
+                              <m:t>𝑒</m:t>
+                            </m:r>
+                          </m:e>
+                          <m:sup>
+                            <m:r>
+                              <a:rPr lang="en-US" altLang="zh-CN" sz="2000" b="0" i="1" smtClean="0">
+                                <a:latin typeface="Cambria Math" panose="02040503050406030204" pitchFamily="18" charset="0"/>
+                              </a:rPr>
+                              <m:t>−</m:t>
+                            </m:r>
+                            <m:sSup>
+                              <m:sSupPr>
+                                <m:ctrlPr>
+                                  <a:rPr lang="en-US" altLang="zh-CN" sz="2000" b="0" i="1" smtClean="0">
+                                    <a:latin typeface="Cambria Math" panose="02040503050406030204" pitchFamily="18" charset="0"/>
+                                  </a:rPr>
+                                </m:ctrlPr>
+                              </m:sSupPr>
+                              <m:e>
+                                <m:r>
+                                  <a:rPr lang="zh-CN" altLang="en-US" sz="2000" b="0" i="1" smtClean="0">
+                                    <a:latin typeface="Cambria Math" panose="02040503050406030204" pitchFamily="18" charset="0"/>
+                                  </a:rPr>
+                                  <m:t>𝜃</m:t>
+                                </m:r>
+                              </m:e>
+                              <m:sup>
+                                <m:r>
+                                  <a:rPr lang="en-US" altLang="zh-CN" sz="2000" b="0" i="1" smtClean="0">
+                                    <a:latin typeface="Cambria Math" panose="02040503050406030204" pitchFamily="18" charset="0"/>
+                                  </a:rPr>
+                                  <m:t>𝑇</m:t>
+                                </m:r>
+                              </m:sup>
+                            </m:sSup>
+                            <m:r>
+                              <a:rPr lang="en-US" altLang="zh-CN" sz="2000" b="0" i="1" smtClean="0">
+                                <a:latin typeface="Cambria Math" panose="02040503050406030204" pitchFamily="18" charset="0"/>
+                              </a:rPr>
+                              <m:t>𝑥</m:t>
+                            </m:r>
+                          </m:sup>
+                        </m:sSup>
+                      </m:den>
+                    </m:f>
+                  </m:oMath>
+                </a14:m>
+                <a:r>
+                  <a:rPr lang="en-US" altLang="zh-CN" sz="2000" dirty="0" smtClean="0"/>
+                  <a:t> </a:t>
+                </a:r>
+              </a:p>
+              <a:p>
+                <a:pPr marL="0" indent="0">
+                  <a:buNone/>
+                </a:pPr>
+                <a:r>
+                  <a:rPr lang="en-US" altLang="zh-CN" sz="2000" dirty="0"/>
+                  <a:t> </a:t>
+                </a:r>
+                <a:r>
+                  <a:rPr lang="en-US" altLang="zh-CN" sz="2000" dirty="0" smtClean="0"/>
+                  <a:t>   where </a:t>
+                </a:r>
+                <a14:m>
+                  <m:oMath xmlns:m="http://schemas.openxmlformats.org/officeDocument/2006/math">
+                    <m:r>
+                      <a:rPr lang="en-US" altLang="zh-CN" sz="2000" i="1">
+                        <a:latin typeface="Cambria Math" panose="02040503050406030204" pitchFamily="18" charset="0"/>
+                      </a:rPr>
+                      <m:t>𝑔</m:t>
+                    </m:r>
+                    <m:d>
+                      <m:dPr>
+                        <m:ctrlPr>
+                          <a:rPr lang="en-US" altLang="zh-CN" sz="2000" i="1">
+                            <a:latin typeface="Cambria Math" panose="02040503050406030204" pitchFamily="18" charset="0"/>
+                          </a:rPr>
+                        </m:ctrlPr>
+                      </m:dPr>
+                      <m:e>
+                        <m:r>
+                          <a:rPr lang="en-US" altLang="zh-CN" sz="2000" b="0" i="1" smtClean="0">
+                            <a:latin typeface="Cambria Math" panose="02040503050406030204" pitchFamily="18" charset="0"/>
+                          </a:rPr>
+                          <m:t>𝑧</m:t>
+                        </m:r>
+                      </m:e>
+                    </m:d>
+                    <m:r>
+                      <a:rPr lang="en-US" altLang="zh-CN" sz="2000" i="1">
+                        <a:latin typeface="Cambria Math" panose="02040503050406030204" pitchFamily="18" charset="0"/>
+                      </a:rPr>
+                      <m:t>=</m:t>
+                    </m:r>
+                    <m:f>
+                      <m:fPr>
+                        <m:ctrlPr>
+                          <a:rPr lang="en-US" altLang="zh-CN" sz="2000" i="1">
+                            <a:latin typeface="Cambria Math" panose="02040503050406030204" pitchFamily="18" charset="0"/>
+                          </a:rPr>
+                        </m:ctrlPr>
+                      </m:fPr>
+                      <m:num>
+                        <m:r>
+                          <a:rPr lang="en-US" altLang="zh-CN" sz="2000" i="1">
+                            <a:latin typeface="Cambria Math" panose="02040503050406030204" pitchFamily="18" charset="0"/>
+                          </a:rPr>
+                          <m:t>1</m:t>
+                        </m:r>
+                      </m:num>
+                      <m:den>
+                        <m:r>
+                          <a:rPr lang="en-US" altLang="zh-CN" sz="2000" i="1">
+                            <a:latin typeface="Cambria Math" panose="02040503050406030204" pitchFamily="18" charset="0"/>
+                          </a:rPr>
+                          <m:t>1+</m:t>
+                        </m:r>
+                        <m:sSup>
+                          <m:sSupPr>
+                            <m:ctrlPr>
+                              <a:rPr lang="en-US" altLang="zh-CN" sz="2000" i="1">
+                                <a:latin typeface="Cambria Math" panose="02040503050406030204" pitchFamily="18" charset="0"/>
+                              </a:rPr>
+                            </m:ctrlPr>
+                          </m:sSupPr>
+                          <m:e>
+                            <m:r>
+                              <a:rPr lang="en-US" altLang="zh-CN" sz="2000" i="1">
+                                <a:latin typeface="Cambria Math" panose="02040503050406030204" pitchFamily="18" charset="0"/>
+                              </a:rPr>
+                              <m:t>𝑒</m:t>
+                            </m:r>
+                          </m:e>
+                          <m:sup>
+                            <m:r>
+                              <a:rPr lang="en-US" altLang="zh-CN" sz="2000" i="1">
+                                <a:latin typeface="Cambria Math" panose="02040503050406030204" pitchFamily="18" charset="0"/>
+                              </a:rPr>
+                              <m:t>−</m:t>
+                            </m:r>
+                            <m:r>
+                              <a:rPr lang="en-US" altLang="zh-CN" sz="2000" b="0" i="1" smtClean="0">
+                                <a:latin typeface="Cambria Math" panose="02040503050406030204" pitchFamily="18" charset="0"/>
+                              </a:rPr>
+                              <m:t>𝑧</m:t>
+                            </m:r>
+                          </m:sup>
+                        </m:sSup>
+                      </m:den>
+                    </m:f>
+                  </m:oMath>
+                </a14:m>
+                <a:endParaRPr lang="en-US" altLang="zh-CN" sz="2000" dirty="0" smtClean="0"/>
+              </a:p>
+            </p:txBody>
+          </p:sp>
+        </mc:Choice>
+        <mc:Fallback xmlns="">
+          <p:sp>
+            <p:nvSpPr>
+              <p:cNvPr id="3" name="内容占位符 2"/>
+              <p:cNvSpPr>
+                <a:spLocks noGrp="1" noRot="1" noChangeAspect="1" noMove="1" noResize="1" noEditPoints="1" noAdjustHandles="1" noChangeArrowheads="1" noChangeShapeType="1" noTextEdit="1"/>
+              </p:cNvSpPr>
+              <p:nvPr>
+                <p:ph idx="1"/>
+              </p:nvPr>
+            </p:nvSpPr>
+            <p:spPr>
+              <a:blipFill>
+                <a:blip r:embed="rId2"/>
+                <a:stretch>
+                  <a:fillRect l="-522" t="-1401"/>
+                </a:stretch>
+              </a:blipFill>
+            </p:spPr>
+            <p:txBody>
+              <a:bodyPr/>
+              <a:lstStyle/>
+              <a:p>
+                <a:r>
+                  <a:rPr lang="zh-CN" altLang="en-US">
+                    <a:noFill/>
+                  </a:rPr>
+                  <a:t> </a:t>
+                </a:r>
+              </a:p>
+            </p:txBody>
+          </p:sp>
+        </mc:Fallback>
+      </mc:AlternateContent>
+    </p:spTree>
+    <p:extLst>
+      <p:ext uri="{BB962C8B-B14F-4D97-AF65-F5344CB8AC3E}">
+        <p14:creationId xmlns:p14="http://schemas.microsoft.com/office/powerpoint/2010/main" val="4087018265"/>
+      </p:ext>
+    </p:extLst>
+  </p:cSld>
+  <p:clrMapOvr>
+    <a:masterClrMapping/>
+  </p:clrMapOvr>
+  <p:timing>
+    <p:tnLst>
+      <p:par>
+        <p:cTn id="1" dur="indefinite" restart="never" nodeType="tmRoot"/>
+      </p:par>
+    </p:tnLst>
+  </p:timing>
+</p:sld>
+</file>
+
+<file path=ppt/slides/slide18.xml><?xml version="1.0" encoding="utf-8"?>
+<p:sld xmlns:a="http://schemas.openxmlformats.org/drawingml/2006/main" xmlns:r="http://schemas.openxmlformats.org/officeDocument/2006/relationships" xmlns:p="http://schemas.openxmlformats.org/presentationml/2006/main">
+  <p:cSld>
+    <p:spTree>
+      <p:nvGrpSpPr>
+        <p:cNvPr id="1" name=""/>
+        <p:cNvGrpSpPr/>
+        <p:nvPr/>
+      </p:nvGrpSpPr>
+      <p:grpSpPr>
+        <a:xfrm>
+          <a:off x="0" y="0"/>
+          <a:ext cx="0" cy="0"/>
+          <a:chOff x="0" y="0"/>
+          <a:chExt cx="0" cy="0"/>
+        </a:xfrm>
+      </p:grpSpPr>
+      <p:sp>
+        <p:nvSpPr>
+          <p:cNvPr id="2" name="标题 1"/>
+          <p:cNvSpPr>
+            <a:spLocks noGrp="1"/>
+          </p:cNvSpPr>
+          <p:nvPr>
+            <p:ph type="title"/>
+          </p:nvPr>
+        </p:nvSpPr>
+        <p:spPr>
+          <a:xfrm>
+            <a:off x="838200" y="365125"/>
+            <a:ext cx="10515600" cy="1325563"/>
+          </a:xfrm>
+        </p:spPr>
+        <p:txBody>
+          <a:bodyPr>
+            <a:normAutofit/>
+          </a:bodyPr>
+          <a:lstStyle/>
+          <a:p>
+            <a:pPr algn="ctr"/>
+            <a:r>
+              <a:rPr lang="en-US" altLang="zh-CN" sz="2400" dirty="0"/>
+              <a:t>Logistic Regression</a:t>
+            </a:r>
+            <a:endParaRPr lang="zh-CN" altLang="en-US" sz="2400" dirty="0">
+              <a:latin typeface="+mn-lt"/>
+              <a:ea typeface="+mn-ea"/>
+              <a:cs typeface="+mn-cs"/>
+            </a:endParaRPr>
+          </a:p>
+        </p:txBody>
+      </p:sp>
+      <mc:AlternateContent xmlns:mc="http://schemas.openxmlformats.org/markup-compatibility/2006" xmlns:a14="http://schemas.microsoft.com/office/drawing/2010/main">
+        <mc:Choice Requires="a14">
           <p:sp>
             <p:nvSpPr>
               <p:cNvPr id="3" name="内容占位符 2"/>
@@ -13082,7 +13489,7 @@
             </p:txBody>
           </p:sp>
         </mc:Choice>
-        <mc:Fallback>
+        <mc:Fallback xmlns="">
           <p:sp>
             <p:nvSpPr>
               <p:cNvPr id="3" name="内容占位符 2"/>
@@ -13136,7 +13543,1003 @@
 </p:sld>
 </file>
 
-<file path=ppt/slides/slide18.xml><?xml version="1.0" encoding="utf-8"?>
+<file path=ppt/slides/slide19.xml><?xml version="1.0" encoding="utf-8"?>
+<p:sld xmlns:a="http://schemas.openxmlformats.org/drawingml/2006/main" xmlns:r="http://schemas.openxmlformats.org/officeDocument/2006/relationships" xmlns:p="http://schemas.openxmlformats.org/presentationml/2006/main">
+  <p:cSld>
+    <p:spTree>
+      <p:nvGrpSpPr>
+        <p:cNvPr id="1" name=""/>
+        <p:cNvGrpSpPr/>
+        <p:nvPr/>
+      </p:nvGrpSpPr>
+      <p:grpSpPr>
+        <a:xfrm>
+          <a:off x="0" y="0"/>
+          <a:ext cx="0" cy="0"/>
+          <a:chOff x="0" y="0"/>
+          <a:chExt cx="0" cy="0"/>
+        </a:xfrm>
+      </p:grpSpPr>
+      <p:sp>
+        <p:nvSpPr>
+          <p:cNvPr id="2" name="标题 1"/>
+          <p:cNvSpPr>
+            <a:spLocks noGrp="1"/>
+          </p:cNvSpPr>
+          <p:nvPr>
+            <p:ph type="title"/>
+          </p:nvPr>
+        </p:nvSpPr>
+        <p:spPr>
+          <a:xfrm>
+            <a:off x="838200" y="365125"/>
+            <a:ext cx="10515600" cy="1325563"/>
+          </a:xfrm>
+        </p:spPr>
+        <p:txBody>
+          <a:bodyPr>
+            <a:normAutofit/>
+          </a:bodyPr>
+          <a:lstStyle/>
+          <a:p>
+            <a:pPr algn="ctr"/>
+            <a:r>
+              <a:rPr lang="en-US" altLang="zh-CN" sz="2400" dirty="0"/>
+              <a:t>Logistic Regression</a:t>
+            </a:r>
+            <a:endParaRPr lang="zh-CN" altLang="en-US" sz="2400" dirty="0">
+              <a:latin typeface="+mn-lt"/>
+              <a:ea typeface="+mn-ea"/>
+              <a:cs typeface="+mn-cs"/>
+            </a:endParaRPr>
+          </a:p>
+        </p:txBody>
+      </p:sp>
+      <mc:AlternateContent xmlns:mc="http://schemas.openxmlformats.org/markup-compatibility/2006" xmlns:a14="http://schemas.microsoft.com/office/drawing/2010/main">
+        <mc:Choice Requires="a14">
+          <p:sp>
+            <p:nvSpPr>
+              <p:cNvPr id="3" name="内容占位符 2"/>
+              <p:cNvSpPr>
+                <a:spLocks noGrp="1"/>
+              </p:cNvSpPr>
+              <p:nvPr>
+                <p:ph idx="1"/>
+              </p:nvPr>
+            </p:nvSpPr>
+            <p:spPr/>
+            <p:txBody>
+              <a:bodyPr/>
+              <a:lstStyle/>
+              <a:p>
+                <a:pPr>
+                  <a:buFont typeface="Wingdings" panose="05000000000000000000" pitchFamily="2" charset="2"/>
+                  <a:buChar char="Ø"/>
+                </a:pPr>
+                <a:r>
+                  <a:rPr lang="en-US" altLang="zh-CN" sz="2000" dirty="0" smtClean="0"/>
+                  <a:t> For </a:t>
+                </a:r>
+                <a:r>
+                  <a:rPr lang="en-US" altLang="zh-CN" sz="2000" dirty="0"/>
+                  <a:t>now, let’s take the choice of </a:t>
+                </a:r>
+                <a14:m>
+                  <m:oMath xmlns:m="http://schemas.openxmlformats.org/officeDocument/2006/math">
+                    <m:r>
+                      <a:rPr lang="en-US" altLang="zh-CN" sz="2000" b="0" i="1" smtClean="0">
+                        <a:latin typeface="Cambria Math" panose="02040503050406030204" pitchFamily="18" charset="0"/>
+                      </a:rPr>
+                      <m:t>𝑔</m:t>
+                    </m:r>
+                  </m:oMath>
+                </a14:m>
+                <a:r>
+                  <a:rPr lang="en-US" altLang="zh-CN" sz="2000" dirty="0" smtClean="0"/>
+                  <a:t> </a:t>
+                </a:r>
+                <a:r>
+                  <a:rPr lang="en-US" altLang="zh-CN" sz="2000" dirty="0"/>
+                  <a:t>as given. Other functions that </a:t>
+                </a:r>
+                <a:r>
+                  <a:rPr lang="en-US" altLang="zh-CN" sz="2000" dirty="0" smtClean="0">
+                    <a:solidFill>
+                      <a:srgbClr val="FF0000"/>
+                    </a:solidFill>
+                  </a:rPr>
+                  <a:t>smoothly increase </a:t>
+                </a:r>
+              </a:p>
+              <a:p>
+                <a:pPr marL="0" indent="0">
+                  <a:buNone/>
+                </a:pPr>
+                <a:r>
+                  <a:rPr lang="en-US" altLang="zh-CN" sz="2000" dirty="0">
+                    <a:solidFill>
+                      <a:srgbClr val="FF0000"/>
+                    </a:solidFill>
+                  </a:rPr>
+                  <a:t> </a:t>
+                </a:r>
+                <a:r>
+                  <a:rPr lang="en-US" altLang="zh-CN" sz="2000" dirty="0" smtClean="0">
+                    <a:solidFill>
+                      <a:srgbClr val="FF0000"/>
+                    </a:solidFill>
+                  </a:rPr>
+                  <a:t>   from </a:t>
+                </a:r>
+                <a:r>
+                  <a:rPr lang="en-US" altLang="zh-CN" sz="2000" dirty="0">
+                    <a:solidFill>
+                      <a:srgbClr val="FF0000"/>
+                    </a:solidFill>
+                  </a:rPr>
+                  <a:t>0 to 1</a:t>
+                </a:r>
+                <a:r>
+                  <a:rPr lang="en-US" altLang="zh-CN" sz="2000" dirty="0"/>
+                  <a:t> can also be </a:t>
+                </a:r>
+                <a:r>
+                  <a:rPr lang="en-US" altLang="zh-CN" sz="2000" dirty="0" smtClean="0"/>
+                  <a:t>used,</a:t>
+                </a:r>
+              </a:p>
+              <a:p>
+                <a:pPr marL="0" indent="0">
+                  <a:buNone/>
+                </a:pPr>
+                <a:r>
+                  <a:rPr lang="en-US" altLang="zh-CN" sz="2000" dirty="0"/>
+                  <a:t> </a:t>
+                </a:r>
+                <a:r>
+                  <a:rPr lang="en-US" altLang="zh-CN" sz="2000" dirty="0" smtClean="0"/>
+                  <a:t>   but </a:t>
+                </a:r>
+                <a:r>
+                  <a:rPr lang="en-US" altLang="zh-CN" sz="2000" dirty="0"/>
+                  <a:t>for a couple of </a:t>
+                </a:r>
+                <a:r>
+                  <a:rPr lang="en-US" altLang="zh-CN" sz="2000" dirty="0" smtClean="0"/>
+                  <a:t>reasons, </a:t>
+                </a:r>
+                <a:r>
+                  <a:rPr lang="en-US" altLang="zh-CN" sz="2000" dirty="0"/>
+                  <a:t>the choice of the logistic function is a fairly natural </a:t>
+                </a:r>
+                <a:r>
+                  <a:rPr lang="en-US" altLang="zh-CN" sz="2000" dirty="0" smtClean="0"/>
+                  <a:t>one.</a:t>
+                </a:r>
+                <a:endParaRPr lang="en-US" altLang="zh-CN" sz="2000" dirty="0"/>
+              </a:p>
+              <a:p>
+                <a:pPr>
+                  <a:buFont typeface="Wingdings" panose="05000000000000000000" pitchFamily="2" charset="2"/>
+                  <a:buChar char="Ø"/>
+                </a:pPr>
+                <a:r>
+                  <a:rPr lang="en-US" altLang="zh-CN" sz="2000" dirty="0"/>
+                  <a:t> </a:t>
+                </a:r>
+                <a14:m>
+                  <m:oMath xmlns:m="http://schemas.openxmlformats.org/officeDocument/2006/math">
+                    <m:sSup>
+                      <m:sSupPr>
+                        <m:ctrlPr>
+                          <a:rPr lang="en-US" altLang="zh-CN" sz="2000" i="1" smtClean="0">
+                            <a:latin typeface="Cambria Math" panose="02040503050406030204" pitchFamily="18" charset="0"/>
+                          </a:rPr>
+                        </m:ctrlPr>
+                      </m:sSupPr>
+                      <m:e>
+                        <m:r>
+                          <a:rPr lang="en-US" altLang="zh-CN" sz="2000" b="0" i="1" smtClean="0">
+                            <a:latin typeface="Cambria Math" panose="02040503050406030204" pitchFamily="18" charset="0"/>
+                          </a:rPr>
+                          <m:t>𝑔</m:t>
+                        </m:r>
+                      </m:e>
+                      <m:sup>
+                        <m:r>
+                          <a:rPr lang="en-US" altLang="zh-CN" sz="2000" b="0" i="1" smtClean="0">
+                            <a:latin typeface="Cambria Math" panose="02040503050406030204" pitchFamily="18" charset="0"/>
+                          </a:rPr>
+                          <m:t>′</m:t>
+                        </m:r>
+                      </m:sup>
+                    </m:sSup>
+                    <m:d>
+                      <m:dPr>
+                        <m:ctrlPr>
+                          <a:rPr lang="en-US" altLang="zh-CN" sz="2000" i="1" smtClean="0">
+                            <a:latin typeface="Cambria Math" panose="02040503050406030204" pitchFamily="18" charset="0"/>
+                          </a:rPr>
+                        </m:ctrlPr>
+                      </m:dPr>
+                      <m:e>
+                        <m:r>
+                          <a:rPr lang="en-US" altLang="zh-CN" sz="2000" b="0" i="1" smtClean="0">
+                            <a:latin typeface="Cambria Math" panose="02040503050406030204" pitchFamily="18" charset="0"/>
+                          </a:rPr>
+                          <m:t>𝑧</m:t>
+                        </m:r>
+                      </m:e>
+                    </m:d>
+                    <m:r>
+                      <a:rPr lang="en-US" altLang="zh-CN" sz="2000" b="0" i="1" smtClean="0">
+                        <a:latin typeface="Cambria Math" panose="02040503050406030204" pitchFamily="18" charset="0"/>
+                      </a:rPr>
+                      <m:t>=</m:t>
+                    </m:r>
+                    <m:r>
+                      <a:rPr lang="en-US" altLang="zh-CN" sz="2000" b="0" i="1" smtClean="0">
+                        <a:latin typeface="Cambria Math" panose="02040503050406030204" pitchFamily="18" charset="0"/>
+                      </a:rPr>
+                      <m:t>𝑔</m:t>
+                    </m:r>
+                    <m:d>
+                      <m:dPr>
+                        <m:ctrlPr>
+                          <a:rPr lang="en-US" altLang="zh-CN" sz="2000" b="0" i="1" smtClean="0">
+                            <a:latin typeface="Cambria Math" panose="02040503050406030204" pitchFamily="18" charset="0"/>
+                          </a:rPr>
+                        </m:ctrlPr>
+                      </m:dPr>
+                      <m:e>
+                        <m:r>
+                          <a:rPr lang="en-US" altLang="zh-CN" sz="2000" b="0" i="1" smtClean="0">
+                            <a:latin typeface="Cambria Math" panose="02040503050406030204" pitchFamily="18" charset="0"/>
+                          </a:rPr>
+                          <m:t>𝑧</m:t>
+                        </m:r>
+                      </m:e>
+                    </m:d>
+                    <m:d>
+                      <m:dPr>
+                        <m:ctrlPr>
+                          <a:rPr lang="en-US" altLang="zh-CN" sz="2000" b="0" i="1" smtClean="0">
+                            <a:latin typeface="Cambria Math" panose="02040503050406030204" pitchFamily="18" charset="0"/>
+                          </a:rPr>
+                        </m:ctrlPr>
+                      </m:dPr>
+                      <m:e>
+                        <m:r>
+                          <a:rPr lang="en-US" altLang="zh-CN" sz="2000" b="0" i="1" smtClean="0">
+                            <a:latin typeface="Cambria Math" panose="02040503050406030204" pitchFamily="18" charset="0"/>
+                          </a:rPr>
+                          <m:t>1−</m:t>
+                        </m:r>
+                        <m:r>
+                          <a:rPr lang="en-US" altLang="zh-CN" sz="2000" i="1">
+                            <a:latin typeface="Cambria Math" panose="02040503050406030204" pitchFamily="18" charset="0"/>
+                          </a:rPr>
+                          <m:t>𝑔</m:t>
+                        </m:r>
+                        <m:d>
+                          <m:dPr>
+                            <m:ctrlPr>
+                              <a:rPr lang="en-US" altLang="zh-CN" sz="2000" i="1">
+                                <a:latin typeface="Cambria Math" panose="02040503050406030204" pitchFamily="18" charset="0"/>
+                              </a:rPr>
+                            </m:ctrlPr>
+                          </m:dPr>
+                          <m:e>
+                            <m:r>
+                              <a:rPr lang="en-US" altLang="zh-CN" sz="2000" i="1">
+                                <a:latin typeface="Cambria Math" panose="02040503050406030204" pitchFamily="18" charset="0"/>
+                              </a:rPr>
+                              <m:t>𝑧</m:t>
+                            </m:r>
+                          </m:e>
+                        </m:d>
+                      </m:e>
+                    </m:d>
+                  </m:oMath>
+                </a14:m>
+                <a:endParaRPr lang="en-US" altLang="zh-CN" sz="2000" dirty="0" smtClean="0"/>
+              </a:p>
+              <a:p>
+                <a:pPr>
+                  <a:buFont typeface="Wingdings" panose="05000000000000000000" pitchFamily="2" charset="2"/>
+                  <a:buChar char="Ø"/>
+                </a:pPr>
+                <a:endParaRPr lang="en-US" altLang="zh-CN" sz="2000" dirty="0" smtClean="0"/>
+              </a:p>
+              <a:p>
+                <a:pPr>
+                  <a:buFont typeface="Wingdings" panose="05000000000000000000" pitchFamily="2" charset="2"/>
+                  <a:buChar char="Ø"/>
+                </a:pPr>
+                <a:r>
+                  <a:rPr lang="en-US" altLang="zh-CN" sz="2000" dirty="0" smtClean="0"/>
+                  <a:t> Let us assume that</a:t>
+                </a:r>
+              </a:p>
+              <a:p>
+                <a:pPr marL="0" indent="0" algn="ctr">
+                  <a:buNone/>
+                </a:pPr>
+                <a:r>
+                  <a:rPr lang="en-US" altLang="zh-CN" sz="2000" dirty="0"/>
+                  <a:t> </a:t>
+                </a:r>
+                <a:r>
+                  <a:rPr lang="en-US" altLang="zh-CN" sz="2000" dirty="0" smtClean="0"/>
+                  <a:t>    </a:t>
+                </a:r>
+                <a14:m>
+                  <m:oMath xmlns:m="http://schemas.openxmlformats.org/officeDocument/2006/math">
+                    <m:r>
+                      <a:rPr lang="en-US" altLang="zh-CN" sz="2000" b="0" i="1" smtClean="0">
+                        <a:latin typeface="Cambria Math" panose="02040503050406030204" pitchFamily="18" charset="0"/>
+                      </a:rPr>
+                      <m:t>𝑃</m:t>
+                    </m:r>
+                    <m:d>
+                      <m:dPr>
+                        <m:ctrlPr>
+                          <a:rPr lang="en-US" altLang="zh-CN" sz="2000" b="0" i="1" smtClean="0">
+                            <a:latin typeface="Cambria Math" panose="02040503050406030204" pitchFamily="18" charset="0"/>
+                          </a:rPr>
+                        </m:ctrlPr>
+                      </m:dPr>
+                      <m:e>
+                        <m:r>
+                          <a:rPr lang="en-US" altLang="zh-CN" sz="2000" b="0" i="1" smtClean="0">
+                            <a:latin typeface="Cambria Math" panose="02040503050406030204" pitchFamily="18" charset="0"/>
+                          </a:rPr>
+                          <m:t>𝑦</m:t>
+                        </m:r>
+                        <m:r>
+                          <a:rPr lang="en-US" altLang="zh-CN" sz="2000" b="0" i="1" smtClean="0">
+                            <a:latin typeface="Cambria Math" panose="02040503050406030204" pitchFamily="18" charset="0"/>
+                          </a:rPr>
+                          <m:t>=</m:t>
+                        </m:r>
+                        <m:r>
+                          <a:rPr lang="en-US" altLang="zh-CN" sz="2000" b="1" i="1" smtClean="0">
+                            <a:solidFill>
+                              <a:srgbClr val="FF0000"/>
+                            </a:solidFill>
+                            <a:latin typeface="Cambria Math" panose="02040503050406030204" pitchFamily="18" charset="0"/>
+                          </a:rPr>
+                          <m:t>𝟏</m:t>
+                        </m:r>
+                        <m:r>
+                          <a:rPr lang="en-US" altLang="zh-CN" sz="2000" b="0" i="1" smtClean="0">
+                            <a:latin typeface="Cambria Math" panose="02040503050406030204" pitchFamily="18" charset="0"/>
+                          </a:rPr>
+                          <m:t>|</m:t>
+                        </m:r>
+                        <m:r>
+                          <a:rPr lang="en-US" altLang="zh-CN" sz="2000" b="0" i="1" smtClean="0">
+                            <a:latin typeface="Cambria Math" panose="02040503050406030204" pitchFamily="18" charset="0"/>
+                          </a:rPr>
+                          <m:t>𝑥</m:t>
+                        </m:r>
+                        <m:r>
+                          <a:rPr lang="en-US" altLang="zh-CN" sz="2000" b="0" i="1" smtClean="0">
+                            <a:latin typeface="Cambria Math" panose="02040503050406030204" pitchFamily="18" charset="0"/>
+                          </a:rPr>
+                          <m:t>; </m:t>
+                        </m:r>
+                        <m:r>
+                          <a:rPr lang="zh-CN" altLang="en-US" sz="2000" b="0" i="1" smtClean="0">
+                            <a:latin typeface="Cambria Math" panose="02040503050406030204" pitchFamily="18" charset="0"/>
+                          </a:rPr>
+                          <m:t>𝜃</m:t>
+                        </m:r>
+                      </m:e>
+                    </m:d>
+                    <m:r>
+                      <a:rPr lang="en-US" altLang="zh-CN" sz="2000" b="0" i="1" smtClean="0">
+                        <a:latin typeface="Cambria Math" panose="02040503050406030204" pitchFamily="18" charset="0"/>
+                      </a:rPr>
+                      <m:t>= </m:t>
+                    </m:r>
+                    <m:sSub>
+                      <m:sSubPr>
+                        <m:ctrlPr>
+                          <a:rPr lang="en-US" altLang="zh-CN" sz="2000" b="0" i="1" smtClean="0">
+                            <a:latin typeface="Cambria Math" panose="02040503050406030204" pitchFamily="18" charset="0"/>
+                          </a:rPr>
+                        </m:ctrlPr>
+                      </m:sSubPr>
+                      <m:e>
+                        <m:r>
+                          <a:rPr lang="en-US" altLang="zh-CN" sz="2000" b="0" i="1" smtClean="0">
+                            <a:latin typeface="Cambria Math" panose="02040503050406030204" pitchFamily="18" charset="0"/>
+                          </a:rPr>
+                          <m:t>h</m:t>
+                        </m:r>
+                      </m:e>
+                      <m:sub>
+                        <m:r>
+                          <a:rPr lang="zh-CN" altLang="en-US" sz="2000" b="0" i="1" smtClean="0">
+                            <a:latin typeface="Cambria Math" panose="02040503050406030204" pitchFamily="18" charset="0"/>
+                          </a:rPr>
+                          <m:t>𝜃</m:t>
+                        </m:r>
+                      </m:sub>
+                    </m:sSub>
+                    <m:d>
+                      <m:dPr>
+                        <m:ctrlPr>
+                          <a:rPr lang="en-US" altLang="zh-CN" sz="2000" b="0" i="1" smtClean="0">
+                            <a:latin typeface="Cambria Math" panose="02040503050406030204" pitchFamily="18" charset="0"/>
+                          </a:rPr>
+                        </m:ctrlPr>
+                      </m:dPr>
+                      <m:e>
+                        <m:r>
+                          <a:rPr lang="en-US" altLang="zh-CN" sz="2000" b="0" i="1" smtClean="0">
+                            <a:latin typeface="Cambria Math" panose="02040503050406030204" pitchFamily="18" charset="0"/>
+                          </a:rPr>
+                          <m:t>𝑥</m:t>
+                        </m:r>
+                      </m:e>
+                    </m:d>
+                  </m:oMath>
+                </a14:m>
+                <a:r>
+                  <a:rPr lang="en-US" altLang="zh-CN" sz="2000" dirty="0" smtClean="0"/>
+                  <a:t> ;  </a:t>
+                </a:r>
+                <a14:m>
+                  <m:oMath xmlns:m="http://schemas.openxmlformats.org/officeDocument/2006/math">
+                    <m:r>
+                      <a:rPr lang="en-US" altLang="zh-CN" sz="2000" i="1">
+                        <a:latin typeface="Cambria Math" panose="02040503050406030204" pitchFamily="18" charset="0"/>
+                      </a:rPr>
+                      <m:t>𝑃</m:t>
+                    </m:r>
+                    <m:d>
+                      <m:dPr>
+                        <m:ctrlPr>
+                          <a:rPr lang="en-US" altLang="zh-CN" sz="2000" i="1">
+                            <a:latin typeface="Cambria Math" panose="02040503050406030204" pitchFamily="18" charset="0"/>
+                          </a:rPr>
+                        </m:ctrlPr>
+                      </m:dPr>
+                      <m:e>
+                        <m:r>
+                          <a:rPr lang="en-US" altLang="zh-CN" sz="2000" i="1">
+                            <a:latin typeface="Cambria Math" panose="02040503050406030204" pitchFamily="18" charset="0"/>
+                          </a:rPr>
+                          <m:t>𝑦</m:t>
+                        </m:r>
+                        <m:r>
+                          <a:rPr lang="en-US" altLang="zh-CN" sz="2000" i="1">
+                            <a:latin typeface="Cambria Math" panose="02040503050406030204" pitchFamily="18" charset="0"/>
+                          </a:rPr>
+                          <m:t>=</m:t>
+                        </m:r>
+                        <m:r>
+                          <a:rPr lang="en-US" altLang="zh-CN" sz="2000" b="1" i="1" smtClean="0">
+                            <a:solidFill>
+                              <a:srgbClr val="FF0000"/>
+                            </a:solidFill>
+                            <a:latin typeface="Cambria Math" panose="02040503050406030204" pitchFamily="18" charset="0"/>
+                          </a:rPr>
+                          <m:t>𝟎</m:t>
+                        </m:r>
+                        <m:r>
+                          <a:rPr lang="en-US" altLang="zh-CN" sz="2000" i="1">
+                            <a:latin typeface="Cambria Math" panose="02040503050406030204" pitchFamily="18" charset="0"/>
+                          </a:rPr>
+                          <m:t>|</m:t>
+                        </m:r>
+                        <m:r>
+                          <a:rPr lang="en-US" altLang="zh-CN" sz="2000" i="1">
+                            <a:latin typeface="Cambria Math" panose="02040503050406030204" pitchFamily="18" charset="0"/>
+                          </a:rPr>
+                          <m:t>𝑥</m:t>
+                        </m:r>
+                        <m:r>
+                          <a:rPr lang="en-US" altLang="zh-CN" sz="2000" i="1">
+                            <a:latin typeface="Cambria Math" panose="02040503050406030204" pitchFamily="18" charset="0"/>
+                          </a:rPr>
+                          <m:t>; </m:t>
+                        </m:r>
+                        <m:r>
+                          <a:rPr lang="zh-CN" altLang="en-US" sz="2000" i="1">
+                            <a:latin typeface="Cambria Math" panose="02040503050406030204" pitchFamily="18" charset="0"/>
+                          </a:rPr>
+                          <m:t>𝜃</m:t>
+                        </m:r>
+                      </m:e>
+                    </m:d>
+                    <m:r>
+                      <a:rPr lang="en-US" altLang="zh-CN" sz="2000" i="1">
+                        <a:latin typeface="Cambria Math" panose="02040503050406030204" pitchFamily="18" charset="0"/>
+                      </a:rPr>
+                      <m:t>= </m:t>
+                    </m:r>
+                    <m:sSub>
+                      <m:sSubPr>
+                        <m:ctrlPr>
+                          <a:rPr lang="en-US" altLang="zh-CN" sz="2000" i="1">
+                            <a:latin typeface="Cambria Math" panose="02040503050406030204" pitchFamily="18" charset="0"/>
+                          </a:rPr>
+                        </m:ctrlPr>
+                      </m:sSubPr>
+                      <m:e>
+                        <m:r>
+                          <a:rPr lang="en-US" altLang="zh-CN" sz="2000" b="0" i="1" smtClean="0">
+                            <a:latin typeface="Cambria Math" panose="02040503050406030204" pitchFamily="18" charset="0"/>
+                          </a:rPr>
+                          <m:t>1 − </m:t>
+                        </m:r>
+                        <m:r>
+                          <a:rPr lang="en-US" altLang="zh-CN" sz="2000" i="1">
+                            <a:latin typeface="Cambria Math" panose="02040503050406030204" pitchFamily="18" charset="0"/>
+                          </a:rPr>
+                          <m:t>h</m:t>
+                        </m:r>
+                      </m:e>
+                      <m:sub>
+                        <m:r>
+                          <a:rPr lang="zh-CN" altLang="en-US" sz="2000" i="1">
+                            <a:latin typeface="Cambria Math" panose="02040503050406030204" pitchFamily="18" charset="0"/>
+                          </a:rPr>
+                          <m:t>𝜃</m:t>
+                        </m:r>
+                      </m:sub>
+                    </m:sSub>
+                    <m:d>
+                      <m:dPr>
+                        <m:ctrlPr>
+                          <a:rPr lang="en-US" altLang="zh-CN" sz="2000" i="1">
+                            <a:latin typeface="Cambria Math" panose="02040503050406030204" pitchFamily="18" charset="0"/>
+                          </a:rPr>
+                        </m:ctrlPr>
+                      </m:dPr>
+                      <m:e>
+                        <m:r>
+                          <a:rPr lang="en-US" altLang="zh-CN" sz="2000" i="1">
+                            <a:latin typeface="Cambria Math" panose="02040503050406030204" pitchFamily="18" charset="0"/>
+                          </a:rPr>
+                          <m:t>𝑥</m:t>
+                        </m:r>
+                      </m:e>
+                    </m:d>
+                  </m:oMath>
+                </a14:m>
+                <a:r>
+                  <a:rPr lang="en-US" altLang="zh-CN" sz="2000" dirty="0"/>
+                  <a:t> </a:t>
+                </a:r>
+                <a:endParaRPr lang="en-US" altLang="zh-CN" sz="2000" dirty="0" smtClean="0"/>
+              </a:p>
+              <a:p>
+                <a:pPr marL="0" indent="0">
+                  <a:buNone/>
+                </a:pPr>
+                <a:r>
+                  <a:rPr lang="en-US" altLang="zh-CN" sz="2000" dirty="0"/>
+                  <a:t> </a:t>
+                </a:r>
+                <a:r>
+                  <a:rPr lang="en-US" altLang="zh-CN" sz="2000" dirty="0" smtClean="0"/>
+                  <a:t>    Note that this can be written more compactly as</a:t>
+                </a:r>
+              </a:p>
+              <a:p>
+                <a:pPr marL="0" indent="0">
+                  <a:buNone/>
+                </a:pPr>
+                <a14:m>
+                  <m:oMathPara xmlns:m="http://schemas.openxmlformats.org/officeDocument/2006/math">
+                    <m:oMathParaPr>
+                      <m:jc m:val="center"/>
+                    </m:oMathParaPr>
+                    <m:oMath xmlns:m="http://schemas.openxmlformats.org/officeDocument/2006/math">
+                      <m:r>
+                        <a:rPr lang="en-US" altLang="zh-CN" sz="2000" b="0" i="1" smtClean="0">
+                          <a:latin typeface="Cambria Math" panose="02040503050406030204" pitchFamily="18" charset="0"/>
+                        </a:rPr>
+                        <m:t>𝑝</m:t>
+                      </m:r>
+                      <m:d>
+                        <m:dPr>
+                          <m:ctrlPr>
+                            <a:rPr lang="en-US" altLang="zh-CN" sz="2000" i="1">
+                              <a:latin typeface="Cambria Math" panose="02040503050406030204" pitchFamily="18" charset="0"/>
+                            </a:rPr>
+                          </m:ctrlPr>
+                        </m:dPr>
+                        <m:e>
+                          <m:r>
+                            <a:rPr lang="en-US" altLang="zh-CN" sz="2000" i="1">
+                              <a:latin typeface="Cambria Math" panose="02040503050406030204" pitchFamily="18" charset="0"/>
+                            </a:rPr>
+                            <m:t>𝑦</m:t>
+                          </m:r>
+                          <m:r>
+                            <a:rPr lang="en-US" altLang="zh-CN" sz="2000" b="0" i="1" smtClean="0">
+                              <a:latin typeface="Cambria Math" panose="02040503050406030204" pitchFamily="18" charset="0"/>
+                            </a:rPr>
+                            <m:t> </m:t>
+                          </m:r>
+                          <m:r>
+                            <a:rPr lang="en-US" altLang="zh-CN" sz="2000" i="1">
+                              <a:latin typeface="Cambria Math" panose="02040503050406030204" pitchFamily="18" charset="0"/>
+                            </a:rPr>
+                            <m:t>|</m:t>
+                          </m:r>
+                          <m:r>
+                            <a:rPr lang="en-US" altLang="zh-CN" sz="2000" i="1">
+                              <a:latin typeface="Cambria Math" panose="02040503050406030204" pitchFamily="18" charset="0"/>
+                            </a:rPr>
+                            <m:t>𝑥</m:t>
+                          </m:r>
+                          <m:r>
+                            <a:rPr lang="en-US" altLang="zh-CN" sz="2000" i="1">
+                              <a:latin typeface="Cambria Math" panose="02040503050406030204" pitchFamily="18" charset="0"/>
+                            </a:rPr>
+                            <m:t>; </m:t>
+                          </m:r>
+                          <m:r>
+                            <a:rPr lang="zh-CN" altLang="en-US" sz="2000" i="1">
+                              <a:latin typeface="Cambria Math" panose="02040503050406030204" pitchFamily="18" charset="0"/>
+                            </a:rPr>
+                            <m:t>𝜃</m:t>
+                          </m:r>
+                        </m:e>
+                      </m:d>
+                      <m:r>
+                        <a:rPr lang="en-US" altLang="zh-CN" sz="2000" b="0" i="1" smtClean="0">
+                          <a:latin typeface="Cambria Math" panose="02040503050406030204" pitchFamily="18" charset="0"/>
+                        </a:rPr>
+                        <m:t>= </m:t>
+                      </m:r>
+                      <m:sSup>
+                        <m:sSupPr>
+                          <m:ctrlPr>
+                            <a:rPr lang="en-US" altLang="zh-CN" sz="2000" b="0" i="1" smtClean="0">
+                              <a:latin typeface="Cambria Math" panose="02040503050406030204" pitchFamily="18" charset="0"/>
+                            </a:rPr>
+                          </m:ctrlPr>
+                        </m:sSupPr>
+                        <m:e>
+                          <m:d>
+                            <m:dPr>
+                              <m:ctrlPr>
+                                <a:rPr lang="en-US" altLang="zh-CN" sz="2000" b="0" i="1" smtClean="0">
+                                  <a:latin typeface="Cambria Math" panose="02040503050406030204" pitchFamily="18" charset="0"/>
+                                </a:rPr>
+                              </m:ctrlPr>
+                            </m:dPr>
+                            <m:e>
+                              <m:sSub>
+                                <m:sSubPr>
+                                  <m:ctrlPr>
+                                    <a:rPr lang="en-US" altLang="zh-CN" sz="2000" i="1">
+                                      <a:latin typeface="Cambria Math" panose="02040503050406030204" pitchFamily="18" charset="0"/>
+                                    </a:rPr>
+                                  </m:ctrlPr>
+                                </m:sSubPr>
+                                <m:e>
+                                  <m:r>
+                                    <a:rPr lang="en-US" altLang="zh-CN" sz="2000" i="1">
+                                      <a:latin typeface="Cambria Math" panose="02040503050406030204" pitchFamily="18" charset="0"/>
+                                    </a:rPr>
+                                    <m:t>h</m:t>
+                                  </m:r>
+                                </m:e>
+                                <m:sub>
+                                  <m:r>
+                                    <a:rPr lang="zh-CN" altLang="en-US" sz="2000" i="1">
+                                      <a:latin typeface="Cambria Math" panose="02040503050406030204" pitchFamily="18" charset="0"/>
+                                    </a:rPr>
+                                    <m:t>𝜃</m:t>
+                                  </m:r>
+                                </m:sub>
+                              </m:sSub>
+                              <m:d>
+                                <m:dPr>
+                                  <m:ctrlPr>
+                                    <a:rPr lang="en-US" altLang="zh-CN" sz="2000" i="1">
+                                      <a:latin typeface="Cambria Math" panose="02040503050406030204" pitchFamily="18" charset="0"/>
+                                    </a:rPr>
+                                  </m:ctrlPr>
+                                </m:dPr>
+                                <m:e>
+                                  <m:r>
+                                    <a:rPr lang="en-US" altLang="zh-CN" sz="2000" i="1">
+                                      <a:latin typeface="Cambria Math" panose="02040503050406030204" pitchFamily="18" charset="0"/>
+                                    </a:rPr>
+                                    <m:t>𝑥</m:t>
+                                  </m:r>
+                                </m:e>
+                              </m:d>
+                            </m:e>
+                          </m:d>
+                        </m:e>
+                        <m:sup>
+                          <m:r>
+                            <a:rPr lang="en-US" altLang="zh-CN" sz="2000" b="0" i="1" smtClean="0">
+                              <a:latin typeface="Cambria Math" panose="02040503050406030204" pitchFamily="18" charset="0"/>
+                            </a:rPr>
+                            <m:t>𝑦</m:t>
+                          </m:r>
+                        </m:sup>
+                      </m:sSup>
+                      <m:sSup>
+                        <m:sSupPr>
+                          <m:ctrlPr>
+                            <a:rPr lang="en-US" altLang="zh-CN" sz="2000" b="0" i="1" smtClean="0">
+                              <a:latin typeface="Cambria Math" panose="02040503050406030204" pitchFamily="18" charset="0"/>
+                            </a:rPr>
+                          </m:ctrlPr>
+                        </m:sSupPr>
+                        <m:e>
+                          <m:d>
+                            <m:dPr>
+                              <m:ctrlPr>
+                                <a:rPr lang="en-US" altLang="zh-CN" sz="2000" b="0" i="1" smtClean="0">
+                                  <a:latin typeface="Cambria Math" panose="02040503050406030204" pitchFamily="18" charset="0"/>
+                                </a:rPr>
+                              </m:ctrlPr>
+                            </m:dPr>
+                            <m:e>
+                              <m:sSub>
+                                <m:sSubPr>
+                                  <m:ctrlPr>
+                                    <a:rPr lang="en-US" altLang="zh-CN" sz="2000" i="1">
+                                      <a:latin typeface="Cambria Math" panose="02040503050406030204" pitchFamily="18" charset="0"/>
+                                    </a:rPr>
+                                  </m:ctrlPr>
+                                </m:sSubPr>
+                                <m:e>
+                                  <m:r>
+                                    <a:rPr lang="en-US" altLang="zh-CN" sz="2000" i="1">
+                                      <a:latin typeface="Cambria Math" panose="02040503050406030204" pitchFamily="18" charset="0"/>
+                                    </a:rPr>
+                                    <m:t>1 − </m:t>
+                                  </m:r>
+                                  <m:r>
+                                    <a:rPr lang="en-US" altLang="zh-CN" sz="2000" i="1">
+                                      <a:latin typeface="Cambria Math" panose="02040503050406030204" pitchFamily="18" charset="0"/>
+                                    </a:rPr>
+                                    <m:t>h</m:t>
+                                  </m:r>
+                                </m:e>
+                                <m:sub>
+                                  <m:r>
+                                    <a:rPr lang="zh-CN" altLang="en-US" sz="2000" i="1">
+                                      <a:latin typeface="Cambria Math" panose="02040503050406030204" pitchFamily="18" charset="0"/>
+                                    </a:rPr>
+                                    <m:t>𝜃</m:t>
+                                  </m:r>
+                                </m:sub>
+                              </m:sSub>
+                              <m:d>
+                                <m:dPr>
+                                  <m:ctrlPr>
+                                    <a:rPr lang="en-US" altLang="zh-CN" sz="2000" i="1">
+                                      <a:latin typeface="Cambria Math" panose="02040503050406030204" pitchFamily="18" charset="0"/>
+                                    </a:rPr>
+                                  </m:ctrlPr>
+                                </m:dPr>
+                                <m:e>
+                                  <m:r>
+                                    <a:rPr lang="en-US" altLang="zh-CN" sz="2000" i="1">
+                                      <a:latin typeface="Cambria Math" panose="02040503050406030204" pitchFamily="18" charset="0"/>
+                                    </a:rPr>
+                                    <m:t>𝑥</m:t>
+                                  </m:r>
+                                </m:e>
+                              </m:d>
+                            </m:e>
+                          </m:d>
+                        </m:e>
+                        <m:sup>
+                          <m:r>
+                            <a:rPr lang="en-US" altLang="zh-CN" sz="2000" b="0" i="1" smtClean="0">
+                              <a:latin typeface="Cambria Math" panose="02040503050406030204" pitchFamily="18" charset="0"/>
+                            </a:rPr>
+                            <m:t>1−</m:t>
+                          </m:r>
+                          <m:r>
+                            <a:rPr lang="en-US" altLang="zh-CN" sz="2000" b="0" i="1" smtClean="0">
+                              <a:latin typeface="Cambria Math" panose="02040503050406030204" pitchFamily="18" charset="0"/>
+                            </a:rPr>
+                            <m:t>𝑦</m:t>
+                          </m:r>
+                        </m:sup>
+                      </m:sSup>
+                    </m:oMath>
+                  </m:oMathPara>
+                </a14:m>
+                <a:endParaRPr lang="en-US" altLang="zh-CN" sz="2000" dirty="0" smtClean="0"/>
+              </a:p>
+            </p:txBody>
+          </p:sp>
+        </mc:Choice>
+        <mc:Fallback xmlns="">
+          <p:sp>
+            <p:nvSpPr>
+              <p:cNvPr id="3" name="内容占位符 2"/>
+              <p:cNvSpPr>
+                <a:spLocks noGrp="1" noRot="1" noChangeAspect="1" noMove="1" noResize="1" noEditPoints="1" noAdjustHandles="1" noChangeArrowheads="1" noChangeShapeType="1" noTextEdit="1"/>
+              </p:cNvSpPr>
+              <p:nvPr>
+                <p:ph idx="1"/>
+              </p:nvPr>
+            </p:nvSpPr>
+            <p:spPr>
+              <a:blipFill>
+                <a:blip r:embed="rId2"/>
+                <a:stretch>
+                  <a:fillRect l="-522" t="-1401"/>
+                </a:stretch>
+              </a:blipFill>
+            </p:spPr>
+            <p:txBody>
+              <a:bodyPr/>
+              <a:lstStyle/>
+              <a:p>
+                <a:r>
+                  <a:rPr lang="zh-CN" altLang="en-US">
+                    <a:noFill/>
+                  </a:rPr>
+                  <a:t> </a:t>
+                </a:r>
+              </a:p>
+            </p:txBody>
+          </p:sp>
+        </mc:Fallback>
+      </mc:AlternateContent>
+    </p:spTree>
+    <p:extLst>
+      <p:ext uri="{BB962C8B-B14F-4D97-AF65-F5344CB8AC3E}">
+        <p14:creationId xmlns:p14="http://schemas.microsoft.com/office/powerpoint/2010/main" val="534120575"/>
+      </p:ext>
+    </p:extLst>
+  </p:cSld>
+  <p:clrMapOvr>
+    <a:masterClrMapping/>
+  </p:clrMapOvr>
+  <p:timing>
+    <p:tnLst>
+      <p:par>
+        <p:cTn id="1" dur="indefinite" restart="never" nodeType="tmRoot"/>
+      </p:par>
+    </p:tnLst>
+  </p:timing>
+</p:sld>
+</file>
+
+<file path=ppt/slides/slide2.xml><?xml version="1.0" encoding="utf-8"?>
+<p:sld xmlns:a="http://schemas.openxmlformats.org/drawingml/2006/main" xmlns:r="http://schemas.openxmlformats.org/officeDocument/2006/relationships" xmlns:p="http://schemas.openxmlformats.org/presentationml/2006/main">
+  <p:cSld>
+    <p:spTree>
+      <p:nvGrpSpPr>
+        <p:cNvPr id="1" name=""/>
+        <p:cNvGrpSpPr/>
+        <p:nvPr/>
+      </p:nvGrpSpPr>
+      <p:grpSpPr>
+        <a:xfrm>
+          <a:off x="0" y="0"/>
+          <a:ext cx="0" cy="0"/>
+          <a:chOff x="0" y="0"/>
+          <a:chExt cx="0" cy="0"/>
+        </a:xfrm>
+      </p:grpSpPr>
+      <p:sp>
+        <p:nvSpPr>
+          <p:cNvPr id="2" name="标题 1"/>
+          <p:cNvSpPr>
+            <a:spLocks noGrp="1"/>
+          </p:cNvSpPr>
+          <p:nvPr>
+            <p:ph type="ctrTitle"/>
+          </p:nvPr>
+        </p:nvSpPr>
+        <p:spPr/>
+        <p:txBody>
+          <a:bodyPr/>
+          <a:lstStyle/>
+          <a:p>
+            <a:r>
+              <a:rPr lang="en-US" altLang="zh-CN" dirty="0" smtClean="0"/>
+              <a:t>Logistic Regression</a:t>
+            </a:r>
+            <a:endParaRPr lang="zh-CN" altLang="en-US" dirty="0"/>
+          </a:p>
+        </p:txBody>
+      </p:sp>
+      <p:sp>
+        <p:nvSpPr>
+          <p:cNvPr id="3" name="副标题 2"/>
+          <p:cNvSpPr>
+            <a:spLocks noGrp="1"/>
+          </p:cNvSpPr>
+          <p:nvPr>
+            <p:ph type="subTitle" idx="1"/>
+          </p:nvPr>
+        </p:nvSpPr>
+        <p:spPr>
+          <a:xfrm>
+            <a:off x="0" y="3602038"/>
+            <a:ext cx="12192000" cy="1655762"/>
+          </a:xfrm>
+        </p:spPr>
+        <p:txBody>
+          <a:bodyPr/>
+          <a:lstStyle/>
+          <a:p>
+            <a:r>
+              <a:rPr lang="en-US" altLang="zh-CN" dirty="0"/>
+              <a:t/>
+            </a:r>
+            <a:br>
+              <a:rPr lang="en-US" altLang="zh-CN" dirty="0"/>
+            </a:br>
+            <a:r>
+              <a:rPr lang="zh-CN" altLang="en-US" dirty="0" smtClean="0"/>
+              <a:t>参考资料：</a:t>
+            </a:r>
+            <a:r>
+              <a:rPr lang="en-US" altLang="zh-CN" dirty="0" smtClean="0"/>
+              <a:t>[Kevin P. Murphy]  </a:t>
+            </a:r>
+            <a:r>
+              <a:rPr lang="en-US" altLang="zh-CN" dirty="0"/>
+              <a:t>Machine </a:t>
+            </a:r>
+            <a:r>
+              <a:rPr lang="en-US" altLang="zh-CN" dirty="0" smtClean="0"/>
+              <a:t>Learning  </a:t>
+            </a:r>
+            <a:r>
+              <a:rPr lang="en-US" altLang="zh-CN" dirty="0"/>
+              <a:t>A Probabilistic </a:t>
+            </a:r>
+            <a:r>
+              <a:rPr lang="en-US" altLang="zh-CN" dirty="0" smtClean="0"/>
+              <a:t>Perspective</a:t>
+            </a:r>
+          </a:p>
+          <a:p>
+            <a:pPr algn="l"/>
+            <a:r>
+              <a:rPr lang="en-US" altLang="zh-CN" dirty="0" smtClean="0"/>
+              <a:t>                               [Andrew Ng] CS229 Lecture notes 1</a:t>
+            </a:r>
+            <a:endParaRPr lang="zh-CN" altLang="en-US" dirty="0"/>
+          </a:p>
+        </p:txBody>
+      </p:sp>
+    </p:spTree>
+    <p:extLst>
+      <p:ext uri="{BB962C8B-B14F-4D97-AF65-F5344CB8AC3E}">
+        <p14:creationId xmlns:p14="http://schemas.microsoft.com/office/powerpoint/2010/main" val="3571863173"/>
+      </p:ext>
+    </p:extLst>
+  </p:cSld>
+  <p:clrMapOvr>
+    <a:masterClrMapping/>
+  </p:clrMapOvr>
+  <p:timing>
+    <p:tnLst>
+      <p:par>
+        <p:cTn id="1" dur="indefinite" restart="never" nodeType="tmRoot"/>
+      </p:par>
+    </p:tnLst>
+  </p:timing>
+</p:sld>
+</file>
+
+<file path=ppt/slides/slide20.xml><?xml version="1.0" encoding="utf-8"?>
 <p:sld xmlns:a="http://schemas.openxmlformats.org/drawingml/2006/main" xmlns:r="http://schemas.openxmlformats.org/officeDocument/2006/relationships" xmlns:p="http://schemas.openxmlformats.org/presentationml/2006/main">
   <p:cSld>
     <p:spTree>
@@ -13211,29 +14614,27 @@
                 </a:pPr>
                 <a:r>
                   <a:rPr lang="en-US" altLang="zh-CN" sz="2000" dirty="0" smtClean="0"/>
-                  <a:t> For </a:t>
-                </a:r>
-                <a:r>
-                  <a:rPr lang="en-US" altLang="zh-CN" sz="2000" dirty="0"/>
-                  <a:t>now, let’s take the choice of </a:t>
+                  <a:t> So, given the logistic regression model, how do we fit</a:t>
                 </a:r>
                 <a14:m>
                   <m:oMath xmlns:m="http://schemas.openxmlformats.org/officeDocument/2006/math">
                     <m:r>
-                      <a:rPr lang="en-US" altLang="zh-CN" sz="2000" b="0" i="1" smtClean="0">
+                      <a:rPr lang="en-US" altLang="zh-CN" sz="2000" b="0" i="0" smtClean="0">
                         <a:latin typeface="Cambria Math" panose="02040503050406030204" pitchFamily="18" charset="0"/>
                       </a:rPr>
-                      <m:t>𝑔</m:t>
+                      <m:t> </m:t>
+                    </m:r>
+                    <m:r>
+                      <a:rPr lang="zh-CN" altLang="en-US" sz="2000" i="1">
+                        <a:latin typeface="Cambria Math" panose="02040503050406030204" pitchFamily="18" charset="0"/>
+                      </a:rPr>
+                      <m:t>𝜃</m:t>
                     </m:r>
                   </m:oMath>
                 </a14:m>
                 <a:r>
                   <a:rPr lang="en-US" altLang="zh-CN" sz="2000" dirty="0" smtClean="0"/>
-                  <a:t> </a:t>
-                </a:r>
-                <a:r>
-                  <a:rPr lang="en-US" altLang="zh-CN" sz="2000" dirty="0"/>
-                  <a:t>as given. Other functions that </a:t>
+                  <a:t> for it? Following how we saw </a:t>
                 </a:r>
                 <a:r>
                   <a:rPr lang="en-US" altLang="zh-CN" sz="2000" dirty="0" smtClean="0">
@@ -13241,73 +14642,11 @@
                       <a:srgbClr val="FF0000"/>
                     </a:solidFill>
                   </a:rPr>
-                  <a:t>smoothly increase </a:t>
-                </a:r>
-              </a:p>
-              <a:p>
-                <a:pPr marL="0" indent="0">
-                  <a:buNone/>
-                </a:pPr>
-                <a:r>
-                  <a:rPr lang="en-US" altLang="zh-CN" sz="2000" dirty="0">
-                    <a:solidFill>
-                      <a:srgbClr val="FF0000"/>
-                    </a:solidFill>
-                  </a:rPr>
-                  <a:t> </a:t>
-                </a:r>
-                <a:r>
-                  <a:rPr lang="en-US" altLang="zh-CN" sz="2000" dirty="0" smtClean="0">
-                    <a:solidFill>
-                      <a:srgbClr val="FF0000"/>
-                    </a:solidFill>
-                  </a:rPr>
-                  <a:t>   from </a:t>
-                </a:r>
-                <a:r>
-                  <a:rPr lang="en-US" altLang="zh-CN" sz="2000" dirty="0">
-                    <a:solidFill>
-                      <a:srgbClr val="FF0000"/>
-                    </a:solidFill>
-                  </a:rPr>
-                  <a:t>0 to 1</a:t>
-                </a:r>
-                <a:r>
-                  <a:rPr lang="en-US" altLang="zh-CN" sz="2000" dirty="0"/>
-                  <a:t> can also be </a:t>
-                </a:r>
-                <a:r>
-                  <a:rPr lang="en-US" altLang="zh-CN" sz="2000" dirty="0" smtClean="0"/>
-                  <a:t>used,</a:t>
-                </a:r>
-              </a:p>
-              <a:p>
-                <a:pPr marL="0" indent="0">
-                  <a:buNone/>
-                </a:pPr>
-                <a:r>
-                  <a:rPr lang="en-US" altLang="zh-CN" sz="2000" dirty="0"/>
-                  <a:t> </a:t>
-                </a:r>
-                <a:r>
-                  <a:rPr lang="en-US" altLang="zh-CN" sz="2000" dirty="0" smtClean="0"/>
-                  <a:t>   but </a:t>
-                </a:r>
-                <a:r>
-                  <a:rPr lang="en-US" altLang="zh-CN" sz="2000" dirty="0"/>
-                  <a:t>for a couple of </a:t>
-                </a:r>
-                <a:r>
-                  <a:rPr lang="en-US" altLang="zh-CN" sz="2000" dirty="0" smtClean="0"/>
-                  <a:t>reasons, </a:t>
-                </a:r>
-                <a:r>
-                  <a:rPr lang="en-US" altLang="zh-CN" sz="2000" dirty="0"/>
-                  <a:t>the choice of the logistic function is a fairly natural </a:t>
-                </a:r>
-                <a:r>
-                  <a:rPr lang="en-US" altLang="zh-CN" sz="2000" dirty="0" smtClean="0"/>
-                  <a:t>one.</a:t>
+                  <a:t>least squares regression could be derived as the maximum likelihood estimator</a:t>
+                </a:r>
+                <a:r>
+                  <a:rPr lang="en-US" altLang="zh-CN" sz="2000" dirty="0" smtClean="0"/>
+                  <a:t> under a set of assumptions, let’s endow our classification model with a set of probabilistic assumptions, and then fit the parameters via maximum likelihood.</a:t>
                 </a:r>
                 <a:endParaRPr lang="en-US" altLang="zh-CN" sz="2000" dirty="0"/>
               </a:p>
@@ -13993,7 +15332,7 @@
     </p:spTree>
     <p:extLst>
       <p:ext uri="{BB962C8B-B14F-4D97-AF65-F5344CB8AC3E}">
-        <p14:creationId xmlns:p14="http://schemas.microsoft.com/office/powerpoint/2010/main" val="534120575"/>
+        <p14:creationId xmlns:p14="http://schemas.microsoft.com/office/powerpoint/2010/main" val="1204691432"/>
       </p:ext>
     </p:extLst>
   </p:cSld>
@@ -14010,7 +15349,7 @@
 </p:sld>
 </file>
 
-<file path=ppt/slides/slide19.xml><?xml version="1.0" encoding="utf-8"?>
+<file path=ppt/slides/slide21.xml><?xml version="1.0" encoding="utf-8"?>
 <p:sld xmlns:a="http://schemas.openxmlformats.org/drawingml/2006/main" xmlns:r="http://schemas.openxmlformats.org/officeDocument/2006/relationships" xmlns:p="http://schemas.openxmlformats.org/presentationml/2006/main">
   <p:cSld>
     <p:spTree>
@@ -14062,736 +15401,414 @@
           </a:p>
         </p:txBody>
       </p:sp>
-      <mc:AlternateContent xmlns:mc="http://schemas.openxmlformats.org/markup-compatibility/2006">
-        <mc:Choice xmlns:a14="http://schemas.microsoft.com/office/drawing/2010/main" Requires="a14">
-          <p:sp>
-            <p:nvSpPr>
-              <p:cNvPr id="3" name="内容占位符 2"/>
-              <p:cNvSpPr>
-                <a:spLocks noGrp="1"/>
-              </p:cNvSpPr>
-              <p:nvPr>
-                <p:ph idx="1"/>
-              </p:nvPr>
-            </p:nvSpPr>
-            <p:spPr/>
-            <p:txBody>
-              <a:bodyPr/>
-              <a:lstStyle/>
-              <a:p>
-                <a:pPr>
-                  <a:buFont typeface="Wingdings" panose="05000000000000000000" pitchFamily="2" charset="2"/>
-                  <a:buChar char="Ø"/>
-                </a:pPr>
-                <a:r>
-                  <a:rPr lang="en-US" altLang="zh-CN" sz="2000" dirty="0" smtClean="0"/>
-                  <a:t> So, given the logistic regression model, how do we fit</a:t>
-                </a:r>
-                <a14:m>
-                  <m:oMath xmlns:m="http://schemas.openxmlformats.org/officeDocument/2006/math">
-                    <m:r>
-                      <a:rPr lang="en-US" altLang="zh-CN" sz="2000" b="0" i="0" smtClean="0">
-                        <a:latin typeface="Cambria Math" panose="02040503050406030204" pitchFamily="18" charset="0"/>
-                      </a:rPr>
-                      <m:t> </m:t>
-                    </m:r>
-                    <m:r>
-                      <a:rPr lang="zh-CN" altLang="en-US" sz="2000" i="1">
-                        <a:latin typeface="Cambria Math" panose="02040503050406030204" pitchFamily="18" charset="0"/>
-                      </a:rPr>
-                      <m:t>𝜃</m:t>
-                    </m:r>
-                  </m:oMath>
-                </a14:m>
-                <a:r>
-                  <a:rPr lang="en-US" altLang="zh-CN" sz="2000" dirty="0" smtClean="0"/>
-                  <a:t> for it? Following how we saw least squares regression could be derived as the maximum likelihood estimator under a set of assumptions, let’s endow our classification model with a set of probabilistic assumptions, and then fit the parameters via maximum likelihood.</a:t>
-                </a:r>
-                <a:endParaRPr lang="en-US" altLang="zh-CN" sz="2000" dirty="0"/>
-              </a:p>
-              <a:p>
-                <a:pPr>
-                  <a:buFont typeface="Wingdings" panose="05000000000000000000" pitchFamily="2" charset="2"/>
-                  <a:buChar char="Ø"/>
-                </a:pPr>
-                <a:r>
-                  <a:rPr lang="en-US" altLang="zh-CN" sz="2000" dirty="0"/>
-                  <a:t> </a:t>
-                </a:r>
-                <a14:m>
-                  <m:oMath xmlns:m="http://schemas.openxmlformats.org/officeDocument/2006/math">
-                    <m:sSup>
-                      <m:sSupPr>
-                        <m:ctrlPr>
-                          <a:rPr lang="en-US" altLang="zh-CN" sz="2000" i="1" smtClean="0">
-                            <a:latin typeface="Cambria Math" panose="02040503050406030204" pitchFamily="18" charset="0"/>
-                          </a:rPr>
-                        </m:ctrlPr>
-                      </m:sSupPr>
-                      <m:e>
-                        <m:r>
-                          <a:rPr lang="en-US" altLang="zh-CN" sz="2000" b="0" i="1" smtClean="0">
-                            <a:latin typeface="Cambria Math" panose="02040503050406030204" pitchFamily="18" charset="0"/>
-                          </a:rPr>
-                          <m:t>𝑔</m:t>
-                        </m:r>
-                      </m:e>
-                      <m:sup>
-                        <m:r>
-                          <a:rPr lang="en-US" altLang="zh-CN" sz="2000" b="0" i="1" smtClean="0">
-                            <a:latin typeface="Cambria Math" panose="02040503050406030204" pitchFamily="18" charset="0"/>
-                          </a:rPr>
-                          <m:t>′</m:t>
-                        </m:r>
-                      </m:sup>
-                    </m:sSup>
-                    <m:d>
-                      <m:dPr>
-                        <m:ctrlPr>
-                          <a:rPr lang="en-US" altLang="zh-CN" sz="2000" i="1" smtClean="0">
-                            <a:latin typeface="Cambria Math" panose="02040503050406030204" pitchFamily="18" charset="0"/>
-                          </a:rPr>
-                        </m:ctrlPr>
-                      </m:dPr>
-                      <m:e>
-                        <m:r>
-                          <a:rPr lang="en-US" altLang="zh-CN" sz="2000" b="0" i="1" smtClean="0">
-                            <a:latin typeface="Cambria Math" panose="02040503050406030204" pitchFamily="18" charset="0"/>
-                          </a:rPr>
-                          <m:t>𝑧</m:t>
-                        </m:r>
-                      </m:e>
-                    </m:d>
-                    <m:r>
-                      <a:rPr lang="en-US" altLang="zh-CN" sz="2000" b="0" i="1" smtClean="0">
-                        <a:latin typeface="Cambria Math" panose="02040503050406030204" pitchFamily="18" charset="0"/>
-                      </a:rPr>
-                      <m:t>=</m:t>
-                    </m:r>
-                    <m:r>
-                      <a:rPr lang="en-US" altLang="zh-CN" sz="2000" b="0" i="1" smtClean="0">
-                        <a:latin typeface="Cambria Math" panose="02040503050406030204" pitchFamily="18" charset="0"/>
-                      </a:rPr>
-                      <m:t>𝑔</m:t>
-                    </m:r>
-                    <m:d>
-                      <m:dPr>
-                        <m:ctrlPr>
-                          <a:rPr lang="en-US" altLang="zh-CN" sz="2000" b="0" i="1" smtClean="0">
-                            <a:latin typeface="Cambria Math" panose="02040503050406030204" pitchFamily="18" charset="0"/>
-                          </a:rPr>
-                        </m:ctrlPr>
-                      </m:dPr>
-                      <m:e>
-                        <m:r>
-                          <a:rPr lang="en-US" altLang="zh-CN" sz="2000" b="0" i="1" smtClean="0">
-                            <a:latin typeface="Cambria Math" panose="02040503050406030204" pitchFamily="18" charset="0"/>
-                          </a:rPr>
-                          <m:t>𝑧</m:t>
-                        </m:r>
-                      </m:e>
-                    </m:d>
-                    <m:d>
-                      <m:dPr>
-                        <m:ctrlPr>
-                          <a:rPr lang="en-US" altLang="zh-CN" sz="2000" b="0" i="1" smtClean="0">
-                            <a:latin typeface="Cambria Math" panose="02040503050406030204" pitchFamily="18" charset="0"/>
-                          </a:rPr>
-                        </m:ctrlPr>
-                      </m:dPr>
-                      <m:e>
-                        <m:r>
-                          <a:rPr lang="en-US" altLang="zh-CN" sz="2000" b="0" i="1" smtClean="0">
-                            <a:latin typeface="Cambria Math" panose="02040503050406030204" pitchFamily="18" charset="0"/>
-                          </a:rPr>
-                          <m:t>1−</m:t>
-                        </m:r>
-                        <m:r>
-                          <a:rPr lang="en-US" altLang="zh-CN" sz="2000" i="1">
-                            <a:latin typeface="Cambria Math" panose="02040503050406030204" pitchFamily="18" charset="0"/>
-                          </a:rPr>
-                          <m:t>𝑔</m:t>
-                        </m:r>
-                        <m:d>
-                          <m:dPr>
-                            <m:ctrlPr>
-                              <a:rPr lang="en-US" altLang="zh-CN" sz="2000" i="1">
-                                <a:latin typeface="Cambria Math" panose="02040503050406030204" pitchFamily="18" charset="0"/>
-                              </a:rPr>
-                            </m:ctrlPr>
-                          </m:dPr>
-                          <m:e>
-                            <m:r>
-                              <a:rPr lang="en-US" altLang="zh-CN" sz="2000" i="1">
-                                <a:latin typeface="Cambria Math" panose="02040503050406030204" pitchFamily="18" charset="0"/>
-                              </a:rPr>
-                              <m:t>𝑧</m:t>
-                            </m:r>
-                          </m:e>
-                        </m:d>
-                      </m:e>
-                    </m:d>
-                  </m:oMath>
-                </a14:m>
-                <a:endParaRPr lang="en-US" altLang="zh-CN" sz="2000" dirty="0" smtClean="0"/>
-              </a:p>
-              <a:p>
-                <a:pPr>
-                  <a:buFont typeface="Wingdings" panose="05000000000000000000" pitchFamily="2" charset="2"/>
-                  <a:buChar char="Ø"/>
-                </a:pPr>
-                <a:endParaRPr lang="en-US" altLang="zh-CN" sz="2000" dirty="0" smtClean="0"/>
-              </a:p>
-              <a:p>
-                <a:pPr>
-                  <a:buFont typeface="Wingdings" panose="05000000000000000000" pitchFamily="2" charset="2"/>
-                  <a:buChar char="Ø"/>
-                </a:pPr>
-                <a:r>
-                  <a:rPr lang="en-US" altLang="zh-CN" sz="2000" dirty="0" smtClean="0"/>
-                  <a:t> Let us assume that</a:t>
-                </a:r>
-              </a:p>
-              <a:p>
-                <a:pPr marL="0" indent="0" algn="ctr">
-                  <a:buNone/>
-                </a:pPr>
-                <a:r>
-                  <a:rPr lang="en-US" altLang="zh-CN" sz="2000" dirty="0"/>
-                  <a:t> </a:t>
-                </a:r>
-                <a:r>
-                  <a:rPr lang="en-US" altLang="zh-CN" sz="2000" dirty="0" smtClean="0"/>
-                  <a:t>    </a:t>
-                </a:r>
-                <a14:m>
-                  <m:oMath xmlns:m="http://schemas.openxmlformats.org/officeDocument/2006/math">
-                    <m:r>
-                      <a:rPr lang="en-US" altLang="zh-CN" sz="2000" b="0" i="1" smtClean="0">
-                        <a:latin typeface="Cambria Math" panose="02040503050406030204" pitchFamily="18" charset="0"/>
-                      </a:rPr>
-                      <m:t>𝑃</m:t>
-                    </m:r>
-                    <m:d>
-                      <m:dPr>
-                        <m:ctrlPr>
-                          <a:rPr lang="en-US" altLang="zh-CN" sz="2000" b="0" i="1" smtClean="0">
-                            <a:latin typeface="Cambria Math" panose="02040503050406030204" pitchFamily="18" charset="0"/>
-                          </a:rPr>
-                        </m:ctrlPr>
-                      </m:dPr>
-                      <m:e>
-                        <m:r>
-                          <a:rPr lang="en-US" altLang="zh-CN" sz="2000" b="0" i="1" smtClean="0">
-                            <a:latin typeface="Cambria Math" panose="02040503050406030204" pitchFamily="18" charset="0"/>
-                          </a:rPr>
-                          <m:t>𝑦</m:t>
-                        </m:r>
-                        <m:r>
-                          <a:rPr lang="en-US" altLang="zh-CN" sz="2000" b="0" i="1" smtClean="0">
-                            <a:latin typeface="Cambria Math" panose="02040503050406030204" pitchFamily="18" charset="0"/>
-                          </a:rPr>
-                          <m:t>=</m:t>
-                        </m:r>
-                        <m:r>
-                          <a:rPr lang="en-US" altLang="zh-CN" sz="2000" b="1" i="1" smtClean="0">
-                            <a:solidFill>
-                              <a:srgbClr val="FF0000"/>
-                            </a:solidFill>
-                            <a:latin typeface="Cambria Math" panose="02040503050406030204" pitchFamily="18" charset="0"/>
-                          </a:rPr>
-                          <m:t>𝟏</m:t>
-                        </m:r>
-                        <m:r>
-                          <a:rPr lang="en-US" altLang="zh-CN" sz="2000" b="0" i="1" smtClean="0">
-                            <a:latin typeface="Cambria Math" panose="02040503050406030204" pitchFamily="18" charset="0"/>
-                          </a:rPr>
-                          <m:t>|</m:t>
-                        </m:r>
-                        <m:r>
-                          <a:rPr lang="en-US" altLang="zh-CN" sz="2000" b="0" i="1" smtClean="0">
-                            <a:latin typeface="Cambria Math" panose="02040503050406030204" pitchFamily="18" charset="0"/>
-                          </a:rPr>
-                          <m:t>𝑥</m:t>
-                        </m:r>
-                        <m:r>
-                          <a:rPr lang="en-US" altLang="zh-CN" sz="2000" b="0" i="1" smtClean="0">
-                            <a:latin typeface="Cambria Math" panose="02040503050406030204" pitchFamily="18" charset="0"/>
-                          </a:rPr>
-                          <m:t>; </m:t>
-                        </m:r>
-                        <m:r>
-                          <a:rPr lang="zh-CN" altLang="en-US" sz="2000" b="0" i="1" smtClean="0">
-                            <a:latin typeface="Cambria Math" panose="02040503050406030204" pitchFamily="18" charset="0"/>
-                          </a:rPr>
-                          <m:t>𝜃</m:t>
-                        </m:r>
-                      </m:e>
-                    </m:d>
-                    <m:r>
-                      <a:rPr lang="en-US" altLang="zh-CN" sz="2000" b="0" i="1" smtClean="0">
-                        <a:latin typeface="Cambria Math" panose="02040503050406030204" pitchFamily="18" charset="0"/>
-                      </a:rPr>
-                      <m:t>= </m:t>
-                    </m:r>
-                    <m:sSub>
-                      <m:sSubPr>
-                        <m:ctrlPr>
-                          <a:rPr lang="en-US" altLang="zh-CN" sz="2000" b="0" i="1" smtClean="0">
-                            <a:latin typeface="Cambria Math" panose="02040503050406030204" pitchFamily="18" charset="0"/>
-                          </a:rPr>
-                        </m:ctrlPr>
-                      </m:sSubPr>
-                      <m:e>
-                        <m:r>
-                          <a:rPr lang="en-US" altLang="zh-CN" sz="2000" b="0" i="1" smtClean="0">
-                            <a:latin typeface="Cambria Math" panose="02040503050406030204" pitchFamily="18" charset="0"/>
-                          </a:rPr>
-                          <m:t>h</m:t>
-                        </m:r>
-                      </m:e>
-                      <m:sub>
-                        <m:r>
-                          <a:rPr lang="zh-CN" altLang="en-US" sz="2000" b="0" i="1" smtClean="0">
-                            <a:latin typeface="Cambria Math" panose="02040503050406030204" pitchFamily="18" charset="0"/>
-                          </a:rPr>
-                          <m:t>𝜃</m:t>
-                        </m:r>
-                      </m:sub>
-                    </m:sSub>
-                    <m:d>
-                      <m:dPr>
-                        <m:ctrlPr>
-                          <a:rPr lang="en-US" altLang="zh-CN" sz="2000" b="0" i="1" smtClean="0">
-                            <a:latin typeface="Cambria Math" panose="02040503050406030204" pitchFamily="18" charset="0"/>
-                          </a:rPr>
-                        </m:ctrlPr>
-                      </m:dPr>
-                      <m:e>
-                        <m:r>
-                          <a:rPr lang="en-US" altLang="zh-CN" sz="2000" b="0" i="1" smtClean="0">
-                            <a:latin typeface="Cambria Math" panose="02040503050406030204" pitchFamily="18" charset="0"/>
-                          </a:rPr>
-                          <m:t>𝑥</m:t>
-                        </m:r>
-                      </m:e>
-                    </m:d>
-                  </m:oMath>
-                </a14:m>
-                <a:r>
-                  <a:rPr lang="en-US" altLang="zh-CN" sz="2000" dirty="0" smtClean="0"/>
-                  <a:t> ;  </a:t>
-                </a:r>
-                <a14:m>
-                  <m:oMath xmlns:m="http://schemas.openxmlformats.org/officeDocument/2006/math">
-                    <m:r>
-                      <a:rPr lang="en-US" altLang="zh-CN" sz="2000" i="1">
-                        <a:latin typeface="Cambria Math" panose="02040503050406030204" pitchFamily="18" charset="0"/>
-                      </a:rPr>
-                      <m:t>𝑃</m:t>
-                    </m:r>
-                    <m:d>
-                      <m:dPr>
-                        <m:ctrlPr>
-                          <a:rPr lang="en-US" altLang="zh-CN" sz="2000" i="1">
-                            <a:latin typeface="Cambria Math" panose="02040503050406030204" pitchFamily="18" charset="0"/>
-                          </a:rPr>
-                        </m:ctrlPr>
-                      </m:dPr>
-                      <m:e>
-                        <m:r>
-                          <a:rPr lang="en-US" altLang="zh-CN" sz="2000" i="1">
-                            <a:latin typeface="Cambria Math" panose="02040503050406030204" pitchFamily="18" charset="0"/>
-                          </a:rPr>
-                          <m:t>𝑦</m:t>
-                        </m:r>
-                        <m:r>
-                          <a:rPr lang="en-US" altLang="zh-CN" sz="2000" i="1">
-                            <a:latin typeface="Cambria Math" panose="02040503050406030204" pitchFamily="18" charset="0"/>
-                          </a:rPr>
-                          <m:t>=</m:t>
-                        </m:r>
-                        <m:r>
-                          <a:rPr lang="en-US" altLang="zh-CN" sz="2000" b="1" i="1" smtClean="0">
-                            <a:solidFill>
-                              <a:srgbClr val="FF0000"/>
-                            </a:solidFill>
-                            <a:latin typeface="Cambria Math" panose="02040503050406030204" pitchFamily="18" charset="0"/>
-                          </a:rPr>
-                          <m:t>𝟎</m:t>
-                        </m:r>
-                        <m:r>
-                          <a:rPr lang="en-US" altLang="zh-CN" sz="2000" i="1">
-                            <a:latin typeface="Cambria Math" panose="02040503050406030204" pitchFamily="18" charset="0"/>
-                          </a:rPr>
-                          <m:t>|</m:t>
-                        </m:r>
-                        <m:r>
-                          <a:rPr lang="en-US" altLang="zh-CN" sz="2000" i="1">
-                            <a:latin typeface="Cambria Math" panose="02040503050406030204" pitchFamily="18" charset="0"/>
-                          </a:rPr>
-                          <m:t>𝑥</m:t>
-                        </m:r>
-                        <m:r>
-                          <a:rPr lang="en-US" altLang="zh-CN" sz="2000" i="1">
-                            <a:latin typeface="Cambria Math" panose="02040503050406030204" pitchFamily="18" charset="0"/>
-                          </a:rPr>
-                          <m:t>; </m:t>
-                        </m:r>
-                        <m:r>
-                          <a:rPr lang="zh-CN" altLang="en-US" sz="2000" i="1">
-                            <a:latin typeface="Cambria Math" panose="02040503050406030204" pitchFamily="18" charset="0"/>
-                          </a:rPr>
-                          <m:t>𝜃</m:t>
-                        </m:r>
-                      </m:e>
-                    </m:d>
-                    <m:r>
-                      <a:rPr lang="en-US" altLang="zh-CN" sz="2000" i="1">
-                        <a:latin typeface="Cambria Math" panose="02040503050406030204" pitchFamily="18" charset="0"/>
-                      </a:rPr>
-                      <m:t>= </m:t>
-                    </m:r>
-                    <m:sSub>
-                      <m:sSubPr>
-                        <m:ctrlPr>
-                          <a:rPr lang="en-US" altLang="zh-CN" sz="2000" i="1">
-                            <a:latin typeface="Cambria Math" panose="02040503050406030204" pitchFamily="18" charset="0"/>
-                          </a:rPr>
-                        </m:ctrlPr>
-                      </m:sSubPr>
-                      <m:e>
-                        <m:r>
-                          <a:rPr lang="en-US" altLang="zh-CN" sz="2000" b="0" i="1" smtClean="0">
-                            <a:latin typeface="Cambria Math" panose="02040503050406030204" pitchFamily="18" charset="0"/>
-                          </a:rPr>
-                          <m:t>1 − </m:t>
-                        </m:r>
-                        <m:r>
-                          <a:rPr lang="en-US" altLang="zh-CN" sz="2000" i="1">
-                            <a:latin typeface="Cambria Math" panose="02040503050406030204" pitchFamily="18" charset="0"/>
-                          </a:rPr>
-                          <m:t>h</m:t>
-                        </m:r>
-                      </m:e>
-                      <m:sub>
-                        <m:r>
-                          <a:rPr lang="zh-CN" altLang="en-US" sz="2000" i="1">
-                            <a:latin typeface="Cambria Math" panose="02040503050406030204" pitchFamily="18" charset="0"/>
-                          </a:rPr>
-                          <m:t>𝜃</m:t>
-                        </m:r>
-                      </m:sub>
-                    </m:sSub>
-                    <m:d>
-                      <m:dPr>
-                        <m:ctrlPr>
-                          <a:rPr lang="en-US" altLang="zh-CN" sz="2000" i="1">
-                            <a:latin typeface="Cambria Math" panose="02040503050406030204" pitchFamily="18" charset="0"/>
-                          </a:rPr>
-                        </m:ctrlPr>
-                      </m:dPr>
-                      <m:e>
-                        <m:r>
-                          <a:rPr lang="en-US" altLang="zh-CN" sz="2000" i="1">
-                            <a:latin typeface="Cambria Math" panose="02040503050406030204" pitchFamily="18" charset="0"/>
-                          </a:rPr>
-                          <m:t>𝑥</m:t>
-                        </m:r>
-                      </m:e>
-                    </m:d>
-                  </m:oMath>
-                </a14:m>
-                <a:r>
-                  <a:rPr lang="en-US" altLang="zh-CN" sz="2000" dirty="0"/>
-                  <a:t> </a:t>
-                </a:r>
-                <a:endParaRPr lang="en-US" altLang="zh-CN" sz="2000" dirty="0" smtClean="0"/>
-              </a:p>
-              <a:p>
-                <a:pPr marL="0" indent="0">
-                  <a:buNone/>
-                </a:pPr>
-                <a:r>
-                  <a:rPr lang="en-US" altLang="zh-CN" sz="2000" dirty="0"/>
-                  <a:t> </a:t>
-                </a:r>
-                <a:r>
-                  <a:rPr lang="en-US" altLang="zh-CN" sz="2000" dirty="0" smtClean="0"/>
-                  <a:t>    Note that this can be written more compactly as</a:t>
-                </a:r>
-              </a:p>
-              <a:p>
-                <a:pPr marL="0" indent="0">
-                  <a:buNone/>
-                </a:pPr>
-                <a14:m>
-                  <m:oMathPara xmlns:m="http://schemas.openxmlformats.org/officeDocument/2006/math">
-                    <m:oMathParaPr>
-                      <m:jc m:val="center"/>
-                    </m:oMathParaPr>
-                    <m:oMath xmlns:m="http://schemas.openxmlformats.org/officeDocument/2006/math">
-                      <m:r>
-                        <a:rPr lang="en-US" altLang="zh-CN" sz="2000" b="0" i="1" smtClean="0">
-                          <a:latin typeface="Cambria Math" panose="02040503050406030204" pitchFamily="18" charset="0"/>
-                        </a:rPr>
-                        <m:t>𝑝</m:t>
-                      </m:r>
-                      <m:d>
-                        <m:dPr>
-                          <m:ctrlPr>
-                            <a:rPr lang="en-US" altLang="zh-CN" sz="2000" i="1">
-                              <a:latin typeface="Cambria Math" panose="02040503050406030204" pitchFamily="18" charset="0"/>
-                            </a:rPr>
-                          </m:ctrlPr>
-                        </m:dPr>
-                        <m:e>
-                          <m:r>
-                            <a:rPr lang="en-US" altLang="zh-CN" sz="2000" i="1">
-                              <a:latin typeface="Cambria Math" panose="02040503050406030204" pitchFamily="18" charset="0"/>
-                            </a:rPr>
-                            <m:t>𝑦</m:t>
-                          </m:r>
-                          <m:r>
-                            <a:rPr lang="en-US" altLang="zh-CN" sz="2000" b="0" i="1" smtClean="0">
-                              <a:latin typeface="Cambria Math" panose="02040503050406030204" pitchFamily="18" charset="0"/>
-                            </a:rPr>
-                            <m:t> </m:t>
-                          </m:r>
-                          <m:r>
-                            <a:rPr lang="en-US" altLang="zh-CN" sz="2000" i="1">
-                              <a:latin typeface="Cambria Math" panose="02040503050406030204" pitchFamily="18" charset="0"/>
-                            </a:rPr>
-                            <m:t>|</m:t>
-                          </m:r>
-                          <m:r>
-                            <a:rPr lang="en-US" altLang="zh-CN" sz="2000" i="1">
-                              <a:latin typeface="Cambria Math" panose="02040503050406030204" pitchFamily="18" charset="0"/>
-                            </a:rPr>
-                            <m:t>𝑥</m:t>
-                          </m:r>
-                          <m:r>
-                            <a:rPr lang="en-US" altLang="zh-CN" sz="2000" i="1">
-                              <a:latin typeface="Cambria Math" panose="02040503050406030204" pitchFamily="18" charset="0"/>
-                            </a:rPr>
-                            <m:t>; </m:t>
-                          </m:r>
-                          <m:r>
-                            <a:rPr lang="zh-CN" altLang="en-US" sz="2000" i="1">
-                              <a:latin typeface="Cambria Math" panose="02040503050406030204" pitchFamily="18" charset="0"/>
-                            </a:rPr>
-                            <m:t>𝜃</m:t>
-                          </m:r>
-                        </m:e>
-                      </m:d>
-                      <m:r>
-                        <a:rPr lang="en-US" altLang="zh-CN" sz="2000" b="0" i="1" smtClean="0">
-                          <a:latin typeface="Cambria Math" panose="02040503050406030204" pitchFamily="18" charset="0"/>
-                        </a:rPr>
-                        <m:t>= </m:t>
-                      </m:r>
-                      <m:sSup>
-                        <m:sSupPr>
-                          <m:ctrlPr>
-                            <a:rPr lang="en-US" altLang="zh-CN" sz="2000" b="0" i="1" smtClean="0">
-                              <a:latin typeface="Cambria Math" panose="02040503050406030204" pitchFamily="18" charset="0"/>
-                            </a:rPr>
-                          </m:ctrlPr>
-                        </m:sSupPr>
-                        <m:e>
-                          <m:d>
-                            <m:dPr>
-                              <m:ctrlPr>
-                                <a:rPr lang="en-US" altLang="zh-CN" sz="2000" b="0" i="1" smtClean="0">
-                                  <a:latin typeface="Cambria Math" panose="02040503050406030204" pitchFamily="18" charset="0"/>
-                                </a:rPr>
-                              </m:ctrlPr>
-                            </m:dPr>
-                            <m:e>
-                              <m:sSub>
-                                <m:sSubPr>
-                                  <m:ctrlPr>
-                                    <a:rPr lang="en-US" altLang="zh-CN" sz="2000" i="1">
-                                      <a:latin typeface="Cambria Math" panose="02040503050406030204" pitchFamily="18" charset="0"/>
-                                    </a:rPr>
-                                  </m:ctrlPr>
-                                </m:sSubPr>
-                                <m:e>
-                                  <m:r>
-                                    <a:rPr lang="en-US" altLang="zh-CN" sz="2000" i="1">
-                                      <a:latin typeface="Cambria Math" panose="02040503050406030204" pitchFamily="18" charset="0"/>
-                                    </a:rPr>
-                                    <m:t>h</m:t>
-                                  </m:r>
-                                </m:e>
-                                <m:sub>
-                                  <m:r>
-                                    <a:rPr lang="zh-CN" altLang="en-US" sz="2000" i="1">
-                                      <a:latin typeface="Cambria Math" panose="02040503050406030204" pitchFamily="18" charset="0"/>
-                                    </a:rPr>
-                                    <m:t>𝜃</m:t>
-                                  </m:r>
-                                </m:sub>
-                              </m:sSub>
-                              <m:d>
-                                <m:dPr>
-                                  <m:ctrlPr>
-                                    <a:rPr lang="en-US" altLang="zh-CN" sz="2000" i="1">
-                                      <a:latin typeface="Cambria Math" panose="02040503050406030204" pitchFamily="18" charset="0"/>
-                                    </a:rPr>
-                                  </m:ctrlPr>
-                                </m:dPr>
-                                <m:e>
-                                  <m:r>
-                                    <a:rPr lang="en-US" altLang="zh-CN" sz="2000" i="1">
-                                      <a:latin typeface="Cambria Math" panose="02040503050406030204" pitchFamily="18" charset="0"/>
-                                    </a:rPr>
-                                    <m:t>𝑥</m:t>
-                                  </m:r>
-                                </m:e>
-                              </m:d>
-                            </m:e>
-                          </m:d>
-                        </m:e>
-                        <m:sup>
-                          <m:r>
-                            <a:rPr lang="en-US" altLang="zh-CN" sz="2000" b="0" i="1" smtClean="0">
-                              <a:latin typeface="Cambria Math" panose="02040503050406030204" pitchFamily="18" charset="0"/>
-                            </a:rPr>
-                            <m:t>𝑦</m:t>
-                          </m:r>
-                        </m:sup>
-                      </m:sSup>
-                      <m:sSup>
-                        <m:sSupPr>
-                          <m:ctrlPr>
-                            <a:rPr lang="en-US" altLang="zh-CN" sz="2000" b="0" i="1" smtClean="0">
-                              <a:latin typeface="Cambria Math" panose="02040503050406030204" pitchFamily="18" charset="0"/>
-                            </a:rPr>
-                          </m:ctrlPr>
-                        </m:sSupPr>
-                        <m:e>
-                          <m:d>
-                            <m:dPr>
-                              <m:ctrlPr>
-                                <a:rPr lang="en-US" altLang="zh-CN" sz="2000" b="0" i="1" smtClean="0">
-                                  <a:latin typeface="Cambria Math" panose="02040503050406030204" pitchFamily="18" charset="0"/>
-                                </a:rPr>
-                              </m:ctrlPr>
-                            </m:dPr>
-                            <m:e>
-                              <m:sSub>
-                                <m:sSubPr>
-                                  <m:ctrlPr>
-                                    <a:rPr lang="en-US" altLang="zh-CN" sz="2000" i="1">
-                                      <a:latin typeface="Cambria Math" panose="02040503050406030204" pitchFamily="18" charset="0"/>
-                                    </a:rPr>
-                                  </m:ctrlPr>
-                                </m:sSubPr>
-                                <m:e>
-                                  <m:r>
-                                    <a:rPr lang="en-US" altLang="zh-CN" sz="2000" i="1">
-                                      <a:latin typeface="Cambria Math" panose="02040503050406030204" pitchFamily="18" charset="0"/>
-                                    </a:rPr>
-                                    <m:t>1 − </m:t>
-                                  </m:r>
-                                  <m:r>
-                                    <a:rPr lang="en-US" altLang="zh-CN" sz="2000" i="1">
-                                      <a:latin typeface="Cambria Math" panose="02040503050406030204" pitchFamily="18" charset="0"/>
-                                    </a:rPr>
-                                    <m:t>h</m:t>
-                                  </m:r>
-                                </m:e>
-                                <m:sub>
-                                  <m:r>
-                                    <a:rPr lang="zh-CN" altLang="en-US" sz="2000" i="1">
-                                      <a:latin typeface="Cambria Math" panose="02040503050406030204" pitchFamily="18" charset="0"/>
-                                    </a:rPr>
-                                    <m:t>𝜃</m:t>
-                                  </m:r>
-                                </m:sub>
-                              </m:sSub>
-                              <m:d>
-                                <m:dPr>
-                                  <m:ctrlPr>
-                                    <a:rPr lang="en-US" altLang="zh-CN" sz="2000" i="1">
-                                      <a:latin typeface="Cambria Math" panose="02040503050406030204" pitchFamily="18" charset="0"/>
-                                    </a:rPr>
-                                  </m:ctrlPr>
-                                </m:dPr>
-                                <m:e>
-                                  <m:r>
-                                    <a:rPr lang="en-US" altLang="zh-CN" sz="2000" i="1">
-                                      <a:latin typeface="Cambria Math" panose="02040503050406030204" pitchFamily="18" charset="0"/>
-                                    </a:rPr>
-                                    <m:t>𝑥</m:t>
-                                  </m:r>
-                                </m:e>
-                              </m:d>
-                            </m:e>
-                          </m:d>
-                        </m:e>
-                        <m:sup>
-                          <m:r>
-                            <a:rPr lang="en-US" altLang="zh-CN" sz="2000" b="0" i="1" smtClean="0">
-                              <a:latin typeface="Cambria Math" panose="02040503050406030204" pitchFamily="18" charset="0"/>
-                            </a:rPr>
-                            <m:t>1−</m:t>
-                          </m:r>
-                          <m:r>
-                            <a:rPr lang="en-US" altLang="zh-CN" sz="2000" b="0" i="1" smtClean="0">
-                              <a:latin typeface="Cambria Math" panose="02040503050406030204" pitchFamily="18" charset="0"/>
-                            </a:rPr>
-                            <m:t>𝑦</m:t>
-                          </m:r>
-                        </m:sup>
-                      </m:sSup>
-                    </m:oMath>
-                  </m:oMathPara>
-                </a14:m>
-                <a:endParaRPr lang="en-US" altLang="zh-CN" sz="2000" dirty="0" smtClean="0"/>
-              </a:p>
-            </p:txBody>
-          </p:sp>
-        </mc:Choice>
-        <mc:Fallback>
-          <p:sp>
-            <p:nvSpPr>
-              <p:cNvPr id="3" name="内容占位符 2"/>
-              <p:cNvSpPr>
-                <a:spLocks noGrp="1" noRot="1" noChangeAspect="1" noMove="1" noResize="1" noEditPoints="1" noAdjustHandles="1" noChangeArrowheads="1" noChangeShapeType="1" noTextEdit="1"/>
-              </p:cNvSpPr>
-              <p:nvPr>
-                <p:ph idx="1"/>
-              </p:nvPr>
-            </p:nvSpPr>
-            <p:spPr>
-              <a:blipFill>
-                <a:blip r:embed="rId2"/>
-                <a:stretch>
-                  <a:fillRect l="-522" t="-1401"/>
-                </a:stretch>
-              </a:blipFill>
-            </p:spPr>
-            <p:txBody>
-              <a:bodyPr/>
-              <a:lstStyle/>
-              <a:p>
-                <a:r>
-                  <a:rPr lang="zh-CN" altLang="en-US">
-                    <a:noFill/>
-                  </a:rPr>
-                  <a:t> </a:t>
-                </a:r>
-              </a:p>
-            </p:txBody>
-          </p:sp>
-        </mc:Fallback>
-      </mc:AlternateContent>
+      <p:sp>
+        <p:nvSpPr>
+          <p:cNvPr id="3" name="内容占位符 2"/>
+          <p:cNvSpPr>
+            <a:spLocks noGrp="1"/>
+          </p:cNvSpPr>
+          <p:nvPr>
+            <p:ph idx="1"/>
+          </p:nvPr>
+        </p:nvSpPr>
+        <p:spPr/>
+        <p:txBody>
+          <a:bodyPr/>
+          <a:lstStyle/>
+          <a:p>
+            <a:pPr>
+              <a:buFont typeface="Wingdings" panose="05000000000000000000" pitchFamily="2" charset="2"/>
+              <a:buChar char="Ø"/>
+            </a:pPr>
+            <a:r>
+              <a:rPr lang="en-US" altLang="zh-CN" sz="2000" dirty="0" smtClean="0"/>
+              <a:t> </a:t>
+            </a:r>
+            <a:r>
+              <a:rPr lang="zh-CN" altLang="en-US" sz="2000" dirty="0" smtClean="0"/>
+              <a:t>最大似然估计：</a:t>
+            </a:r>
+            <a:r>
+              <a:rPr lang="en-US" altLang="zh-CN" sz="2000" dirty="0" smtClean="0"/>
+              <a:t>The table below shows how incorrect predictions by our hypothesis function (i.e. h(x)=.25, y=1) are penalized by generation low values. </a:t>
+            </a:r>
+          </a:p>
+          <a:p>
+            <a:pPr>
+              <a:buFont typeface="Wingdings" panose="05000000000000000000" pitchFamily="2" charset="2"/>
+              <a:buChar char="Ø"/>
+            </a:pPr>
+            <a:endParaRPr lang="en-US" altLang="zh-CN" sz="2000" dirty="0"/>
+          </a:p>
+          <a:p>
+            <a:pPr>
+              <a:buFont typeface="Wingdings" panose="05000000000000000000" pitchFamily="2" charset="2"/>
+              <a:buChar char="Ø"/>
+            </a:pPr>
+            <a:endParaRPr lang="en-US" altLang="zh-CN" sz="2000" dirty="0" smtClean="0"/>
+          </a:p>
+          <a:p>
+            <a:pPr>
+              <a:buFont typeface="Wingdings" panose="05000000000000000000" pitchFamily="2" charset="2"/>
+              <a:buChar char="Ø"/>
+            </a:pPr>
+            <a:endParaRPr lang="en-US" altLang="zh-CN" sz="2000" dirty="0"/>
+          </a:p>
+          <a:p>
+            <a:pPr>
+              <a:buFont typeface="Wingdings" panose="05000000000000000000" pitchFamily="2" charset="2"/>
+              <a:buChar char="Ø"/>
+            </a:pPr>
+            <a:endParaRPr lang="en-US" altLang="zh-CN" sz="2000" dirty="0" smtClean="0"/>
+          </a:p>
+          <a:p>
+            <a:pPr>
+              <a:buFont typeface="Wingdings" panose="05000000000000000000" pitchFamily="2" charset="2"/>
+              <a:buChar char="Ø"/>
+            </a:pPr>
+            <a:endParaRPr lang="en-US" altLang="zh-CN" sz="2000" dirty="0"/>
+          </a:p>
+          <a:p>
+            <a:pPr>
+              <a:buFont typeface="Wingdings" panose="05000000000000000000" pitchFamily="2" charset="2"/>
+              <a:buChar char="Ø"/>
+            </a:pPr>
+            <a:endParaRPr lang="en-US" altLang="zh-CN" sz="2000" dirty="0" smtClean="0"/>
+          </a:p>
+          <a:p>
+            <a:pPr marL="0" indent="0">
+              <a:buNone/>
+            </a:pPr>
+            <a:r>
+              <a:rPr lang="en-US" altLang="zh-CN" sz="2000" dirty="0"/>
+              <a:t>https://thelaziestprogrammer.com/sharrington/math-of-machine-learning/solving-logreg-newtons-method</a:t>
+            </a:r>
+            <a:endParaRPr lang="en-US" altLang="zh-CN" sz="2000" dirty="0" smtClean="0"/>
+          </a:p>
+          <a:p>
+            <a:pPr>
+              <a:buFont typeface="Wingdings" panose="05000000000000000000" pitchFamily="2" charset="2"/>
+              <a:buChar char="Ø"/>
+            </a:pPr>
+            <a:endParaRPr lang="en-US" altLang="zh-CN" sz="2000" dirty="0" smtClean="0"/>
+          </a:p>
+        </p:txBody>
+      </p:sp>
+      <p:graphicFrame>
+        <p:nvGraphicFramePr>
+          <p:cNvPr id="4" name="表格 3"/>
+          <p:cNvGraphicFramePr>
+            <a:graphicFrameLocks noGrp="1"/>
+          </p:cNvGraphicFramePr>
+          <p:nvPr>
+            <p:extLst>
+              <p:ext uri="{D42A27DB-BD31-4B8C-83A1-F6EECF244321}">
+                <p14:modId xmlns:p14="http://schemas.microsoft.com/office/powerpoint/2010/main" val="3131063443"/>
+              </p:ext>
+            </p:extLst>
+          </p:nvPr>
+        </p:nvGraphicFramePr>
+        <p:xfrm>
+          <a:off x="2032000" y="2599023"/>
+          <a:ext cx="8127999" cy="1854200"/>
+        </p:xfrm>
+        <a:graphic>
+          <a:graphicData uri="http://schemas.openxmlformats.org/drawingml/2006/table">
+            <a:tbl>
+              <a:tblPr firstRow="1" bandRow="1">
+                <a:tableStyleId>{5C22544A-7EE6-4342-B048-85BDC9FD1C3A}</a:tableStyleId>
+              </a:tblPr>
+              <a:tblGrid>
+                <a:gridCol w="2709333">
+                  <a:extLst>
+                    <a:ext uri="{9D8B030D-6E8A-4147-A177-3AD203B41FA5}">
+                      <a16:colId xmlns:a16="http://schemas.microsoft.com/office/drawing/2014/main" val="1273384652"/>
+                    </a:ext>
+                  </a:extLst>
+                </a:gridCol>
+                <a:gridCol w="2709333">
+                  <a:extLst>
+                    <a:ext uri="{9D8B030D-6E8A-4147-A177-3AD203B41FA5}">
+                      <a16:colId xmlns:a16="http://schemas.microsoft.com/office/drawing/2014/main" val="1310565930"/>
+                    </a:ext>
+                  </a:extLst>
+                </a:gridCol>
+                <a:gridCol w="2709333">
+                  <a:extLst>
+                    <a:ext uri="{9D8B030D-6E8A-4147-A177-3AD203B41FA5}">
+                      <a16:colId xmlns:a16="http://schemas.microsoft.com/office/drawing/2014/main" val="739849013"/>
+                    </a:ext>
+                  </a:extLst>
+                </a:gridCol>
+              </a:tblGrid>
+              <a:tr h="370840">
+                <a:tc>
+                  <a:txBody>
+                    <a:bodyPr/>
+                    <a:lstStyle/>
+                    <a:p>
+                      <a:pPr algn="l"/>
+                      <a:r>
+                        <a:rPr lang="en-US" altLang="zh-CN" dirty="0" smtClean="0"/>
+                        <a:t>h(x)</a:t>
+                      </a:r>
+                      <a:endParaRPr lang="zh-CN" altLang="en-US" dirty="0"/>
+                    </a:p>
+                  </a:txBody>
+                  <a:tcPr/>
+                </a:tc>
+                <a:tc>
+                  <a:txBody>
+                    <a:bodyPr/>
+                    <a:lstStyle/>
+                    <a:p>
+                      <a:pPr algn="l"/>
+                      <a:r>
+                        <a:rPr lang="en-US" altLang="zh-CN" dirty="0" smtClean="0"/>
+                        <a:t>Y=0</a:t>
+                      </a:r>
+                      <a:endParaRPr lang="zh-CN" altLang="en-US" dirty="0"/>
+                    </a:p>
+                  </a:txBody>
+                  <a:tcPr/>
+                </a:tc>
+                <a:tc>
+                  <a:txBody>
+                    <a:bodyPr/>
+                    <a:lstStyle/>
+                    <a:p>
+                      <a:pPr algn="l"/>
+                      <a:r>
+                        <a:rPr lang="en-US" altLang="zh-CN" dirty="0" smtClean="0"/>
+                        <a:t>Y=1</a:t>
+                      </a:r>
+                      <a:endParaRPr lang="zh-CN" altLang="en-US" dirty="0"/>
+                    </a:p>
+                  </a:txBody>
+                  <a:tcPr/>
+                </a:tc>
+                <a:extLst>
+                  <a:ext uri="{0D108BD9-81ED-4DB2-BD59-A6C34878D82A}">
+                    <a16:rowId xmlns:a16="http://schemas.microsoft.com/office/drawing/2014/main" val="100142811"/>
+                  </a:ext>
+                </a:extLst>
+              </a:tr>
+              <a:tr h="370840">
+                <a:tc>
+                  <a:txBody>
+                    <a:bodyPr/>
+                    <a:lstStyle/>
+                    <a:p>
+                      <a:pPr algn="l"/>
+                      <a:r>
+                        <a:rPr lang="en-US" altLang="zh-CN" dirty="0" smtClean="0"/>
+                        <a:t>.25</a:t>
+                      </a:r>
+                      <a:endParaRPr lang="zh-CN" altLang="en-US" dirty="0"/>
+                    </a:p>
+                  </a:txBody>
+                  <a:tcPr/>
+                </a:tc>
+                <a:tc>
+                  <a:txBody>
+                    <a:bodyPr/>
+                    <a:lstStyle/>
+                    <a:p>
+                      <a:pPr algn="l"/>
+                      <a:r>
+                        <a:rPr lang="en-US" altLang="zh-CN" dirty="0" smtClean="0"/>
+                        <a:t>.75</a:t>
+                      </a:r>
+                      <a:endParaRPr lang="zh-CN" altLang="en-US" dirty="0"/>
+                    </a:p>
+                  </a:txBody>
+                  <a:tcPr/>
+                </a:tc>
+                <a:tc>
+                  <a:txBody>
+                    <a:bodyPr/>
+                    <a:lstStyle/>
+                    <a:p>
+                      <a:pPr algn="l"/>
+                      <a:r>
+                        <a:rPr lang="en-US" altLang="zh-CN" dirty="0" smtClean="0"/>
+                        <a:t>.25</a:t>
+                      </a:r>
+                      <a:endParaRPr lang="zh-CN" altLang="en-US" dirty="0"/>
+                    </a:p>
+                  </a:txBody>
+                  <a:tcPr/>
+                </a:tc>
+                <a:extLst>
+                  <a:ext uri="{0D108BD9-81ED-4DB2-BD59-A6C34878D82A}">
+                    <a16:rowId xmlns:a16="http://schemas.microsoft.com/office/drawing/2014/main" val="3886249812"/>
+                  </a:ext>
+                </a:extLst>
+              </a:tr>
+              <a:tr h="370840">
+                <a:tc>
+                  <a:txBody>
+                    <a:bodyPr/>
+                    <a:lstStyle/>
+                    <a:p>
+                      <a:pPr algn="l"/>
+                      <a:r>
+                        <a:rPr lang="en-US" altLang="zh-CN" dirty="0" smtClean="0"/>
+                        <a:t>.5</a:t>
+                      </a:r>
+                      <a:endParaRPr lang="zh-CN" altLang="en-US" dirty="0"/>
+                    </a:p>
+                  </a:txBody>
+                  <a:tcPr/>
+                </a:tc>
+                <a:tc>
+                  <a:txBody>
+                    <a:bodyPr/>
+                    <a:lstStyle/>
+                    <a:p>
+                      <a:pPr algn="l"/>
+                      <a:r>
+                        <a:rPr lang="en-US" altLang="zh-CN" dirty="0" smtClean="0"/>
+                        <a:t>.5</a:t>
+                      </a:r>
+                      <a:endParaRPr lang="zh-CN" altLang="en-US" dirty="0"/>
+                    </a:p>
+                  </a:txBody>
+                  <a:tcPr/>
+                </a:tc>
+                <a:tc>
+                  <a:txBody>
+                    <a:bodyPr/>
+                    <a:lstStyle/>
+                    <a:p>
+                      <a:pPr algn="l"/>
+                      <a:r>
+                        <a:rPr lang="en-US" altLang="zh-CN" dirty="0" smtClean="0"/>
+                        <a:t>.5</a:t>
+                      </a:r>
+                      <a:endParaRPr lang="zh-CN" altLang="en-US" dirty="0"/>
+                    </a:p>
+                  </a:txBody>
+                  <a:tcPr/>
+                </a:tc>
+                <a:extLst>
+                  <a:ext uri="{0D108BD9-81ED-4DB2-BD59-A6C34878D82A}">
+                    <a16:rowId xmlns:a16="http://schemas.microsoft.com/office/drawing/2014/main" val="1941134176"/>
+                  </a:ext>
+                </a:extLst>
+              </a:tr>
+              <a:tr h="370840">
+                <a:tc>
+                  <a:txBody>
+                    <a:bodyPr/>
+                    <a:lstStyle/>
+                    <a:p>
+                      <a:pPr algn="l"/>
+                      <a:r>
+                        <a:rPr lang="en-US" altLang="zh-CN" dirty="0" smtClean="0"/>
+                        <a:t>.75</a:t>
+                      </a:r>
+                      <a:endParaRPr lang="zh-CN" altLang="en-US" dirty="0"/>
+                    </a:p>
+                  </a:txBody>
+                  <a:tcPr/>
+                </a:tc>
+                <a:tc>
+                  <a:txBody>
+                    <a:bodyPr/>
+                    <a:lstStyle/>
+                    <a:p>
+                      <a:pPr algn="l"/>
+                      <a:r>
+                        <a:rPr lang="en-US" altLang="zh-CN" dirty="0" smtClean="0"/>
+                        <a:t>.25</a:t>
+                      </a:r>
+                      <a:endParaRPr lang="zh-CN" altLang="en-US" dirty="0"/>
+                    </a:p>
+                  </a:txBody>
+                  <a:tcPr/>
+                </a:tc>
+                <a:tc>
+                  <a:txBody>
+                    <a:bodyPr/>
+                    <a:lstStyle/>
+                    <a:p>
+                      <a:pPr algn="l"/>
+                      <a:r>
+                        <a:rPr lang="en-US" altLang="zh-CN" dirty="0" smtClean="0"/>
+                        <a:t>.75</a:t>
+                      </a:r>
+                      <a:endParaRPr lang="zh-CN" altLang="en-US" dirty="0"/>
+                    </a:p>
+                  </a:txBody>
+                  <a:tcPr/>
+                </a:tc>
+                <a:extLst>
+                  <a:ext uri="{0D108BD9-81ED-4DB2-BD59-A6C34878D82A}">
+                    <a16:rowId xmlns:a16="http://schemas.microsoft.com/office/drawing/2014/main" val="225952606"/>
+                  </a:ext>
+                </a:extLst>
+              </a:tr>
+              <a:tr h="370840">
+                <a:tc>
+                  <a:txBody>
+                    <a:bodyPr/>
+                    <a:lstStyle/>
+                    <a:p>
+                      <a:pPr algn="l"/>
+                      <a:r>
+                        <a:rPr lang="en-US" altLang="zh-CN" dirty="0" smtClean="0"/>
+                        <a:t>.9</a:t>
+                      </a:r>
+                      <a:endParaRPr lang="zh-CN" altLang="en-US" dirty="0"/>
+                    </a:p>
+                  </a:txBody>
+                  <a:tcPr/>
+                </a:tc>
+                <a:tc>
+                  <a:txBody>
+                    <a:bodyPr/>
+                    <a:lstStyle/>
+                    <a:p>
+                      <a:pPr algn="l"/>
+                      <a:r>
+                        <a:rPr lang="en-US" altLang="zh-CN" dirty="0" smtClean="0"/>
+                        <a:t>.1</a:t>
+                      </a:r>
+                      <a:endParaRPr lang="zh-CN" altLang="en-US" dirty="0"/>
+                    </a:p>
+                  </a:txBody>
+                  <a:tcPr/>
+                </a:tc>
+                <a:tc>
+                  <a:txBody>
+                    <a:bodyPr/>
+                    <a:lstStyle/>
+                    <a:p>
+                      <a:pPr algn="l"/>
+                      <a:r>
+                        <a:rPr lang="en-US" altLang="zh-CN" dirty="0" smtClean="0"/>
+                        <a:t>.9</a:t>
+                      </a:r>
+                      <a:endParaRPr lang="zh-CN" altLang="en-US" dirty="0"/>
+                    </a:p>
+                  </a:txBody>
+                  <a:tcPr/>
+                </a:tc>
+                <a:extLst>
+                  <a:ext uri="{0D108BD9-81ED-4DB2-BD59-A6C34878D82A}">
+                    <a16:rowId xmlns:a16="http://schemas.microsoft.com/office/drawing/2014/main" val="953061262"/>
+                  </a:ext>
+                </a:extLst>
+              </a:tr>
+            </a:tbl>
+          </a:graphicData>
+        </a:graphic>
+      </p:graphicFrame>
     </p:spTree>
     <p:extLst>
       <p:ext uri="{BB962C8B-B14F-4D97-AF65-F5344CB8AC3E}">
-        <p14:creationId xmlns:p14="http://schemas.microsoft.com/office/powerpoint/2010/main" val="1204691432"/>
+        <p14:creationId xmlns:p14="http://schemas.microsoft.com/office/powerpoint/2010/main" val="3433138972"/>
       </p:ext>
     </p:extLst>
   </p:cSld>
@@ -14808,129 +15825,7 @@
 </p:sld>
 </file>
 
-<file path=ppt/slides/slide2.xml><?xml version="1.0" encoding="utf-8"?>
-<p:sld xmlns:a="http://schemas.openxmlformats.org/drawingml/2006/main" xmlns:r="http://schemas.openxmlformats.org/officeDocument/2006/relationships" xmlns:p="http://schemas.openxmlformats.org/presentationml/2006/main">
-  <p:cSld>
-    <p:spTree>
-      <p:nvGrpSpPr>
-        <p:cNvPr id="1" name=""/>
-        <p:cNvGrpSpPr/>
-        <p:nvPr/>
-      </p:nvGrpSpPr>
-      <p:grpSpPr>
-        <a:xfrm>
-          <a:off x="0" y="0"/>
-          <a:ext cx="0" cy="0"/>
-          <a:chOff x="0" y="0"/>
-          <a:chExt cx="0" cy="0"/>
-        </a:xfrm>
-      </p:grpSpPr>
-      <p:sp>
-        <p:nvSpPr>
-          <p:cNvPr id="2" name="标题 1"/>
-          <p:cNvSpPr>
-            <a:spLocks noGrp="1"/>
-          </p:cNvSpPr>
-          <p:nvPr>
-            <p:ph type="ctrTitle"/>
-          </p:nvPr>
-        </p:nvSpPr>
-        <p:spPr/>
-        <p:txBody>
-          <a:bodyPr/>
-          <a:lstStyle/>
-          <a:p>
-            <a:r>
-              <a:rPr lang="en-US" altLang="zh-CN" dirty="0" smtClean="0"/>
-              <a:t>Logistic Regression</a:t>
-            </a:r>
-            <a:endParaRPr lang="zh-CN" altLang="en-US" dirty="0"/>
-          </a:p>
-        </p:txBody>
-      </p:sp>
-      <p:sp>
-        <p:nvSpPr>
-          <p:cNvPr id="3" name="副标题 2"/>
-          <p:cNvSpPr>
-            <a:spLocks noGrp="1"/>
-          </p:cNvSpPr>
-          <p:nvPr>
-            <p:ph type="subTitle" idx="1"/>
-          </p:nvPr>
-        </p:nvSpPr>
-        <p:spPr>
-          <a:xfrm>
-            <a:off x="0" y="3602038"/>
-            <a:ext cx="12192000" cy="1655762"/>
-          </a:xfrm>
-        </p:spPr>
-        <p:txBody>
-          <a:bodyPr/>
-          <a:lstStyle/>
-          <a:p>
-            <a:r>
-              <a:rPr lang="en-US" altLang="zh-CN" dirty="0"/>
-              <a:t/>
-            </a:r>
-            <a:br>
-              <a:rPr lang="en-US" altLang="zh-CN" dirty="0"/>
-            </a:br>
-            <a:r>
-              <a:rPr lang="zh-CN" altLang="en-US" dirty="0" smtClean="0"/>
-              <a:t>参考资料：</a:t>
-            </a:r>
-            <a:r>
-              <a:rPr lang="en-US" altLang="zh-CN" dirty="0" smtClean="0"/>
-              <a:t>[Kevin P. Murphy]  </a:t>
-            </a:r>
-            <a:r>
-              <a:rPr lang="en-US" altLang="zh-CN" dirty="0"/>
-              <a:t>Machine </a:t>
-            </a:r>
-            <a:r>
-              <a:rPr lang="en-US" altLang="zh-CN" dirty="0" smtClean="0"/>
-              <a:t>Learning  </a:t>
-            </a:r>
-            <a:r>
-              <a:rPr lang="en-US" altLang="zh-CN" dirty="0"/>
-              <a:t>A Probabilistic </a:t>
-            </a:r>
-            <a:r>
-              <a:rPr lang="en-US" altLang="zh-CN" dirty="0" smtClean="0"/>
-              <a:t>Perspective</a:t>
-            </a:r>
-          </a:p>
-          <a:p>
-            <a:pPr algn="l"/>
-            <a:r>
-              <a:rPr lang="en-US" altLang="zh-CN" dirty="0" smtClean="0"/>
-              <a:t>                               [Andrew Ng] CS229 Lecture notes 1</a:t>
-            </a:r>
-            <a:endParaRPr lang="zh-CN" altLang="en-US" dirty="0"/>
-          </a:p>
-        </p:txBody>
-      </p:sp>
-    </p:spTree>
-    <p:extLst>
-      <p:ext uri="{BB962C8B-B14F-4D97-AF65-F5344CB8AC3E}">
-        <p14:creationId xmlns:p14="http://schemas.microsoft.com/office/powerpoint/2010/main" val="3571863173"/>
-      </p:ext>
-    </p:extLst>
-  </p:cSld>
-  <p:clrMapOvr>
-    <a:masterClrMapping/>
-  </p:clrMapOvr>
-  <p:timing>
-    <p:tnLst>
-      <p:par>
-        <p:cTn id="1" dur="indefinite" restart="never" nodeType="tmRoot"/>
-      </p:par>
-    </p:tnLst>
-  </p:timing>
-</p:sld>
-</file>
-
-<file path=ppt/slides/slide20.xml><?xml version="1.0" encoding="utf-8"?>
+<file path=ppt/slides/slide22.xml><?xml version="1.0" encoding="utf-8"?>
 <p:sld xmlns:a="http://schemas.openxmlformats.org/drawingml/2006/main" xmlns:r="http://schemas.openxmlformats.org/officeDocument/2006/relationships" xmlns:p="http://schemas.openxmlformats.org/presentationml/2006/main">
   <p:cSld>
     <p:spTree>
@@ -14982,8 +15877,244 @@
           </a:p>
         </p:txBody>
       </p:sp>
-      <mc:AlternateContent xmlns:mc="http://schemas.openxmlformats.org/markup-compatibility/2006">
-        <mc:Choice xmlns:a14="http://schemas.microsoft.com/office/drawing/2010/main" Requires="a14">
+      <p:sp>
+        <p:nvSpPr>
+          <p:cNvPr id="3" name="内容占位符 2"/>
+          <p:cNvSpPr>
+            <a:spLocks noGrp="1"/>
+          </p:cNvSpPr>
+          <p:nvPr>
+            <p:ph idx="1"/>
+          </p:nvPr>
+        </p:nvSpPr>
+        <p:spPr/>
+        <p:txBody>
+          <a:bodyPr/>
+          <a:lstStyle/>
+          <a:p>
+            <a:pPr>
+              <a:buFont typeface="Wingdings" panose="05000000000000000000" pitchFamily="2" charset="2"/>
+              <a:buChar char="Ø"/>
+            </a:pPr>
+            <a:r>
+              <a:rPr lang="en-US" altLang="zh-CN" sz="2000" dirty="0" smtClean="0"/>
+              <a:t> </a:t>
+            </a:r>
+            <a:r>
+              <a:rPr lang="zh-CN" altLang="en-US" sz="2000" dirty="0" smtClean="0"/>
+              <a:t>最大似然估计：</a:t>
+            </a:r>
+            <a:r>
+              <a:rPr lang="en-US" altLang="zh-CN" sz="2000" dirty="0" smtClean="0"/>
+              <a:t>The table below shows how incorrect predictions by our hypothesis function (i.e. h(x)=.25, y=1) are penalized by generation low values. </a:t>
+            </a:r>
+          </a:p>
+          <a:p>
+            <a:pPr>
+              <a:buFont typeface="Wingdings" panose="05000000000000000000" pitchFamily="2" charset="2"/>
+              <a:buChar char="Ø"/>
+            </a:pPr>
+            <a:endParaRPr lang="en-US" altLang="zh-CN" sz="2000" dirty="0"/>
+          </a:p>
+          <a:p>
+            <a:pPr>
+              <a:buFont typeface="Wingdings" panose="05000000000000000000" pitchFamily="2" charset="2"/>
+              <a:buChar char="Ø"/>
+            </a:pPr>
+            <a:endParaRPr lang="en-US" altLang="zh-CN" sz="2000" dirty="0" smtClean="0"/>
+          </a:p>
+          <a:p>
+            <a:pPr>
+              <a:buFont typeface="Wingdings" panose="05000000000000000000" pitchFamily="2" charset="2"/>
+              <a:buChar char="Ø"/>
+            </a:pPr>
+            <a:endParaRPr lang="en-US" altLang="zh-CN" sz="2000" dirty="0"/>
+          </a:p>
+          <a:p>
+            <a:pPr>
+              <a:buFont typeface="Wingdings" panose="05000000000000000000" pitchFamily="2" charset="2"/>
+              <a:buChar char="Ø"/>
+            </a:pPr>
+            <a:endParaRPr lang="en-US" altLang="zh-CN" sz="2000" dirty="0" smtClean="0"/>
+          </a:p>
+          <a:p>
+            <a:pPr>
+              <a:buFont typeface="Wingdings" panose="05000000000000000000" pitchFamily="2" charset="2"/>
+              <a:buChar char="Ø"/>
+            </a:pPr>
+            <a:endParaRPr lang="en-US" altLang="zh-CN" sz="2000" dirty="0"/>
+          </a:p>
+          <a:p>
+            <a:pPr>
+              <a:buFont typeface="Wingdings" panose="05000000000000000000" pitchFamily="2" charset="2"/>
+              <a:buChar char="Ø"/>
+            </a:pPr>
+            <a:endParaRPr lang="en-US" altLang="zh-CN" sz="2000" dirty="0" smtClean="0"/>
+          </a:p>
+          <a:p>
+            <a:pPr>
+              <a:buFont typeface="Wingdings" panose="05000000000000000000" pitchFamily="2" charset="2"/>
+              <a:buChar char="Ø"/>
+            </a:pPr>
+            <a:endParaRPr lang="en-US" altLang="zh-CN" sz="2000" dirty="0"/>
+          </a:p>
+          <a:p>
+            <a:pPr>
+              <a:buFont typeface="Wingdings" panose="05000000000000000000" pitchFamily="2" charset="2"/>
+              <a:buChar char="Ø"/>
+            </a:pPr>
+            <a:endParaRPr lang="en-US" altLang="zh-CN" sz="2000" dirty="0" smtClean="0"/>
+          </a:p>
+          <a:p>
+            <a:pPr>
+              <a:buFont typeface="Wingdings" panose="05000000000000000000" pitchFamily="2" charset="2"/>
+              <a:buChar char="Ø"/>
+            </a:pPr>
+            <a:endParaRPr lang="en-US" altLang="zh-CN" sz="2000" dirty="0"/>
+          </a:p>
+          <a:p>
+            <a:pPr marL="0" indent="0" algn="ctr">
+              <a:buNone/>
+            </a:pPr>
+            <a:r>
+              <a:rPr lang="zh-CN" altLang="en-US" sz="1600" dirty="0" smtClean="0"/>
+              <a:t>陈</a:t>
+            </a:r>
+            <a:r>
+              <a:rPr lang="zh-CN" altLang="en-US" sz="1600" dirty="0"/>
+              <a:t>文灯考研数学复习指南</a:t>
+            </a:r>
+            <a:r>
+              <a:rPr lang="en-US" altLang="zh-CN" sz="1600" dirty="0"/>
+              <a:t>(</a:t>
+            </a:r>
+            <a:r>
+              <a:rPr lang="zh-CN" altLang="en-US" sz="1600" dirty="0"/>
+              <a:t>理工类</a:t>
+            </a:r>
+            <a:r>
+              <a:rPr lang="en-US" altLang="zh-CN" sz="1600" dirty="0" smtClean="0"/>
+              <a:t>) p625</a:t>
+            </a:r>
+          </a:p>
+          <a:p>
+            <a:pPr>
+              <a:buFont typeface="Wingdings" panose="05000000000000000000" pitchFamily="2" charset="2"/>
+              <a:buChar char="Ø"/>
+            </a:pPr>
+            <a:endParaRPr lang="en-US" altLang="zh-CN" sz="2000" dirty="0" smtClean="0"/>
+          </a:p>
+        </p:txBody>
+      </p:sp>
+      <p:pic>
+        <p:nvPicPr>
+          <p:cNvPr id="5" name="图片 4"/>
+          <p:cNvPicPr>
+            <a:picLocks noChangeAspect="1"/>
+          </p:cNvPicPr>
+          <p:nvPr/>
+        </p:nvPicPr>
+        <p:blipFill>
+          <a:blip r:embed="rId2">
+            <a:extLst>
+              <a:ext uri="{28A0092B-C50C-407E-A947-70E740481C1C}">
+                <a14:useLocalDpi xmlns:a14="http://schemas.microsoft.com/office/drawing/2010/main" val="0"/>
+              </a:ext>
+            </a:extLst>
+          </a:blip>
+          <a:stretch>
+            <a:fillRect/>
+          </a:stretch>
+        </p:blipFill>
+        <p:spPr>
+          <a:xfrm>
+            <a:off x="838200" y="2557587"/>
+            <a:ext cx="10058400" cy="3344354"/>
+          </a:xfrm>
+          <a:prstGeom prst="rect">
+            <a:avLst/>
+          </a:prstGeom>
+          <a:ln>
+            <a:solidFill>
+              <a:schemeClr val="tx1"/>
+            </a:solidFill>
+          </a:ln>
+        </p:spPr>
+      </p:pic>
+    </p:spTree>
+    <p:extLst>
+      <p:ext uri="{BB962C8B-B14F-4D97-AF65-F5344CB8AC3E}">
+        <p14:creationId xmlns:p14="http://schemas.microsoft.com/office/powerpoint/2010/main" val="2734770741"/>
+      </p:ext>
+    </p:extLst>
+  </p:cSld>
+  <p:clrMapOvr>
+    <a:masterClrMapping/>
+  </p:clrMapOvr>
+  <p:timing>
+    <p:tnLst>
+      <p:par>
+        <p:cTn id="1" dur="indefinite" restart="never" nodeType="tmRoot"/>
+      </p:par>
+    </p:tnLst>
+  </p:timing>
+</p:sld>
+</file>
+
+<file path=ppt/slides/slide23.xml><?xml version="1.0" encoding="utf-8"?>
+<p:sld xmlns:a="http://schemas.openxmlformats.org/drawingml/2006/main" xmlns:r="http://schemas.openxmlformats.org/officeDocument/2006/relationships" xmlns:p="http://schemas.openxmlformats.org/presentationml/2006/main">
+  <p:cSld>
+    <p:spTree>
+      <p:nvGrpSpPr>
+        <p:cNvPr id="1" name=""/>
+        <p:cNvGrpSpPr/>
+        <p:nvPr/>
+      </p:nvGrpSpPr>
+      <p:grpSpPr>
+        <a:xfrm>
+          <a:off x="0" y="0"/>
+          <a:ext cx="0" cy="0"/>
+          <a:chOff x="0" y="0"/>
+          <a:chExt cx="0" cy="0"/>
+        </a:xfrm>
+      </p:grpSpPr>
+      <p:sp>
+        <p:nvSpPr>
+          <p:cNvPr id="2" name="标题 1"/>
+          <p:cNvSpPr>
+            <a:spLocks noGrp="1"/>
+          </p:cNvSpPr>
+          <p:nvPr>
+            <p:ph type="title"/>
+          </p:nvPr>
+        </p:nvSpPr>
+        <p:spPr>
+          <a:xfrm>
+            <a:off x="838200" y="365125"/>
+            <a:ext cx="10515600" cy="1325563"/>
+          </a:xfrm>
+        </p:spPr>
+        <p:txBody>
+          <a:bodyPr>
+            <a:normAutofit/>
+          </a:bodyPr>
+          <a:lstStyle/>
+          <a:p>
+            <a:pPr algn="ctr"/>
+            <a:r>
+              <a:rPr lang="en-US" altLang="zh-CN" sz="2400" dirty="0"/>
+              <a:t>Logistic Regression</a:t>
+            </a:r>
+            <a:endParaRPr lang="zh-CN" altLang="en-US" sz="2400" dirty="0">
+              <a:latin typeface="+mn-lt"/>
+              <a:ea typeface="+mn-ea"/>
+              <a:cs typeface="+mn-cs"/>
+            </a:endParaRPr>
+          </a:p>
+        </p:txBody>
+      </p:sp>
+      <mc:AlternateContent xmlns:mc="http://schemas.openxmlformats.org/markup-compatibility/2006" xmlns:a14="http://schemas.microsoft.com/office/drawing/2010/main">
+        <mc:Choice Requires="a14">
           <p:sp>
             <p:nvSpPr>
               <p:cNvPr id="3" name="内容占位符 2"/>
@@ -16270,6 +17401,1454 @@
                   <a:rPr lang="en-US" altLang="zh-CN" sz="2000" dirty="0" smtClean="0"/>
                   <a:t>    Similar to our derivation in the case of linear regression, we can use GD.</a:t>
                 </a:r>
+              </a:p>
+            </p:txBody>
+          </p:sp>
+        </mc:Choice>
+        <mc:Fallback xmlns="">
+          <p:sp>
+            <p:nvSpPr>
+              <p:cNvPr id="3" name="内容占位符 2"/>
+              <p:cNvSpPr>
+                <a:spLocks noGrp="1" noRot="1" noChangeAspect="1" noMove="1" noResize="1" noEditPoints="1" noAdjustHandles="1" noChangeArrowheads="1" noChangeShapeType="1" noTextEdit="1"/>
+              </p:cNvSpPr>
+              <p:nvPr>
+                <p:ph idx="1"/>
+              </p:nvPr>
+            </p:nvSpPr>
+            <p:spPr>
+              <a:blipFill>
+                <a:blip r:embed="rId2"/>
+                <a:stretch>
+                  <a:fillRect l="-522" t="-1401" b="-6303"/>
+                </a:stretch>
+              </a:blipFill>
+            </p:spPr>
+            <p:txBody>
+              <a:bodyPr/>
+              <a:lstStyle/>
+              <a:p>
+                <a:r>
+                  <a:rPr lang="zh-CN" altLang="en-US">
+                    <a:noFill/>
+                  </a:rPr>
+                  <a:t> </a:t>
+                </a:r>
+              </a:p>
+            </p:txBody>
+          </p:sp>
+        </mc:Fallback>
+      </mc:AlternateContent>
+    </p:spTree>
+    <p:extLst>
+      <p:ext uri="{BB962C8B-B14F-4D97-AF65-F5344CB8AC3E}">
+        <p14:creationId xmlns:p14="http://schemas.microsoft.com/office/powerpoint/2010/main" val="3945086990"/>
+      </p:ext>
+    </p:extLst>
+  </p:cSld>
+  <p:clrMapOvr>
+    <a:masterClrMapping/>
+  </p:clrMapOvr>
+  <p:timing>
+    <p:tnLst>
+      <p:par>
+        <p:cTn id="1" dur="indefinite" restart="never" nodeType="tmRoot"/>
+      </p:par>
+    </p:tnLst>
+  </p:timing>
+</p:sld>
+</file>
+
+<file path=ppt/slides/slide24.xml><?xml version="1.0" encoding="utf-8"?>
+<p:sld xmlns:a="http://schemas.openxmlformats.org/drawingml/2006/main" xmlns:r="http://schemas.openxmlformats.org/officeDocument/2006/relationships" xmlns:p="http://schemas.openxmlformats.org/presentationml/2006/main">
+  <p:cSld>
+    <p:spTree>
+      <p:nvGrpSpPr>
+        <p:cNvPr id="1" name=""/>
+        <p:cNvGrpSpPr/>
+        <p:nvPr/>
+      </p:nvGrpSpPr>
+      <p:grpSpPr>
+        <a:xfrm>
+          <a:off x="0" y="0"/>
+          <a:ext cx="0" cy="0"/>
+          <a:chOff x="0" y="0"/>
+          <a:chExt cx="0" cy="0"/>
+        </a:xfrm>
+      </p:grpSpPr>
+      <p:sp>
+        <p:nvSpPr>
+          <p:cNvPr id="2" name="标题 1"/>
+          <p:cNvSpPr>
+            <a:spLocks noGrp="1"/>
+          </p:cNvSpPr>
+          <p:nvPr>
+            <p:ph type="title"/>
+          </p:nvPr>
+        </p:nvSpPr>
+        <p:spPr>
+          <a:xfrm>
+            <a:off x="838200" y="365125"/>
+            <a:ext cx="10515600" cy="1325563"/>
+          </a:xfrm>
+        </p:spPr>
+        <p:txBody>
+          <a:bodyPr>
+            <a:normAutofit/>
+          </a:bodyPr>
+          <a:lstStyle/>
+          <a:p>
+            <a:pPr algn="ctr"/>
+            <a:r>
+              <a:rPr lang="en-US" altLang="zh-CN" sz="2400" dirty="0"/>
+              <a:t>Logistic Regression</a:t>
+            </a:r>
+            <a:endParaRPr lang="zh-CN" altLang="en-US" sz="2400" dirty="0">
+              <a:latin typeface="+mn-lt"/>
+              <a:ea typeface="+mn-ea"/>
+              <a:cs typeface="+mn-cs"/>
+            </a:endParaRPr>
+          </a:p>
+        </p:txBody>
+      </p:sp>
+      <mc:AlternateContent xmlns:mc="http://schemas.openxmlformats.org/markup-compatibility/2006">
+        <mc:Choice xmlns:a14="http://schemas.microsoft.com/office/drawing/2010/main" Requires="a14">
+          <p:sp>
+            <p:nvSpPr>
+              <p:cNvPr id="3" name="内容占位符 2"/>
+              <p:cNvSpPr>
+                <a:spLocks noGrp="1"/>
+              </p:cNvSpPr>
+              <p:nvPr>
+                <p:ph idx="1"/>
+              </p:nvPr>
+            </p:nvSpPr>
+            <p:spPr/>
+            <p:txBody>
+              <a:bodyPr/>
+              <a:lstStyle/>
+              <a:p>
+                <a:pPr>
+                  <a:buFont typeface="Wingdings" panose="05000000000000000000" pitchFamily="2" charset="2"/>
+                  <a:buChar char="Ø"/>
+                </a:pPr>
+                <a:r>
+                  <a:rPr lang="en-US" altLang="zh-CN" sz="2000" dirty="0" smtClean="0"/>
+                  <a:t> Let us assume that</a:t>
+                </a:r>
+              </a:p>
+              <a:p>
+                <a:pPr marL="0" indent="0" algn="ctr">
+                  <a:buNone/>
+                </a:pPr>
+                <a:r>
+                  <a:rPr lang="en-US" altLang="zh-CN" sz="2000" dirty="0"/>
+                  <a:t> </a:t>
+                </a:r>
+                <a:r>
+                  <a:rPr lang="en-US" altLang="zh-CN" sz="2000" dirty="0" smtClean="0"/>
+                  <a:t>    </a:t>
+                </a:r>
+                <a14:m>
+                  <m:oMath xmlns:m="http://schemas.openxmlformats.org/officeDocument/2006/math">
+                    <m:r>
+                      <a:rPr lang="en-US" altLang="zh-CN" sz="2000" b="0" i="1" smtClean="0">
+                        <a:latin typeface="Cambria Math" panose="02040503050406030204" pitchFamily="18" charset="0"/>
+                      </a:rPr>
+                      <m:t>𝑃</m:t>
+                    </m:r>
+                    <m:d>
+                      <m:dPr>
+                        <m:ctrlPr>
+                          <a:rPr lang="en-US" altLang="zh-CN" sz="2000" b="0" i="1" smtClean="0">
+                            <a:latin typeface="Cambria Math" panose="02040503050406030204" pitchFamily="18" charset="0"/>
+                          </a:rPr>
+                        </m:ctrlPr>
+                      </m:dPr>
+                      <m:e>
+                        <m:r>
+                          <a:rPr lang="en-US" altLang="zh-CN" sz="2000" b="0" i="1" smtClean="0">
+                            <a:latin typeface="Cambria Math" panose="02040503050406030204" pitchFamily="18" charset="0"/>
+                          </a:rPr>
+                          <m:t>𝑦</m:t>
+                        </m:r>
+                        <m:r>
+                          <a:rPr lang="en-US" altLang="zh-CN" sz="2000" b="0" i="1" smtClean="0">
+                            <a:latin typeface="Cambria Math" panose="02040503050406030204" pitchFamily="18" charset="0"/>
+                          </a:rPr>
+                          <m:t>=1|</m:t>
+                        </m:r>
+                        <m:r>
+                          <a:rPr lang="en-US" altLang="zh-CN" sz="2000" b="0" i="1" smtClean="0">
+                            <a:latin typeface="Cambria Math" panose="02040503050406030204" pitchFamily="18" charset="0"/>
+                          </a:rPr>
+                          <m:t>𝑥</m:t>
+                        </m:r>
+                        <m:r>
+                          <a:rPr lang="en-US" altLang="zh-CN" sz="2000" b="0" i="1" smtClean="0">
+                            <a:latin typeface="Cambria Math" panose="02040503050406030204" pitchFamily="18" charset="0"/>
+                          </a:rPr>
+                          <m:t>; </m:t>
+                        </m:r>
+                        <m:r>
+                          <a:rPr lang="zh-CN" altLang="en-US" sz="2000" b="0" i="1" smtClean="0">
+                            <a:latin typeface="Cambria Math" panose="02040503050406030204" pitchFamily="18" charset="0"/>
+                          </a:rPr>
+                          <m:t>𝜃</m:t>
+                        </m:r>
+                      </m:e>
+                    </m:d>
+                    <m:r>
+                      <a:rPr lang="en-US" altLang="zh-CN" sz="2000" b="0" i="1" smtClean="0">
+                        <a:latin typeface="Cambria Math" panose="02040503050406030204" pitchFamily="18" charset="0"/>
+                      </a:rPr>
+                      <m:t>= </m:t>
+                    </m:r>
+                    <m:sSub>
+                      <m:sSubPr>
+                        <m:ctrlPr>
+                          <a:rPr lang="en-US" altLang="zh-CN" sz="2000" b="0" i="1" smtClean="0">
+                            <a:latin typeface="Cambria Math" panose="02040503050406030204" pitchFamily="18" charset="0"/>
+                          </a:rPr>
+                        </m:ctrlPr>
+                      </m:sSubPr>
+                      <m:e>
+                        <m:r>
+                          <a:rPr lang="en-US" altLang="zh-CN" sz="2000" b="0" i="1" smtClean="0">
+                            <a:latin typeface="Cambria Math" panose="02040503050406030204" pitchFamily="18" charset="0"/>
+                          </a:rPr>
+                          <m:t>h</m:t>
+                        </m:r>
+                      </m:e>
+                      <m:sub>
+                        <m:r>
+                          <a:rPr lang="zh-CN" altLang="en-US" sz="2000" b="0" i="1" smtClean="0">
+                            <a:latin typeface="Cambria Math" panose="02040503050406030204" pitchFamily="18" charset="0"/>
+                          </a:rPr>
+                          <m:t>𝜃</m:t>
+                        </m:r>
+                      </m:sub>
+                    </m:sSub>
+                    <m:d>
+                      <m:dPr>
+                        <m:ctrlPr>
+                          <a:rPr lang="en-US" altLang="zh-CN" sz="2000" b="0" i="1" smtClean="0">
+                            <a:latin typeface="Cambria Math" panose="02040503050406030204" pitchFamily="18" charset="0"/>
+                          </a:rPr>
+                        </m:ctrlPr>
+                      </m:dPr>
+                      <m:e>
+                        <m:r>
+                          <a:rPr lang="en-US" altLang="zh-CN" sz="2000" b="0" i="1" smtClean="0">
+                            <a:latin typeface="Cambria Math" panose="02040503050406030204" pitchFamily="18" charset="0"/>
+                          </a:rPr>
+                          <m:t>𝑥</m:t>
+                        </m:r>
+                      </m:e>
+                    </m:d>
+                  </m:oMath>
+                </a14:m>
+                <a:r>
+                  <a:rPr lang="en-US" altLang="zh-CN" sz="2000" dirty="0" smtClean="0"/>
+                  <a:t> ;  </a:t>
+                </a:r>
+                <a14:m>
+                  <m:oMath xmlns:m="http://schemas.openxmlformats.org/officeDocument/2006/math">
+                    <m:r>
+                      <a:rPr lang="en-US" altLang="zh-CN" sz="2000" i="1">
+                        <a:latin typeface="Cambria Math" panose="02040503050406030204" pitchFamily="18" charset="0"/>
+                      </a:rPr>
+                      <m:t>𝑃</m:t>
+                    </m:r>
+                    <m:d>
+                      <m:dPr>
+                        <m:ctrlPr>
+                          <a:rPr lang="en-US" altLang="zh-CN" sz="2000" i="1">
+                            <a:latin typeface="Cambria Math" panose="02040503050406030204" pitchFamily="18" charset="0"/>
+                          </a:rPr>
+                        </m:ctrlPr>
+                      </m:dPr>
+                      <m:e>
+                        <m:r>
+                          <a:rPr lang="en-US" altLang="zh-CN" sz="2000" i="1">
+                            <a:latin typeface="Cambria Math" panose="02040503050406030204" pitchFamily="18" charset="0"/>
+                          </a:rPr>
+                          <m:t>𝑦</m:t>
+                        </m:r>
+                        <m:r>
+                          <a:rPr lang="en-US" altLang="zh-CN" sz="2000" i="1">
+                            <a:latin typeface="Cambria Math" panose="02040503050406030204" pitchFamily="18" charset="0"/>
+                          </a:rPr>
+                          <m:t>=0|</m:t>
+                        </m:r>
+                        <m:r>
+                          <a:rPr lang="en-US" altLang="zh-CN" sz="2000" i="1">
+                            <a:latin typeface="Cambria Math" panose="02040503050406030204" pitchFamily="18" charset="0"/>
+                          </a:rPr>
+                          <m:t>𝑥</m:t>
+                        </m:r>
+                        <m:r>
+                          <a:rPr lang="en-US" altLang="zh-CN" sz="2000" i="1">
+                            <a:latin typeface="Cambria Math" panose="02040503050406030204" pitchFamily="18" charset="0"/>
+                          </a:rPr>
+                          <m:t>; </m:t>
+                        </m:r>
+                        <m:r>
+                          <a:rPr lang="zh-CN" altLang="en-US" sz="2000" i="1">
+                            <a:latin typeface="Cambria Math" panose="02040503050406030204" pitchFamily="18" charset="0"/>
+                          </a:rPr>
+                          <m:t>𝜃</m:t>
+                        </m:r>
+                      </m:e>
+                    </m:d>
+                    <m:r>
+                      <a:rPr lang="en-US" altLang="zh-CN" sz="2000" i="1">
+                        <a:latin typeface="Cambria Math" panose="02040503050406030204" pitchFamily="18" charset="0"/>
+                      </a:rPr>
+                      <m:t>= </m:t>
+                    </m:r>
+                    <m:sSub>
+                      <m:sSubPr>
+                        <m:ctrlPr>
+                          <a:rPr lang="en-US" altLang="zh-CN" sz="2000" i="1">
+                            <a:latin typeface="Cambria Math" panose="02040503050406030204" pitchFamily="18" charset="0"/>
+                          </a:rPr>
+                        </m:ctrlPr>
+                      </m:sSubPr>
+                      <m:e>
+                        <m:r>
+                          <a:rPr lang="en-US" altLang="zh-CN" sz="2000" b="0" i="1" smtClean="0">
+                            <a:latin typeface="Cambria Math" panose="02040503050406030204" pitchFamily="18" charset="0"/>
+                          </a:rPr>
+                          <m:t>1 − </m:t>
+                        </m:r>
+                        <m:r>
+                          <a:rPr lang="en-US" altLang="zh-CN" sz="2000" i="1">
+                            <a:latin typeface="Cambria Math" panose="02040503050406030204" pitchFamily="18" charset="0"/>
+                          </a:rPr>
+                          <m:t>h</m:t>
+                        </m:r>
+                      </m:e>
+                      <m:sub>
+                        <m:r>
+                          <a:rPr lang="zh-CN" altLang="en-US" sz="2000" i="1">
+                            <a:latin typeface="Cambria Math" panose="02040503050406030204" pitchFamily="18" charset="0"/>
+                          </a:rPr>
+                          <m:t>𝜃</m:t>
+                        </m:r>
+                      </m:sub>
+                    </m:sSub>
+                    <m:d>
+                      <m:dPr>
+                        <m:ctrlPr>
+                          <a:rPr lang="en-US" altLang="zh-CN" sz="2000" i="1">
+                            <a:latin typeface="Cambria Math" panose="02040503050406030204" pitchFamily="18" charset="0"/>
+                          </a:rPr>
+                        </m:ctrlPr>
+                      </m:dPr>
+                      <m:e>
+                        <m:r>
+                          <a:rPr lang="en-US" altLang="zh-CN" sz="2000" i="1">
+                            <a:latin typeface="Cambria Math" panose="02040503050406030204" pitchFamily="18" charset="0"/>
+                          </a:rPr>
+                          <m:t>𝑥</m:t>
+                        </m:r>
+                      </m:e>
+                    </m:d>
+                  </m:oMath>
+                </a14:m>
+                <a:r>
+                  <a:rPr lang="en-US" altLang="zh-CN" sz="2000" dirty="0"/>
+                  <a:t> </a:t>
+                </a:r>
+                <a:endParaRPr lang="en-US" altLang="zh-CN" sz="2000" dirty="0" smtClean="0"/>
+              </a:p>
+              <a:p>
+                <a:pPr marL="0" indent="0">
+                  <a:buNone/>
+                </a:pPr>
+                <a:r>
+                  <a:rPr lang="en-US" altLang="zh-CN" sz="2000" dirty="0"/>
+                  <a:t> </a:t>
+                </a:r>
+                <a:r>
+                  <a:rPr lang="en-US" altLang="zh-CN" sz="2000" dirty="0" smtClean="0"/>
+                  <a:t>    Note that this can be written more compactly as</a:t>
+                </a:r>
+              </a:p>
+              <a:p>
+                <a:pPr marL="0" indent="0">
+                  <a:buNone/>
+                </a:pPr>
+                <a14:m>
+                  <m:oMathPara xmlns:m="http://schemas.openxmlformats.org/officeDocument/2006/math">
+                    <m:oMathParaPr>
+                      <m:jc m:val="center"/>
+                    </m:oMathParaPr>
+                    <m:oMath xmlns:m="http://schemas.openxmlformats.org/officeDocument/2006/math">
+                      <m:r>
+                        <a:rPr lang="en-US" altLang="zh-CN" sz="2000" b="0" i="1" smtClean="0">
+                          <a:latin typeface="Cambria Math" panose="02040503050406030204" pitchFamily="18" charset="0"/>
+                        </a:rPr>
+                        <m:t>𝑝</m:t>
+                      </m:r>
+                      <m:d>
+                        <m:dPr>
+                          <m:ctrlPr>
+                            <a:rPr lang="en-US" altLang="zh-CN" sz="2000" i="1">
+                              <a:latin typeface="Cambria Math" panose="02040503050406030204" pitchFamily="18" charset="0"/>
+                            </a:rPr>
+                          </m:ctrlPr>
+                        </m:dPr>
+                        <m:e>
+                          <m:r>
+                            <a:rPr lang="en-US" altLang="zh-CN" sz="2000" i="1">
+                              <a:latin typeface="Cambria Math" panose="02040503050406030204" pitchFamily="18" charset="0"/>
+                            </a:rPr>
+                            <m:t>𝑦</m:t>
+                          </m:r>
+                          <m:r>
+                            <a:rPr lang="en-US" altLang="zh-CN" sz="2000" b="0" i="1" smtClean="0">
+                              <a:latin typeface="Cambria Math" panose="02040503050406030204" pitchFamily="18" charset="0"/>
+                            </a:rPr>
+                            <m:t> </m:t>
+                          </m:r>
+                          <m:r>
+                            <a:rPr lang="en-US" altLang="zh-CN" sz="2000" i="1">
+                              <a:latin typeface="Cambria Math" panose="02040503050406030204" pitchFamily="18" charset="0"/>
+                            </a:rPr>
+                            <m:t>|</m:t>
+                          </m:r>
+                          <m:r>
+                            <a:rPr lang="en-US" altLang="zh-CN" sz="2000" i="1">
+                              <a:latin typeface="Cambria Math" panose="02040503050406030204" pitchFamily="18" charset="0"/>
+                            </a:rPr>
+                            <m:t>𝑥</m:t>
+                          </m:r>
+                          <m:r>
+                            <a:rPr lang="en-US" altLang="zh-CN" sz="2000" i="1">
+                              <a:latin typeface="Cambria Math" panose="02040503050406030204" pitchFamily="18" charset="0"/>
+                            </a:rPr>
+                            <m:t>; </m:t>
+                          </m:r>
+                          <m:r>
+                            <a:rPr lang="zh-CN" altLang="en-US" sz="2000" i="1">
+                              <a:latin typeface="Cambria Math" panose="02040503050406030204" pitchFamily="18" charset="0"/>
+                            </a:rPr>
+                            <m:t>𝜃</m:t>
+                          </m:r>
+                        </m:e>
+                      </m:d>
+                      <m:r>
+                        <a:rPr lang="en-US" altLang="zh-CN" sz="2000" b="0" i="1" smtClean="0">
+                          <a:latin typeface="Cambria Math" panose="02040503050406030204" pitchFamily="18" charset="0"/>
+                        </a:rPr>
+                        <m:t>= </m:t>
+                      </m:r>
+                      <m:sSup>
+                        <m:sSupPr>
+                          <m:ctrlPr>
+                            <a:rPr lang="en-US" altLang="zh-CN" sz="2000" b="0" i="1" smtClean="0">
+                              <a:latin typeface="Cambria Math" panose="02040503050406030204" pitchFamily="18" charset="0"/>
+                            </a:rPr>
+                          </m:ctrlPr>
+                        </m:sSupPr>
+                        <m:e>
+                          <m:d>
+                            <m:dPr>
+                              <m:ctrlPr>
+                                <a:rPr lang="en-US" altLang="zh-CN" sz="2000" b="0" i="1" smtClean="0">
+                                  <a:latin typeface="Cambria Math" panose="02040503050406030204" pitchFamily="18" charset="0"/>
+                                </a:rPr>
+                              </m:ctrlPr>
+                            </m:dPr>
+                            <m:e>
+                              <m:sSub>
+                                <m:sSubPr>
+                                  <m:ctrlPr>
+                                    <a:rPr lang="en-US" altLang="zh-CN" sz="2000" i="1">
+                                      <a:latin typeface="Cambria Math" panose="02040503050406030204" pitchFamily="18" charset="0"/>
+                                    </a:rPr>
+                                  </m:ctrlPr>
+                                </m:sSubPr>
+                                <m:e>
+                                  <m:r>
+                                    <a:rPr lang="en-US" altLang="zh-CN" sz="2000" i="1">
+                                      <a:latin typeface="Cambria Math" panose="02040503050406030204" pitchFamily="18" charset="0"/>
+                                    </a:rPr>
+                                    <m:t>h</m:t>
+                                  </m:r>
+                                </m:e>
+                                <m:sub>
+                                  <m:r>
+                                    <a:rPr lang="zh-CN" altLang="en-US" sz="2000" i="1">
+                                      <a:latin typeface="Cambria Math" panose="02040503050406030204" pitchFamily="18" charset="0"/>
+                                    </a:rPr>
+                                    <m:t>𝜃</m:t>
+                                  </m:r>
+                                </m:sub>
+                              </m:sSub>
+                              <m:d>
+                                <m:dPr>
+                                  <m:ctrlPr>
+                                    <a:rPr lang="en-US" altLang="zh-CN" sz="2000" i="1">
+                                      <a:latin typeface="Cambria Math" panose="02040503050406030204" pitchFamily="18" charset="0"/>
+                                    </a:rPr>
+                                  </m:ctrlPr>
+                                </m:dPr>
+                                <m:e>
+                                  <m:r>
+                                    <a:rPr lang="en-US" altLang="zh-CN" sz="2000" i="1">
+                                      <a:latin typeface="Cambria Math" panose="02040503050406030204" pitchFamily="18" charset="0"/>
+                                    </a:rPr>
+                                    <m:t>𝑥</m:t>
+                                  </m:r>
+                                </m:e>
+                              </m:d>
+                            </m:e>
+                          </m:d>
+                        </m:e>
+                        <m:sup>
+                          <m:r>
+                            <a:rPr lang="en-US" altLang="zh-CN" sz="2000" b="0" i="1" smtClean="0">
+                              <a:solidFill>
+                                <a:srgbClr val="FF0000"/>
+                              </a:solidFill>
+                              <a:latin typeface="Cambria Math" panose="02040503050406030204" pitchFamily="18" charset="0"/>
+                            </a:rPr>
+                            <m:t>𝑦</m:t>
+                          </m:r>
+                        </m:sup>
+                      </m:sSup>
+                      <m:sSup>
+                        <m:sSupPr>
+                          <m:ctrlPr>
+                            <a:rPr lang="en-US" altLang="zh-CN" sz="2000" b="0" i="1" smtClean="0">
+                              <a:latin typeface="Cambria Math" panose="02040503050406030204" pitchFamily="18" charset="0"/>
+                            </a:rPr>
+                          </m:ctrlPr>
+                        </m:sSupPr>
+                        <m:e>
+                          <m:d>
+                            <m:dPr>
+                              <m:ctrlPr>
+                                <a:rPr lang="en-US" altLang="zh-CN" sz="2000" b="0" i="1" smtClean="0">
+                                  <a:latin typeface="Cambria Math" panose="02040503050406030204" pitchFamily="18" charset="0"/>
+                                </a:rPr>
+                              </m:ctrlPr>
+                            </m:dPr>
+                            <m:e>
+                              <m:sSub>
+                                <m:sSubPr>
+                                  <m:ctrlPr>
+                                    <a:rPr lang="en-US" altLang="zh-CN" sz="2000" i="1">
+                                      <a:latin typeface="Cambria Math" panose="02040503050406030204" pitchFamily="18" charset="0"/>
+                                    </a:rPr>
+                                  </m:ctrlPr>
+                                </m:sSubPr>
+                                <m:e>
+                                  <m:r>
+                                    <a:rPr lang="en-US" altLang="zh-CN" sz="2000" i="1">
+                                      <a:latin typeface="Cambria Math" panose="02040503050406030204" pitchFamily="18" charset="0"/>
+                                    </a:rPr>
+                                    <m:t>1 − </m:t>
+                                  </m:r>
+                                  <m:r>
+                                    <a:rPr lang="en-US" altLang="zh-CN" sz="2000" i="1">
+                                      <a:latin typeface="Cambria Math" panose="02040503050406030204" pitchFamily="18" charset="0"/>
+                                    </a:rPr>
+                                    <m:t>h</m:t>
+                                  </m:r>
+                                </m:e>
+                                <m:sub>
+                                  <m:r>
+                                    <a:rPr lang="zh-CN" altLang="en-US" sz="2000" i="1">
+                                      <a:latin typeface="Cambria Math" panose="02040503050406030204" pitchFamily="18" charset="0"/>
+                                    </a:rPr>
+                                    <m:t>𝜃</m:t>
+                                  </m:r>
+                                </m:sub>
+                              </m:sSub>
+                              <m:d>
+                                <m:dPr>
+                                  <m:ctrlPr>
+                                    <a:rPr lang="en-US" altLang="zh-CN" sz="2000" i="1">
+                                      <a:latin typeface="Cambria Math" panose="02040503050406030204" pitchFamily="18" charset="0"/>
+                                    </a:rPr>
+                                  </m:ctrlPr>
+                                </m:dPr>
+                                <m:e>
+                                  <m:r>
+                                    <a:rPr lang="en-US" altLang="zh-CN" sz="2000" i="1">
+                                      <a:latin typeface="Cambria Math" panose="02040503050406030204" pitchFamily="18" charset="0"/>
+                                    </a:rPr>
+                                    <m:t>𝑥</m:t>
+                                  </m:r>
+                                </m:e>
+                              </m:d>
+                            </m:e>
+                          </m:d>
+                        </m:e>
+                        <m:sup>
+                          <m:r>
+                            <a:rPr lang="en-US" altLang="zh-CN" sz="2000" b="0" i="1" smtClean="0">
+                              <a:solidFill>
+                                <a:srgbClr val="FF0000"/>
+                              </a:solidFill>
+                              <a:latin typeface="Cambria Math" panose="02040503050406030204" pitchFamily="18" charset="0"/>
+                            </a:rPr>
+                            <m:t>1−</m:t>
+                          </m:r>
+                          <m:r>
+                            <a:rPr lang="en-US" altLang="zh-CN" sz="2000" b="0" i="1" smtClean="0">
+                              <a:solidFill>
+                                <a:srgbClr val="FF0000"/>
+                              </a:solidFill>
+                              <a:latin typeface="Cambria Math" panose="02040503050406030204" pitchFamily="18" charset="0"/>
+                            </a:rPr>
+                            <m:t>𝑦</m:t>
+                          </m:r>
+                        </m:sup>
+                      </m:sSup>
+                    </m:oMath>
+                  </m:oMathPara>
+                </a14:m>
+                <a:endParaRPr lang="en-US" altLang="zh-CN" sz="2000" dirty="0" smtClean="0"/>
+              </a:p>
+              <a:p>
+                <a:pPr>
+                  <a:buFont typeface="Wingdings" panose="05000000000000000000" pitchFamily="2" charset="2"/>
+                  <a:buChar char="Ø"/>
+                </a:pPr>
+                <a:r>
+                  <a:rPr lang="en-US" altLang="zh-CN" sz="2000" dirty="0" smtClean="0"/>
+                  <a:t> Assuming </a:t>
+                </a:r>
+                <a:r>
+                  <a:rPr lang="en-US" altLang="zh-CN" sz="2000" dirty="0"/>
+                  <a:t>that </a:t>
+                </a:r>
+                <a:r>
+                  <a:rPr lang="en-US" altLang="zh-CN" sz="2000" dirty="0" smtClean="0"/>
+                  <a:t>the </a:t>
+                </a:r>
+                <a14:m>
+                  <m:oMath xmlns:m="http://schemas.openxmlformats.org/officeDocument/2006/math">
+                    <m:r>
+                      <a:rPr lang="en-US" altLang="zh-CN" sz="2000" b="0" i="1" smtClean="0">
+                        <a:latin typeface="Cambria Math" panose="02040503050406030204" pitchFamily="18" charset="0"/>
+                      </a:rPr>
+                      <m:t>𝑚</m:t>
+                    </m:r>
+                  </m:oMath>
+                </a14:m>
+                <a:r>
+                  <a:rPr lang="en-US" altLang="zh-CN" sz="2000" dirty="0"/>
+                  <a:t> training examples were generated independently, </a:t>
+                </a:r>
+                <a:endParaRPr lang="en-US" altLang="zh-CN" sz="2000" dirty="0" smtClean="0"/>
+              </a:p>
+              <a:p>
+                <a:pPr marL="0" indent="0">
+                  <a:buNone/>
+                </a:pPr>
+                <a:r>
+                  <a:rPr lang="en-US" altLang="zh-CN" sz="2000" dirty="0"/>
+                  <a:t> </a:t>
+                </a:r>
+                <a:r>
+                  <a:rPr lang="en-US" altLang="zh-CN" sz="2000" dirty="0" smtClean="0"/>
+                  <a:t>   we can </a:t>
+                </a:r>
+                <a:r>
+                  <a:rPr lang="en-US" altLang="zh-CN" sz="2000" dirty="0"/>
+                  <a:t>then write down the likelihood of the parameters </a:t>
+                </a:r>
+                <a:r>
+                  <a:rPr lang="en-US" altLang="zh-CN" sz="2000" dirty="0" smtClean="0"/>
+                  <a:t>as</a:t>
+                </a:r>
+              </a:p>
+              <a:p>
+                <a:pPr marL="0" indent="0" algn="ctr">
+                  <a:buNone/>
+                </a:pPr>
+                <a:r>
+                  <a:rPr lang="en-US" altLang="zh-CN" sz="2000" dirty="0"/>
+                  <a:t> </a:t>
+                </a:r>
+                <a14:m>
+                  <m:oMath xmlns:m="http://schemas.openxmlformats.org/officeDocument/2006/math">
+                    <m:r>
+                      <a:rPr lang="en-US" altLang="zh-CN" sz="2000" b="0" i="1" smtClean="0">
+                        <a:latin typeface="Cambria Math" panose="02040503050406030204" pitchFamily="18" charset="0"/>
+                      </a:rPr>
+                      <m:t>𝐿</m:t>
+                    </m:r>
+                    <m:d>
+                      <m:dPr>
+                        <m:ctrlPr>
+                          <a:rPr lang="en-US" altLang="zh-CN" sz="2000" b="0" i="1" smtClean="0">
+                            <a:latin typeface="Cambria Math" panose="02040503050406030204" pitchFamily="18" charset="0"/>
+                          </a:rPr>
+                        </m:ctrlPr>
+                      </m:dPr>
+                      <m:e>
+                        <m:r>
+                          <a:rPr lang="zh-CN" altLang="en-US" sz="2000" b="0" i="1" smtClean="0">
+                            <a:latin typeface="Cambria Math" panose="02040503050406030204" pitchFamily="18" charset="0"/>
+                          </a:rPr>
+                          <m:t>𝜃</m:t>
+                        </m:r>
+                      </m:e>
+                    </m:d>
+                    <m:r>
+                      <a:rPr lang="en-US" altLang="zh-CN" sz="2000" b="0" i="1" smtClean="0">
+                        <a:latin typeface="Cambria Math" panose="02040503050406030204" pitchFamily="18" charset="0"/>
+                      </a:rPr>
+                      <m:t>=</m:t>
+                    </m:r>
+                    <m:r>
+                      <a:rPr lang="en-US" altLang="zh-CN" sz="2000" b="0" i="1" smtClean="0">
+                        <a:latin typeface="Cambria Math" panose="02040503050406030204" pitchFamily="18" charset="0"/>
+                      </a:rPr>
+                      <m:t>𝑝</m:t>
+                    </m:r>
+                    <m:d>
+                      <m:dPr>
+                        <m:ctrlPr>
+                          <a:rPr lang="en-US" altLang="zh-CN" sz="2000" b="0" i="1" smtClean="0">
+                            <a:latin typeface="Cambria Math" panose="02040503050406030204" pitchFamily="18" charset="0"/>
+                          </a:rPr>
+                        </m:ctrlPr>
+                      </m:dPr>
+                      <m:e>
+                        <m:acc>
+                          <m:accPr>
+                            <m:chr m:val="⃗"/>
+                            <m:ctrlPr>
+                              <a:rPr lang="en-US" altLang="zh-CN" sz="2000" b="0" i="1" smtClean="0">
+                                <a:latin typeface="Cambria Math" panose="02040503050406030204" pitchFamily="18" charset="0"/>
+                              </a:rPr>
+                            </m:ctrlPr>
+                          </m:accPr>
+                          <m:e>
+                            <m:r>
+                              <a:rPr lang="en-US" altLang="zh-CN" sz="2000" b="0" i="1" smtClean="0">
+                                <a:latin typeface="Cambria Math" panose="02040503050406030204" pitchFamily="18" charset="0"/>
+                              </a:rPr>
+                              <m:t>𝑦</m:t>
+                            </m:r>
+                          </m:e>
+                        </m:acc>
+                        <m:r>
+                          <a:rPr lang="en-US" altLang="zh-CN" sz="2000" b="0" i="1" smtClean="0">
+                            <a:latin typeface="Cambria Math" panose="02040503050406030204" pitchFamily="18" charset="0"/>
+                          </a:rPr>
+                          <m:t>|</m:t>
+                        </m:r>
+                        <m:r>
+                          <a:rPr lang="en-US" altLang="zh-CN" sz="2000" b="0" i="1" smtClean="0">
+                            <a:latin typeface="Cambria Math" panose="02040503050406030204" pitchFamily="18" charset="0"/>
+                          </a:rPr>
+                          <m:t>𝑋</m:t>
+                        </m:r>
+                        <m:r>
+                          <a:rPr lang="en-US" altLang="zh-CN" sz="2000" b="0" i="1" smtClean="0">
+                            <a:latin typeface="Cambria Math" panose="02040503050406030204" pitchFamily="18" charset="0"/>
+                          </a:rPr>
+                          <m:t>; </m:t>
+                        </m:r>
+                        <m:r>
+                          <a:rPr lang="zh-CN" altLang="en-US" sz="2000" b="0" i="1" smtClean="0">
+                            <a:latin typeface="Cambria Math" panose="02040503050406030204" pitchFamily="18" charset="0"/>
+                          </a:rPr>
+                          <m:t>𝜃</m:t>
+                        </m:r>
+                      </m:e>
+                    </m:d>
+                    <m:r>
+                      <a:rPr lang="en-US" altLang="zh-CN" sz="2000" b="0" i="1" smtClean="0">
+                        <a:latin typeface="Cambria Math" panose="02040503050406030204" pitchFamily="18" charset="0"/>
+                      </a:rPr>
+                      <m:t>=</m:t>
+                    </m:r>
+                    <m:nary>
+                      <m:naryPr>
+                        <m:chr m:val="∏"/>
+                        <m:ctrlPr>
+                          <a:rPr lang="en-US" altLang="zh-CN" sz="2000" b="0" i="1" smtClean="0">
+                            <a:latin typeface="Cambria Math" panose="02040503050406030204" pitchFamily="18" charset="0"/>
+                          </a:rPr>
+                        </m:ctrlPr>
+                      </m:naryPr>
+                      <m:sub>
+                        <m:r>
+                          <m:rPr>
+                            <m:brk m:alnAt="23"/>
+                          </m:rPr>
+                          <a:rPr lang="en-US" altLang="zh-CN" sz="2000" b="0" i="1" smtClean="0">
+                            <a:latin typeface="Cambria Math" panose="02040503050406030204" pitchFamily="18" charset="0"/>
+                          </a:rPr>
+                          <m:t>𝑖</m:t>
+                        </m:r>
+                        <m:r>
+                          <a:rPr lang="en-US" altLang="zh-CN" sz="2000" b="0" i="1" smtClean="0">
+                            <a:latin typeface="Cambria Math" panose="02040503050406030204" pitchFamily="18" charset="0"/>
+                          </a:rPr>
+                          <m:t>=1</m:t>
+                        </m:r>
+                      </m:sub>
+                      <m:sup>
+                        <m:r>
+                          <a:rPr lang="en-US" altLang="zh-CN" sz="2000" b="0" i="1" smtClean="0">
+                            <a:latin typeface="Cambria Math" panose="02040503050406030204" pitchFamily="18" charset="0"/>
+                          </a:rPr>
+                          <m:t>𝑚</m:t>
+                        </m:r>
+                      </m:sup>
+                      <m:e>
+                        <m:r>
+                          <a:rPr lang="en-US" altLang="zh-CN" sz="2000" b="0" i="1" smtClean="0">
+                            <a:latin typeface="Cambria Math" panose="02040503050406030204" pitchFamily="18" charset="0"/>
+                          </a:rPr>
+                          <m:t>𝑝</m:t>
+                        </m:r>
+                        <m:d>
+                          <m:dPr>
+                            <m:ctrlPr>
+                              <a:rPr lang="en-US" altLang="zh-CN" sz="2000" b="0" i="1" smtClean="0">
+                                <a:latin typeface="Cambria Math" panose="02040503050406030204" pitchFamily="18" charset="0"/>
+                              </a:rPr>
+                            </m:ctrlPr>
+                          </m:dPr>
+                          <m:e>
+                            <m:sSup>
+                              <m:sSupPr>
+                                <m:ctrlPr>
+                                  <a:rPr lang="en-US" altLang="zh-CN" sz="2000" b="0" i="1" smtClean="0">
+                                    <a:latin typeface="Cambria Math" panose="02040503050406030204" pitchFamily="18" charset="0"/>
+                                  </a:rPr>
+                                </m:ctrlPr>
+                              </m:sSupPr>
+                              <m:e>
+                                <m:r>
+                                  <a:rPr lang="en-US" altLang="zh-CN" sz="2000" b="0" i="1" smtClean="0">
+                                    <a:latin typeface="Cambria Math" panose="02040503050406030204" pitchFamily="18" charset="0"/>
+                                  </a:rPr>
+                                  <m:t>𝑦</m:t>
+                                </m:r>
+                              </m:e>
+                              <m:sup>
+                                <m:d>
+                                  <m:dPr>
+                                    <m:ctrlPr>
+                                      <a:rPr lang="en-US" altLang="zh-CN" sz="2000" b="0" i="1" smtClean="0">
+                                        <a:latin typeface="Cambria Math" panose="02040503050406030204" pitchFamily="18" charset="0"/>
+                                      </a:rPr>
+                                    </m:ctrlPr>
+                                  </m:dPr>
+                                  <m:e>
+                                    <m:r>
+                                      <a:rPr lang="en-US" altLang="zh-CN" sz="2000" b="0" i="1" smtClean="0">
+                                        <a:latin typeface="Cambria Math" panose="02040503050406030204" pitchFamily="18" charset="0"/>
+                                      </a:rPr>
+                                      <m:t>𝑖</m:t>
+                                    </m:r>
+                                  </m:e>
+                                </m:d>
+                              </m:sup>
+                            </m:sSup>
+                            <m:r>
+                              <a:rPr lang="en-US" altLang="zh-CN" sz="2000" b="0" i="1" smtClean="0">
+                                <a:latin typeface="Cambria Math" panose="02040503050406030204" pitchFamily="18" charset="0"/>
+                              </a:rPr>
+                              <m:t>|</m:t>
+                            </m:r>
+                            <m:sSup>
+                              <m:sSupPr>
+                                <m:ctrlPr>
+                                  <a:rPr lang="en-US" altLang="zh-CN" sz="2000" b="0" i="1" smtClean="0">
+                                    <a:latin typeface="Cambria Math" panose="02040503050406030204" pitchFamily="18" charset="0"/>
+                                  </a:rPr>
+                                </m:ctrlPr>
+                              </m:sSupPr>
+                              <m:e>
+                                <m:r>
+                                  <a:rPr lang="en-US" altLang="zh-CN" sz="2000" b="0" i="1" smtClean="0">
+                                    <a:latin typeface="Cambria Math" panose="02040503050406030204" pitchFamily="18" charset="0"/>
+                                  </a:rPr>
+                                  <m:t>𝑥</m:t>
+                                </m:r>
+                              </m:e>
+                              <m:sup>
+                                <m:d>
+                                  <m:dPr>
+                                    <m:ctrlPr>
+                                      <a:rPr lang="en-US" altLang="zh-CN" sz="2000" b="0" i="1" smtClean="0">
+                                        <a:latin typeface="Cambria Math" panose="02040503050406030204" pitchFamily="18" charset="0"/>
+                                      </a:rPr>
+                                    </m:ctrlPr>
+                                  </m:dPr>
+                                  <m:e>
+                                    <m:r>
+                                      <a:rPr lang="en-US" altLang="zh-CN" sz="2000" b="0" i="1" smtClean="0">
+                                        <a:latin typeface="Cambria Math" panose="02040503050406030204" pitchFamily="18" charset="0"/>
+                                      </a:rPr>
+                                      <m:t>𝑖</m:t>
+                                    </m:r>
+                                  </m:e>
+                                </m:d>
+                              </m:sup>
+                            </m:sSup>
+                            <m:r>
+                              <a:rPr lang="en-US" altLang="zh-CN" sz="2000" b="0" i="1" smtClean="0">
+                                <a:latin typeface="Cambria Math" panose="02040503050406030204" pitchFamily="18" charset="0"/>
+                              </a:rPr>
+                              <m:t>; </m:t>
+                            </m:r>
+                            <m:r>
+                              <a:rPr lang="zh-CN" altLang="en-US" sz="2000" b="0" i="1" smtClean="0">
+                                <a:latin typeface="Cambria Math" panose="02040503050406030204" pitchFamily="18" charset="0"/>
+                              </a:rPr>
+                              <m:t>𝜃</m:t>
+                            </m:r>
+                          </m:e>
+                        </m:d>
+                      </m:e>
+                    </m:nary>
+                  </m:oMath>
+                </a14:m>
+                <a:endParaRPr lang="en-US" altLang="zh-CN" sz="2000" dirty="0" smtClean="0"/>
+              </a:p>
+              <a:p>
+                <a:pPr marL="0" indent="0">
+                  <a:buNone/>
+                </a:pPr>
+                <a:r>
+                  <a:rPr lang="en-US" altLang="zh-CN" sz="2000" dirty="0" smtClean="0"/>
+                  <a:t>    It </a:t>
+                </a:r>
+                <a:r>
+                  <a:rPr lang="en-US" altLang="zh-CN" sz="2000" dirty="0"/>
+                  <a:t>will be easier to maximize the log likelihood</a:t>
+                </a:r>
+                <a:r>
+                  <a:rPr lang="en-US" altLang="zh-CN" sz="2000" dirty="0" smtClean="0"/>
+                  <a:t>:</a:t>
+                </a:r>
+              </a:p>
+              <a:p>
+                <a:pPr marL="0" indent="0">
+                  <a:buNone/>
+                </a:pPr>
+                <a:r>
+                  <a:rPr lang="en-US" altLang="zh-CN" sz="2000" dirty="0"/>
+                  <a:t> </a:t>
+                </a:r>
+                <a:r>
+                  <a:rPr lang="en-US" altLang="zh-CN" sz="2000" dirty="0" smtClean="0"/>
+                  <a:t>                                     </a:t>
+                </a:r>
+                <a14:m>
+                  <m:oMath xmlns:m="http://schemas.openxmlformats.org/officeDocument/2006/math">
+                    <m:r>
+                      <a:rPr lang="en-US" altLang="zh-CN" sz="2000" i="1" smtClean="0">
+                        <a:latin typeface="Cambria Math" panose="02040503050406030204" pitchFamily="18" charset="0"/>
+                        <a:ea typeface="Cambria Math" panose="02040503050406030204" pitchFamily="18" charset="0"/>
+                      </a:rPr>
+                      <m:t>ℓ</m:t>
+                    </m:r>
+                    <m:d>
+                      <m:dPr>
+                        <m:ctrlPr>
+                          <a:rPr lang="en-US" altLang="zh-CN" sz="2000" i="1">
+                            <a:latin typeface="Cambria Math" panose="02040503050406030204" pitchFamily="18" charset="0"/>
+                          </a:rPr>
+                        </m:ctrlPr>
+                      </m:dPr>
+                      <m:e>
+                        <m:r>
+                          <a:rPr lang="zh-CN" altLang="en-US" sz="2000" i="1">
+                            <a:latin typeface="Cambria Math" panose="02040503050406030204" pitchFamily="18" charset="0"/>
+                          </a:rPr>
+                          <m:t>𝜃</m:t>
+                        </m:r>
+                      </m:e>
+                    </m:d>
+                    <m:r>
+                      <a:rPr lang="en-US" altLang="zh-CN" sz="2000" b="0" i="1" smtClean="0">
+                        <a:latin typeface="Cambria Math" panose="02040503050406030204" pitchFamily="18" charset="0"/>
+                        <a:ea typeface="Cambria Math" panose="02040503050406030204" pitchFamily="18" charset="0"/>
+                      </a:rPr>
+                      <m:t>= </m:t>
+                    </m:r>
+                    <m:func>
+                      <m:funcPr>
+                        <m:ctrlPr>
+                          <a:rPr lang="en-US" altLang="zh-CN" sz="2000" b="0" i="1" smtClean="0">
+                            <a:latin typeface="Cambria Math" panose="02040503050406030204" pitchFamily="18" charset="0"/>
+                            <a:ea typeface="Cambria Math" panose="02040503050406030204" pitchFamily="18" charset="0"/>
+                          </a:rPr>
+                        </m:ctrlPr>
+                      </m:funcPr>
+                      <m:fName>
+                        <m:r>
+                          <m:rPr>
+                            <m:sty m:val="p"/>
+                          </m:rPr>
+                          <a:rPr lang="en-US" altLang="zh-CN" sz="2000" b="0" i="0" smtClean="0">
+                            <a:latin typeface="Cambria Math" panose="02040503050406030204" pitchFamily="18" charset="0"/>
+                            <a:ea typeface="Cambria Math" panose="02040503050406030204" pitchFamily="18" charset="0"/>
+                          </a:rPr>
+                          <m:t>log</m:t>
+                        </m:r>
+                      </m:fName>
+                      <m:e>
+                        <m:r>
+                          <a:rPr lang="en-US" altLang="zh-CN" sz="2000" i="1">
+                            <a:latin typeface="Cambria Math" panose="02040503050406030204" pitchFamily="18" charset="0"/>
+                          </a:rPr>
+                          <m:t>𝐿</m:t>
+                        </m:r>
+                        <m:d>
+                          <m:dPr>
+                            <m:ctrlPr>
+                              <a:rPr lang="en-US" altLang="zh-CN" sz="2000" i="1">
+                                <a:latin typeface="Cambria Math" panose="02040503050406030204" pitchFamily="18" charset="0"/>
+                              </a:rPr>
+                            </m:ctrlPr>
+                          </m:dPr>
+                          <m:e>
+                            <m:r>
+                              <a:rPr lang="zh-CN" altLang="en-US" sz="2000" i="1">
+                                <a:latin typeface="Cambria Math" panose="02040503050406030204" pitchFamily="18" charset="0"/>
+                              </a:rPr>
+                              <m:t>𝜃</m:t>
+                            </m:r>
+                          </m:e>
+                        </m:d>
+                      </m:e>
+                    </m:func>
+                    <m:r>
+                      <a:rPr lang="en-US" altLang="zh-CN" sz="2000" b="0" i="1" smtClean="0">
+                        <a:latin typeface="Cambria Math" panose="02040503050406030204" pitchFamily="18" charset="0"/>
+                        <a:ea typeface="Cambria Math" panose="02040503050406030204" pitchFamily="18" charset="0"/>
+                      </a:rPr>
+                      <m:t>= </m:t>
+                    </m:r>
+                    <m:nary>
+                      <m:naryPr>
+                        <m:chr m:val="∑"/>
+                        <m:ctrlPr>
+                          <a:rPr lang="en-US" altLang="zh-CN" sz="2000" b="0" i="1" smtClean="0">
+                            <a:latin typeface="Cambria Math" panose="02040503050406030204" pitchFamily="18" charset="0"/>
+                            <a:ea typeface="Cambria Math" panose="02040503050406030204" pitchFamily="18" charset="0"/>
+                          </a:rPr>
+                        </m:ctrlPr>
+                      </m:naryPr>
+                      <m:sub>
+                        <m:r>
+                          <m:rPr>
+                            <m:brk m:alnAt="23"/>
+                          </m:rPr>
+                          <a:rPr lang="en-US" altLang="zh-CN" sz="2000" b="0" i="1" smtClean="0">
+                            <a:latin typeface="Cambria Math" panose="02040503050406030204" pitchFamily="18" charset="0"/>
+                            <a:ea typeface="Cambria Math" panose="02040503050406030204" pitchFamily="18" charset="0"/>
+                          </a:rPr>
+                          <m:t>𝑖</m:t>
+                        </m:r>
+                        <m:r>
+                          <a:rPr lang="en-US" altLang="zh-CN" sz="2000" b="0" i="1" smtClean="0">
+                            <a:latin typeface="Cambria Math" panose="02040503050406030204" pitchFamily="18" charset="0"/>
+                            <a:ea typeface="Cambria Math" panose="02040503050406030204" pitchFamily="18" charset="0"/>
+                          </a:rPr>
+                          <m:t>=1</m:t>
+                        </m:r>
+                      </m:sub>
+                      <m:sup>
+                        <m:r>
+                          <a:rPr lang="en-US" altLang="zh-CN" sz="2000" b="0" i="1" smtClean="0">
+                            <a:latin typeface="Cambria Math" panose="02040503050406030204" pitchFamily="18" charset="0"/>
+                            <a:ea typeface="Cambria Math" panose="02040503050406030204" pitchFamily="18" charset="0"/>
+                          </a:rPr>
+                          <m:t>𝑚</m:t>
+                        </m:r>
+                      </m:sup>
+                      <m:e>
+                        <m:sSup>
+                          <m:sSupPr>
+                            <m:ctrlPr>
+                              <a:rPr lang="en-US" altLang="zh-CN" sz="2000" b="0" i="1" smtClean="0">
+                                <a:latin typeface="Cambria Math" panose="02040503050406030204" pitchFamily="18" charset="0"/>
+                                <a:ea typeface="Cambria Math" panose="02040503050406030204" pitchFamily="18" charset="0"/>
+                              </a:rPr>
+                            </m:ctrlPr>
+                          </m:sSupPr>
+                          <m:e>
+                            <m:r>
+                              <a:rPr lang="en-US" altLang="zh-CN" sz="2000" b="0" i="1" smtClean="0">
+                                <a:latin typeface="Cambria Math" panose="02040503050406030204" pitchFamily="18" charset="0"/>
+                                <a:ea typeface="Cambria Math" panose="02040503050406030204" pitchFamily="18" charset="0"/>
+                              </a:rPr>
+                              <m:t>𝑦</m:t>
+                            </m:r>
+                          </m:e>
+                          <m:sup>
+                            <m:d>
+                              <m:dPr>
+                                <m:ctrlPr>
+                                  <a:rPr lang="en-US" altLang="zh-CN" sz="2000" b="0" i="1" smtClean="0">
+                                    <a:latin typeface="Cambria Math" panose="02040503050406030204" pitchFamily="18" charset="0"/>
+                                    <a:ea typeface="Cambria Math" panose="02040503050406030204" pitchFamily="18" charset="0"/>
+                                  </a:rPr>
+                                </m:ctrlPr>
+                              </m:dPr>
+                              <m:e>
+                                <m:r>
+                                  <a:rPr lang="en-US" altLang="zh-CN" sz="2000" b="0" i="1" smtClean="0">
+                                    <a:latin typeface="Cambria Math" panose="02040503050406030204" pitchFamily="18" charset="0"/>
+                                    <a:ea typeface="Cambria Math" panose="02040503050406030204" pitchFamily="18" charset="0"/>
+                                  </a:rPr>
+                                  <m:t>𝑖</m:t>
+                                </m:r>
+                              </m:e>
+                            </m:d>
+                          </m:sup>
+                        </m:sSup>
+                        <m:func>
+                          <m:funcPr>
+                            <m:ctrlPr>
+                              <a:rPr lang="en-US" altLang="zh-CN" sz="2000" b="0" i="1" smtClean="0">
+                                <a:latin typeface="Cambria Math" panose="02040503050406030204" pitchFamily="18" charset="0"/>
+                                <a:ea typeface="Cambria Math" panose="02040503050406030204" pitchFamily="18" charset="0"/>
+                              </a:rPr>
+                            </m:ctrlPr>
+                          </m:funcPr>
+                          <m:fName>
+                            <m:r>
+                              <m:rPr>
+                                <m:sty m:val="p"/>
+                              </m:rPr>
+                              <a:rPr lang="en-US" altLang="zh-CN" sz="2000" b="0" i="0" smtClean="0">
+                                <a:latin typeface="Cambria Math" panose="02040503050406030204" pitchFamily="18" charset="0"/>
+                                <a:ea typeface="Cambria Math" panose="02040503050406030204" pitchFamily="18" charset="0"/>
+                              </a:rPr>
+                              <m:t>log</m:t>
+                            </m:r>
+                          </m:fName>
+                          <m:e>
+                            <m:r>
+                              <a:rPr lang="en-US" altLang="zh-CN" sz="2000" b="0" i="1" smtClean="0">
+                                <a:latin typeface="Cambria Math" panose="02040503050406030204" pitchFamily="18" charset="0"/>
+                                <a:ea typeface="Cambria Math" panose="02040503050406030204" pitchFamily="18" charset="0"/>
+                              </a:rPr>
+                              <m:t>h</m:t>
+                            </m:r>
+                            <m:d>
+                              <m:dPr>
+                                <m:ctrlPr>
+                                  <a:rPr lang="en-US" altLang="zh-CN" sz="2000" b="0" i="1" smtClean="0">
+                                    <a:latin typeface="Cambria Math" panose="02040503050406030204" pitchFamily="18" charset="0"/>
+                                    <a:ea typeface="Cambria Math" panose="02040503050406030204" pitchFamily="18" charset="0"/>
+                                  </a:rPr>
+                                </m:ctrlPr>
+                              </m:dPr>
+                              <m:e>
+                                <m:sSup>
+                                  <m:sSupPr>
+                                    <m:ctrlPr>
+                                      <a:rPr lang="en-US" altLang="zh-CN" sz="2000" b="0" i="1" smtClean="0">
+                                        <a:latin typeface="Cambria Math" panose="02040503050406030204" pitchFamily="18" charset="0"/>
+                                        <a:ea typeface="Cambria Math" panose="02040503050406030204" pitchFamily="18" charset="0"/>
+                                      </a:rPr>
+                                    </m:ctrlPr>
+                                  </m:sSupPr>
+                                  <m:e>
+                                    <m:r>
+                                      <a:rPr lang="en-US" altLang="zh-CN" sz="2000" b="0" i="1" smtClean="0">
+                                        <a:latin typeface="Cambria Math" panose="02040503050406030204" pitchFamily="18" charset="0"/>
+                                        <a:ea typeface="Cambria Math" panose="02040503050406030204" pitchFamily="18" charset="0"/>
+                                      </a:rPr>
+                                      <m:t>𝑥</m:t>
+                                    </m:r>
+                                  </m:e>
+                                  <m:sup>
+                                    <m:d>
+                                      <m:dPr>
+                                        <m:ctrlPr>
+                                          <a:rPr lang="en-US" altLang="zh-CN" sz="2000" b="0" i="1" smtClean="0">
+                                            <a:latin typeface="Cambria Math" panose="02040503050406030204" pitchFamily="18" charset="0"/>
+                                            <a:ea typeface="Cambria Math" panose="02040503050406030204" pitchFamily="18" charset="0"/>
+                                          </a:rPr>
+                                        </m:ctrlPr>
+                                      </m:dPr>
+                                      <m:e>
+                                        <m:r>
+                                          <a:rPr lang="en-US" altLang="zh-CN" sz="2000" b="0" i="1" smtClean="0">
+                                            <a:latin typeface="Cambria Math" panose="02040503050406030204" pitchFamily="18" charset="0"/>
+                                            <a:ea typeface="Cambria Math" panose="02040503050406030204" pitchFamily="18" charset="0"/>
+                                          </a:rPr>
+                                          <m:t>𝑖</m:t>
+                                        </m:r>
+                                      </m:e>
+                                    </m:d>
+                                  </m:sup>
+                                </m:sSup>
+                              </m:e>
+                            </m:d>
+                          </m:e>
+                        </m:func>
+                        <m:r>
+                          <a:rPr lang="en-US" altLang="zh-CN" sz="2000" b="0" i="1" smtClean="0">
+                            <a:latin typeface="Cambria Math" panose="02040503050406030204" pitchFamily="18" charset="0"/>
+                            <a:ea typeface="Cambria Math" panose="02040503050406030204" pitchFamily="18" charset="0"/>
+                          </a:rPr>
+                          <m:t>+ </m:t>
+                        </m:r>
+                        <m:d>
+                          <m:dPr>
+                            <m:ctrlPr>
+                              <a:rPr lang="en-US" altLang="zh-CN" sz="2000" b="0" i="1" smtClean="0">
+                                <a:latin typeface="Cambria Math" panose="02040503050406030204" pitchFamily="18" charset="0"/>
+                                <a:ea typeface="Cambria Math" panose="02040503050406030204" pitchFamily="18" charset="0"/>
+                              </a:rPr>
+                            </m:ctrlPr>
+                          </m:dPr>
+                          <m:e>
+                            <m:r>
+                              <a:rPr lang="en-US" altLang="zh-CN" sz="2000" b="0" i="1" smtClean="0">
+                                <a:latin typeface="Cambria Math" panose="02040503050406030204" pitchFamily="18" charset="0"/>
+                                <a:ea typeface="Cambria Math" panose="02040503050406030204" pitchFamily="18" charset="0"/>
+                              </a:rPr>
+                              <m:t>1−</m:t>
+                            </m:r>
+                            <m:sSup>
+                              <m:sSupPr>
+                                <m:ctrlPr>
+                                  <a:rPr lang="en-US" altLang="zh-CN" sz="2000" i="1">
+                                    <a:latin typeface="Cambria Math" panose="02040503050406030204" pitchFamily="18" charset="0"/>
+                                    <a:ea typeface="Cambria Math" panose="02040503050406030204" pitchFamily="18" charset="0"/>
+                                  </a:rPr>
+                                </m:ctrlPr>
+                              </m:sSupPr>
+                              <m:e>
+                                <m:r>
+                                  <a:rPr lang="en-US" altLang="zh-CN" sz="2000" i="1">
+                                    <a:latin typeface="Cambria Math" panose="02040503050406030204" pitchFamily="18" charset="0"/>
+                                    <a:ea typeface="Cambria Math" panose="02040503050406030204" pitchFamily="18" charset="0"/>
+                                  </a:rPr>
+                                  <m:t>𝑦</m:t>
+                                </m:r>
+                              </m:e>
+                              <m:sup>
+                                <m:d>
+                                  <m:dPr>
+                                    <m:ctrlPr>
+                                      <a:rPr lang="en-US" altLang="zh-CN" sz="2000" i="1">
+                                        <a:latin typeface="Cambria Math" panose="02040503050406030204" pitchFamily="18" charset="0"/>
+                                        <a:ea typeface="Cambria Math" panose="02040503050406030204" pitchFamily="18" charset="0"/>
+                                      </a:rPr>
+                                    </m:ctrlPr>
+                                  </m:dPr>
+                                  <m:e>
+                                    <m:r>
+                                      <a:rPr lang="en-US" altLang="zh-CN" sz="2000" i="1">
+                                        <a:latin typeface="Cambria Math" panose="02040503050406030204" pitchFamily="18" charset="0"/>
+                                        <a:ea typeface="Cambria Math" panose="02040503050406030204" pitchFamily="18" charset="0"/>
+                                      </a:rPr>
+                                      <m:t>𝑖</m:t>
+                                    </m:r>
+                                  </m:e>
+                                </m:d>
+                              </m:sup>
+                            </m:sSup>
+                          </m:e>
+                        </m:d>
+                        <m:func>
+                          <m:funcPr>
+                            <m:ctrlPr>
+                              <a:rPr lang="en-US" altLang="zh-CN" sz="2000" i="1">
+                                <a:latin typeface="Cambria Math" panose="02040503050406030204" pitchFamily="18" charset="0"/>
+                                <a:ea typeface="Cambria Math" panose="02040503050406030204" pitchFamily="18" charset="0"/>
+                              </a:rPr>
+                            </m:ctrlPr>
+                          </m:funcPr>
+                          <m:fName>
+                            <m:r>
+                              <m:rPr>
+                                <m:sty m:val="p"/>
+                              </m:rPr>
+                              <a:rPr lang="en-US" altLang="zh-CN" sz="2000">
+                                <a:latin typeface="Cambria Math" panose="02040503050406030204" pitchFamily="18" charset="0"/>
+                                <a:ea typeface="Cambria Math" panose="02040503050406030204" pitchFamily="18" charset="0"/>
+                              </a:rPr>
+                              <m:t>log</m:t>
+                            </m:r>
+                          </m:fName>
+                          <m:e>
+                            <m:d>
+                              <m:dPr>
+                                <m:ctrlPr>
+                                  <a:rPr lang="en-US" altLang="zh-CN" sz="2000" i="1" smtClean="0">
+                                    <a:latin typeface="Cambria Math" panose="02040503050406030204" pitchFamily="18" charset="0"/>
+                                    <a:ea typeface="Cambria Math" panose="02040503050406030204" pitchFamily="18" charset="0"/>
+                                  </a:rPr>
+                                </m:ctrlPr>
+                              </m:dPr>
+                              <m:e>
+                                <m:r>
+                                  <a:rPr lang="en-US" altLang="zh-CN" sz="2000" b="0" i="1" smtClean="0">
+                                    <a:latin typeface="Cambria Math" panose="02040503050406030204" pitchFamily="18" charset="0"/>
+                                    <a:ea typeface="Cambria Math" panose="02040503050406030204" pitchFamily="18" charset="0"/>
+                                  </a:rPr>
+                                  <m:t>1−</m:t>
+                                </m:r>
+                                <m:r>
+                                  <a:rPr lang="en-US" altLang="zh-CN" sz="2000" i="1">
+                                    <a:latin typeface="Cambria Math" panose="02040503050406030204" pitchFamily="18" charset="0"/>
+                                    <a:ea typeface="Cambria Math" panose="02040503050406030204" pitchFamily="18" charset="0"/>
+                                  </a:rPr>
+                                  <m:t>h</m:t>
+                                </m:r>
+                                <m:d>
+                                  <m:dPr>
+                                    <m:ctrlPr>
+                                      <a:rPr lang="en-US" altLang="zh-CN" sz="2000" i="1">
+                                        <a:latin typeface="Cambria Math" panose="02040503050406030204" pitchFamily="18" charset="0"/>
+                                        <a:ea typeface="Cambria Math" panose="02040503050406030204" pitchFamily="18" charset="0"/>
+                                      </a:rPr>
+                                    </m:ctrlPr>
+                                  </m:dPr>
+                                  <m:e>
+                                    <m:sSup>
+                                      <m:sSupPr>
+                                        <m:ctrlPr>
+                                          <a:rPr lang="en-US" altLang="zh-CN" sz="2000" i="1">
+                                            <a:latin typeface="Cambria Math" panose="02040503050406030204" pitchFamily="18" charset="0"/>
+                                            <a:ea typeface="Cambria Math" panose="02040503050406030204" pitchFamily="18" charset="0"/>
+                                          </a:rPr>
+                                        </m:ctrlPr>
+                                      </m:sSupPr>
+                                      <m:e>
+                                        <m:r>
+                                          <a:rPr lang="en-US" altLang="zh-CN" sz="2000" i="1">
+                                            <a:latin typeface="Cambria Math" panose="02040503050406030204" pitchFamily="18" charset="0"/>
+                                            <a:ea typeface="Cambria Math" panose="02040503050406030204" pitchFamily="18" charset="0"/>
+                                          </a:rPr>
+                                          <m:t>𝑥</m:t>
+                                        </m:r>
+                                      </m:e>
+                                      <m:sup>
+                                        <m:d>
+                                          <m:dPr>
+                                            <m:ctrlPr>
+                                              <a:rPr lang="en-US" altLang="zh-CN" sz="2000" i="1">
+                                                <a:latin typeface="Cambria Math" panose="02040503050406030204" pitchFamily="18" charset="0"/>
+                                                <a:ea typeface="Cambria Math" panose="02040503050406030204" pitchFamily="18" charset="0"/>
+                                              </a:rPr>
+                                            </m:ctrlPr>
+                                          </m:dPr>
+                                          <m:e>
+                                            <m:r>
+                                              <a:rPr lang="en-US" altLang="zh-CN" sz="2000" i="1">
+                                                <a:latin typeface="Cambria Math" panose="02040503050406030204" pitchFamily="18" charset="0"/>
+                                                <a:ea typeface="Cambria Math" panose="02040503050406030204" pitchFamily="18" charset="0"/>
+                                              </a:rPr>
+                                              <m:t>𝑖</m:t>
+                                            </m:r>
+                                          </m:e>
+                                        </m:d>
+                                      </m:sup>
+                                    </m:sSup>
+                                  </m:e>
+                                </m:d>
+                              </m:e>
+                            </m:d>
+                          </m:e>
+                        </m:func>
+                      </m:e>
+                    </m:nary>
+                  </m:oMath>
+                </a14:m>
+                <a:endParaRPr lang="en-US" altLang="zh-CN" sz="2000" dirty="0" smtClean="0"/>
+              </a:p>
+              <a:p>
+                <a:pPr marL="0" indent="0">
+                  <a:buNone/>
+                </a:pPr>
+                <a:r>
+                  <a:rPr lang="en-US" altLang="zh-CN" sz="2000" dirty="0" smtClean="0"/>
+                  <a:t>    How </a:t>
+                </a:r>
+                <a:r>
+                  <a:rPr lang="en-US" altLang="zh-CN" sz="2000" dirty="0"/>
+                  <a:t>do we maximize the likelihood</a:t>
+                </a:r>
+                <a:r>
+                  <a:rPr lang="en-US" altLang="zh-CN" sz="2000" dirty="0" smtClean="0"/>
+                  <a:t>? </a:t>
+                </a:r>
+                <a:endParaRPr lang="en-US" altLang="zh-CN" sz="2000" dirty="0"/>
+              </a:p>
+              <a:p>
+                <a:pPr marL="0" indent="0">
+                  <a:buNone/>
+                </a:pPr>
+                <a:r>
+                  <a:rPr lang="en-US" altLang="zh-CN" sz="2000" dirty="0" smtClean="0"/>
+                  <a:t>    </a:t>
+                </a:r>
+                <a:r>
+                  <a:rPr lang="zh-CN" altLang="en-US" sz="2000" dirty="0" smtClean="0"/>
+                  <a:t>求最值的问题：目标函数</a:t>
+                </a:r>
+                <a14:m>
+                  <m:oMath xmlns:m="http://schemas.openxmlformats.org/officeDocument/2006/math">
+                    <m:r>
+                      <a:rPr lang="en-US" altLang="zh-CN" sz="2000" i="1">
+                        <a:latin typeface="Cambria Math" panose="02040503050406030204" pitchFamily="18" charset="0"/>
+                        <a:ea typeface="Cambria Math" panose="02040503050406030204" pitchFamily="18" charset="0"/>
+                      </a:rPr>
+                      <m:t>ℓ</m:t>
+                    </m:r>
+                    <m:d>
+                      <m:dPr>
+                        <m:ctrlPr>
+                          <a:rPr lang="en-US" altLang="zh-CN" sz="2000" i="1">
+                            <a:latin typeface="Cambria Math" panose="02040503050406030204" pitchFamily="18" charset="0"/>
+                          </a:rPr>
+                        </m:ctrlPr>
+                      </m:dPr>
+                      <m:e>
+                        <m:r>
+                          <a:rPr lang="zh-CN" altLang="en-US" sz="2000" i="1">
+                            <a:latin typeface="Cambria Math" panose="02040503050406030204" pitchFamily="18" charset="0"/>
+                          </a:rPr>
+                          <m:t>𝜃</m:t>
+                        </m:r>
+                      </m:e>
+                    </m:d>
+                    <m:r>
+                      <a:rPr lang="zh-CN" altLang="en-US" sz="2000" i="1">
+                        <a:latin typeface="Cambria Math" panose="02040503050406030204" pitchFamily="18" charset="0"/>
+                      </a:rPr>
+                      <m:t> </m:t>
+                    </m:r>
+                  </m:oMath>
+                </a14:m>
+                <a:r>
+                  <a:rPr lang="en-US" altLang="zh-CN" sz="2000" dirty="0" smtClean="0"/>
+                  <a:t> </a:t>
+                </a:r>
+                <a:r>
+                  <a:rPr lang="zh-CN" altLang="en-US" sz="2000" dirty="0" smtClean="0"/>
+                  <a:t> 其海森矩阵负 全局最大值 一阶导数为</a:t>
+                </a:r>
+                <a:r>
+                  <a:rPr lang="en-US" altLang="zh-CN" sz="2000" dirty="0" smtClean="0"/>
+                  <a:t>0.</a:t>
+                </a:r>
                 <a:endParaRPr lang="en-US" altLang="zh-CN" sz="2000" dirty="0" smtClean="0"/>
               </a:p>
             </p:txBody>
@@ -16312,7 +18891,7 @@
     </p:spTree>
     <p:extLst>
       <p:ext uri="{BB962C8B-B14F-4D97-AF65-F5344CB8AC3E}">
-        <p14:creationId xmlns:p14="http://schemas.microsoft.com/office/powerpoint/2010/main" val="3945086990"/>
+        <p14:creationId xmlns:p14="http://schemas.microsoft.com/office/powerpoint/2010/main" val="2783652948"/>
       </p:ext>
     </p:extLst>
   </p:cSld>
@@ -16329,7 +18908,7 @@
 </p:sld>
 </file>
 
-<file path=ppt/slides/slide21.xml><?xml version="1.0" encoding="utf-8"?>
+<file path=ppt/slides/slide25.xml><?xml version="1.0" encoding="utf-8"?>
 <p:sld xmlns:a="http://schemas.openxmlformats.org/drawingml/2006/main" xmlns:r="http://schemas.openxmlformats.org/officeDocument/2006/relationships" xmlns:p="http://schemas.openxmlformats.org/presentationml/2006/main">
   <p:cSld>
     <p:spTree>
@@ -18023,298 +20602,7 @@
 </p:sld>
 </file>
 
-<file path=ppt/slides/slide22.xml><?xml version="1.0" encoding="utf-8"?>
-<p:sld xmlns:a="http://schemas.openxmlformats.org/drawingml/2006/main" xmlns:r="http://schemas.openxmlformats.org/officeDocument/2006/relationships" xmlns:p="http://schemas.openxmlformats.org/presentationml/2006/main">
-  <p:cSld>
-    <p:spTree>
-      <p:nvGrpSpPr>
-        <p:cNvPr id="1" name=""/>
-        <p:cNvGrpSpPr/>
-        <p:nvPr/>
-      </p:nvGrpSpPr>
-      <p:grpSpPr>
-        <a:xfrm>
-          <a:off x="0" y="0"/>
-          <a:ext cx="0" cy="0"/>
-          <a:chOff x="0" y="0"/>
-          <a:chExt cx="0" cy="0"/>
-        </a:xfrm>
-      </p:grpSpPr>
-      <p:sp>
-        <p:nvSpPr>
-          <p:cNvPr id="2" name="标题 1"/>
-          <p:cNvSpPr>
-            <a:spLocks noGrp="1"/>
-          </p:cNvSpPr>
-          <p:nvPr>
-            <p:ph type="title"/>
-          </p:nvPr>
-        </p:nvSpPr>
-        <p:spPr>
-          <a:xfrm>
-            <a:off x="838200" y="365125"/>
-            <a:ext cx="10515600" cy="1325563"/>
-          </a:xfrm>
-        </p:spPr>
-        <p:txBody>
-          <a:bodyPr>
-            <a:normAutofit/>
-          </a:bodyPr>
-          <a:lstStyle/>
-          <a:p>
-            <a:pPr algn="ctr"/>
-            <a:endParaRPr lang="zh-CN" altLang="en-US" sz="2400" dirty="0">
-              <a:latin typeface="+mn-lt"/>
-              <a:ea typeface="+mn-ea"/>
-              <a:cs typeface="+mn-cs"/>
-            </a:endParaRPr>
-          </a:p>
-        </p:txBody>
-      </p:sp>
-      <p:pic>
-        <p:nvPicPr>
-          <p:cNvPr id="4" name="内容占位符 3"/>
-          <p:cNvPicPr>
-            <a:picLocks noGrp="1" noChangeAspect="1"/>
-          </p:cNvPicPr>
-          <p:nvPr>
-            <p:ph idx="1"/>
-          </p:nvPr>
-        </p:nvPicPr>
-        <p:blipFill>
-          <a:blip r:embed="rId2">
-            <a:extLst>
-              <a:ext uri="{28A0092B-C50C-407E-A947-70E740481C1C}">
-                <a14:useLocalDpi xmlns:a14="http://schemas.microsoft.com/office/drawing/2010/main" val="0"/>
-              </a:ext>
-            </a:extLst>
-          </a:blip>
-          <a:stretch>
-            <a:fillRect/>
-          </a:stretch>
-        </p:blipFill>
-        <p:spPr>
-          <a:xfrm>
-            <a:off x="1609831" y="1339343"/>
-            <a:ext cx="8249234" cy="4244918"/>
-          </a:xfrm>
-        </p:spPr>
-      </p:pic>
-    </p:spTree>
-    <p:extLst>
-      <p:ext uri="{BB962C8B-B14F-4D97-AF65-F5344CB8AC3E}">
-        <p14:creationId xmlns:p14="http://schemas.microsoft.com/office/powerpoint/2010/main" val="1090810838"/>
-      </p:ext>
-    </p:extLst>
-  </p:cSld>
-  <p:clrMapOvr>
-    <a:masterClrMapping/>
-  </p:clrMapOvr>
-  <p:timing>
-    <p:tnLst>
-      <p:par>
-        <p:cTn id="1" dur="indefinite" restart="never" nodeType="tmRoot"/>
-      </p:par>
-    </p:tnLst>
-  </p:timing>
-</p:sld>
-</file>
-
-<file path=ppt/slides/slide23.xml><?xml version="1.0" encoding="utf-8"?>
-<p:sld xmlns:a="http://schemas.openxmlformats.org/drawingml/2006/main" xmlns:r="http://schemas.openxmlformats.org/officeDocument/2006/relationships" xmlns:p="http://schemas.openxmlformats.org/presentationml/2006/main">
-  <p:cSld>
-    <p:spTree>
-      <p:nvGrpSpPr>
-        <p:cNvPr id="1" name=""/>
-        <p:cNvGrpSpPr/>
-        <p:nvPr/>
-      </p:nvGrpSpPr>
-      <p:grpSpPr>
-        <a:xfrm>
-          <a:off x="0" y="0"/>
-          <a:ext cx="0" cy="0"/>
-          <a:chOff x="0" y="0"/>
-          <a:chExt cx="0" cy="0"/>
-        </a:xfrm>
-      </p:grpSpPr>
-      <p:sp>
-        <p:nvSpPr>
-          <p:cNvPr id="2" name="标题 1"/>
-          <p:cNvSpPr>
-            <a:spLocks noGrp="1"/>
-          </p:cNvSpPr>
-          <p:nvPr>
-            <p:ph type="title"/>
-          </p:nvPr>
-        </p:nvSpPr>
-        <p:spPr>
-          <a:xfrm>
-            <a:off x="838200" y="365125"/>
-            <a:ext cx="10515600" cy="1325563"/>
-          </a:xfrm>
-        </p:spPr>
-        <p:txBody>
-          <a:bodyPr>
-            <a:normAutofit/>
-          </a:bodyPr>
-          <a:lstStyle/>
-          <a:p>
-            <a:pPr algn="ctr"/>
-            <a:endParaRPr lang="zh-CN" altLang="en-US" sz="2400" dirty="0">
-              <a:latin typeface="+mn-lt"/>
-              <a:ea typeface="+mn-ea"/>
-              <a:cs typeface="+mn-cs"/>
-            </a:endParaRPr>
-          </a:p>
-        </p:txBody>
-      </p:sp>
-      <p:pic>
-        <p:nvPicPr>
-          <p:cNvPr id="4" name="内容占位符 3"/>
-          <p:cNvPicPr>
-            <a:picLocks noGrp="1" noChangeAspect="1"/>
-          </p:cNvPicPr>
-          <p:nvPr>
-            <p:ph idx="1"/>
-          </p:nvPr>
-        </p:nvPicPr>
-        <p:blipFill>
-          <a:blip r:embed="rId2">
-            <a:extLst>
-              <a:ext uri="{28A0092B-C50C-407E-A947-70E740481C1C}">
-                <a14:useLocalDpi xmlns:a14="http://schemas.microsoft.com/office/drawing/2010/main" val="0"/>
-              </a:ext>
-            </a:extLst>
-          </a:blip>
-          <a:stretch>
-            <a:fillRect/>
-          </a:stretch>
-        </p:blipFill>
-        <p:spPr>
-          <a:xfrm>
-            <a:off x="1609831" y="99490"/>
-            <a:ext cx="8249234" cy="6724624"/>
-          </a:xfrm>
-        </p:spPr>
-      </p:pic>
-    </p:spTree>
-    <p:extLst>
-      <p:ext uri="{BB962C8B-B14F-4D97-AF65-F5344CB8AC3E}">
-        <p14:creationId xmlns:p14="http://schemas.microsoft.com/office/powerpoint/2010/main" val="192450780"/>
-      </p:ext>
-    </p:extLst>
-  </p:cSld>
-  <p:clrMapOvr>
-    <a:masterClrMapping/>
-  </p:clrMapOvr>
-  <p:timing>
-    <p:tnLst>
-      <p:par>
-        <p:cTn id="1" dur="indefinite" restart="never" nodeType="tmRoot"/>
-      </p:par>
-    </p:tnLst>
-  </p:timing>
-</p:sld>
-</file>
-
-<file path=ppt/slides/slide24.xml><?xml version="1.0" encoding="utf-8"?>
-<p:sld xmlns:a="http://schemas.openxmlformats.org/drawingml/2006/main" xmlns:r="http://schemas.openxmlformats.org/officeDocument/2006/relationships" xmlns:p="http://schemas.openxmlformats.org/presentationml/2006/main">
-  <p:cSld>
-    <p:spTree>
-      <p:nvGrpSpPr>
-        <p:cNvPr id="1" name=""/>
-        <p:cNvGrpSpPr/>
-        <p:nvPr/>
-      </p:nvGrpSpPr>
-      <p:grpSpPr>
-        <a:xfrm>
-          <a:off x="0" y="0"/>
-          <a:ext cx="0" cy="0"/>
-          <a:chOff x="0" y="0"/>
-          <a:chExt cx="0" cy="0"/>
-        </a:xfrm>
-      </p:grpSpPr>
-      <p:sp>
-        <p:nvSpPr>
-          <p:cNvPr id="2" name="标题 1"/>
-          <p:cNvSpPr>
-            <a:spLocks noGrp="1"/>
-          </p:cNvSpPr>
-          <p:nvPr>
-            <p:ph type="title"/>
-          </p:nvPr>
-        </p:nvSpPr>
-        <p:spPr>
-          <a:xfrm>
-            <a:off x="838200" y="365125"/>
-            <a:ext cx="10515600" cy="1325563"/>
-          </a:xfrm>
-        </p:spPr>
-        <p:txBody>
-          <a:bodyPr>
-            <a:normAutofit/>
-          </a:bodyPr>
-          <a:lstStyle/>
-          <a:p>
-            <a:pPr algn="ctr"/>
-            <a:endParaRPr lang="zh-CN" altLang="en-US" sz="2400" dirty="0">
-              <a:latin typeface="+mn-lt"/>
-              <a:ea typeface="+mn-ea"/>
-              <a:cs typeface="+mn-cs"/>
-            </a:endParaRPr>
-          </a:p>
-        </p:txBody>
-      </p:sp>
-      <p:pic>
-        <p:nvPicPr>
-          <p:cNvPr id="4" name="内容占位符 3"/>
-          <p:cNvPicPr>
-            <a:picLocks noGrp="1" noChangeAspect="1"/>
-          </p:cNvPicPr>
-          <p:nvPr>
-            <p:ph idx="1"/>
-          </p:nvPr>
-        </p:nvPicPr>
-        <p:blipFill>
-          <a:blip r:embed="rId2">
-            <a:extLst>
-              <a:ext uri="{28A0092B-C50C-407E-A947-70E740481C1C}">
-                <a14:useLocalDpi xmlns:a14="http://schemas.microsoft.com/office/drawing/2010/main" val="0"/>
-              </a:ext>
-            </a:extLst>
-          </a:blip>
-          <a:stretch>
-            <a:fillRect/>
-          </a:stretch>
-        </p:blipFill>
-        <p:spPr>
-          <a:xfrm>
-            <a:off x="1609831" y="263768"/>
-            <a:ext cx="8249234" cy="6396068"/>
-          </a:xfrm>
-        </p:spPr>
-      </p:pic>
-    </p:spTree>
-    <p:extLst>
-      <p:ext uri="{BB962C8B-B14F-4D97-AF65-F5344CB8AC3E}">
-        <p14:creationId xmlns:p14="http://schemas.microsoft.com/office/powerpoint/2010/main" val="2570893712"/>
-      </p:ext>
-    </p:extLst>
-  </p:cSld>
-  <p:clrMapOvr>
-    <a:masterClrMapping/>
-  </p:clrMapOvr>
-  <p:timing>
-    <p:tnLst>
-      <p:par>
-        <p:cTn id="1" dur="indefinite" restart="never" nodeType="tmRoot"/>
-      </p:par>
-    </p:tnLst>
-  </p:timing>
-</p:sld>
-</file>
-
-<file path=ppt/slides/slide25.xml><?xml version="1.0" encoding="utf-8"?>
+<file path=ppt/slides/slide26.xml><?xml version="1.0" encoding="utf-8"?>
 <p:sld xmlns:a="http://schemas.openxmlformats.org/drawingml/2006/main" xmlns:r="http://schemas.openxmlformats.org/officeDocument/2006/relationships" xmlns:p="http://schemas.openxmlformats.org/presentationml/2006/main">
   <p:cSld>
     <p:spTree>
@@ -18355,12 +20643,8 @@
           <a:p>
             <a:pPr algn="ctr"/>
             <a:r>
-              <a:rPr lang="en-US" altLang="zh-CN" sz="2400" dirty="0" smtClean="0">
-                <a:latin typeface="+mn-lt"/>
-                <a:ea typeface="+mn-ea"/>
-                <a:cs typeface="+mn-cs"/>
-              </a:rPr>
-              <a:t>IDASH2017</a:t>
+              <a:rPr lang="en-US" altLang="zh-CN" sz="2400" dirty="0"/>
+              <a:t>Logistic Regression</a:t>
             </a:r>
             <a:endParaRPr lang="zh-CN" altLang="en-US" sz="2400" dirty="0">
               <a:latin typeface="+mn-lt"/>
@@ -18370,107 +20654,204 @@
           </a:p>
         </p:txBody>
       </p:sp>
-      <p:sp>
-        <p:nvSpPr>
-          <p:cNvPr id="3" name="内容占位符 2"/>
-          <p:cNvSpPr>
-            <a:spLocks noGrp="1"/>
-          </p:cNvSpPr>
-          <p:nvPr>
-            <p:ph idx="1"/>
-          </p:nvPr>
-        </p:nvSpPr>
-        <p:spPr/>
-        <p:txBody>
-          <a:bodyPr/>
-          <a:lstStyle/>
-          <a:p>
-            <a:pPr>
-              <a:buFont typeface="Wingdings" panose="05000000000000000000" pitchFamily="2" charset="2"/>
-              <a:buChar char="Ø"/>
-            </a:pPr>
-            <a:r>
-              <a:rPr lang="zh-CN" altLang="en-US" sz="2000" dirty="0"/>
-              <a:t>本地</a:t>
-            </a:r>
-            <a:r>
-              <a:rPr lang="zh-CN" altLang="en-US" sz="2000" dirty="0" smtClean="0"/>
-              <a:t>      </a:t>
-            </a:r>
-            <a:r>
-              <a:rPr lang="en-US" altLang="zh-CN" sz="2000" dirty="0" smtClean="0"/>
-              <a:t>Ubuntu  Eclipse CDT </a:t>
-            </a:r>
-          </a:p>
-          <a:p>
-            <a:pPr>
-              <a:buFont typeface="Wingdings" panose="05000000000000000000" pitchFamily="2" charset="2"/>
-              <a:buChar char="Ø"/>
-            </a:pPr>
-            <a:r>
-              <a:rPr lang="zh-CN" altLang="en-US" sz="2000" dirty="0" smtClean="0"/>
-              <a:t>服务器  </a:t>
-            </a:r>
-            <a:r>
-              <a:rPr lang="en-US" altLang="zh-CN" sz="2000" dirty="0" smtClean="0"/>
-              <a:t>CentOS  </a:t>
-            </a:r>
-            <a:r>
-              <a:rPr lang="zh-CN" altLang="en-US" sz="2000" dirty="0" smtClean="0"/>
-              <a:t>没有</a:t>
-            </a:r>
-            <a:r>
-              <a:rPr lang="en-US" altLang="zh-CN" sz="2000" dirty="0" smtClean="0"/>
-              <a:t>desktop   </a:t>
-            </a:r>
-            <a:r>
-              <a:rPr lang="zh-CN" altLang="en-US" sz="2000" dirty="0" smtClean="0"/>
-              <a:t>配置</a:t>
-            </a:r>
-            <a:r>
-              <a:rPr lang="en-US" altLang="zh-CN" sz="2000" dirty="0" smtClean="0"/>
-              <a:t>IDASH2017</a:t>
-            </a:r>
-          </a:p>
-          <a:p>
-            <a:pPr>
-              <a:buFont typeface="Wingdings" panose="05000000000000000000" pitchFamily="2" charset="2"/>
-              <a:buChar char="Ø"/>
-            </a:pPr>
-            <a:endParaRPr lang="en-US" altLang="zh-CN" sz="2000" dirty="0"/>
-          </a:p>
-          <a:p>
-            <a:pPr>
-              <a:buFont typeface="Wingdings" panose="05000000000000000000" pitchFamily="2" charset="2"/>
-              <a:buChar char="Ø"/>
-            </a:pPr>
-            <a:r>
-              <a:rPr lang="zh-CN" altLang="en-US" sz="2000" dirty="0" smtClean="0"/>
-              <a:t>打算这周先写一下关于</a:t>
-            </a:r>
-            <a:r>
-              <a:rPr lang="en-US" altLang="zh-CN" sz="2000" dirty="0" smtClean="0"/>
-              <a:t>HEAAN</a:t>
-            </a:r>
-            <a:r>
-              <a:rPr lang="zh-CN" altLang="en-US" sz="2000" smtClean="0"/>
-              <a:t>的文档</a:t>
-            </a:r>
-            <a:endParaRPr lang="en-US" altLang="zh-CN" sz="2000" dirty="0" smtClean="0"/>
-          </a:p>
-          <a:p>
-            <a:pPr>
-              <a:buFont typeface="Wingdings" panose="05000000000000000000" pitchFamily="2" charset="2"/>
-              <a:buChar char="Ø"/>
-            </a:pPr>
-            <a:endParaRPr lang="en-US" altLang="zh-CN" sz="2000" dirty="0" smtClean="0"/>
-          </a:p>
-        </p:txBody>
-      </p:sp>
+      <mc:AlternateContent xmlns:mc="http://schemas.openxmlformats.org/markup-compatibility/2006">
+        <mc:Choice xmlns:a14="http://schemas.microsoft.com/office/drawing/2010/main" Requires="a14">
+          <p:sp>
+            <p:nvSpPr>
+              <p:cNvPr id="3" name="内容占位符 2"/>
+              <p:cNvSpPr>
+                <a:spLocks noGrp="1"/>
+              </p:cNvSpPr>
+              <p:nvPr>
+                <p:ph idx="1"/>
+              </p:nvPr>
+            </p:nvSpPr>
+            <p:spPr/>
+            <p:txBody>
+              <a:bodyPr/>
+              <a:lstStyle/>
+              <a:p>
+                <a:pPr>
+                  <a:buFont typeface="Wingdings" panose="05000000000000000000" pitchFamily="2" charset="2"/>
+                  <a:buChar char="Ø"/>
+                </a:pPr>
+                <a:r>
+                  <a:rPr lang="zh-CN" altLang="en-US" sz="2000" dirty="0"/>
+                  <a:t>求最值的问题：目标函数</a:t>
+                </a:r>
+                <a14:m>
+                  <m:oMath xmlns:m="http://schemas.openxmlformats.org/officeDocument/2006/math">
+                    <m:r>
+                      <a:rPr lang="en-US" altLang="zh-CN" sz="2000" i="1">
+                        <a:latin typeface="Cambria Math" panose="02040503050406030204" pitchFamily="18" charset="0"/>
+                        <a:ea typeface="Cambria Math" panose="02040503050406030204" pitchFamily="18" charset="0"/>
+                      </a:rPr>
+                      <m:t>ℓ</m:t>
+                    </m:r>
+                    <m:d>
+                      <m:dPr>
+                        <m:ctrlPr>
+                          <a:rPr lang="en-US" altLang="zh-CN" sz="2000" i="1">
+                            <a:latin typeface="Cambria Math" panose="02040503050406030204" pitchFamily="18" charset="0"/>
+                          </a:rPr>
+                        </m:ctrlPr>
+                      </m:dPr>
+                      <m:e>
+                        <m:r>
+                          <a:rPr lang="zh-CN" altLang="en-US" sz="2000" i="1">
+                            <a:latin typeface="Cambria Math" panose="02040503050406030204" pitchFamily="18" charset="0"/>
+                          </a:rPr>
+                          <m:t>𝜃</m:t>
+                        </m:r>
+                      </m:e>
+                    </m:d>
+                    <m:r>
+                      <a:rPr lang="zh-CN" altLang="en-US" sz="2000" i="1">
+                        <a:latin typeface="Cambria Math" panose="02040503050406030204" pitchFamily="18" charset="0"/>
+                      </a:rPr>
+                      <m:t> </m:t>
+                    </m:r>
+                  </m:oMath>
+                </a14:m>
+                <a:r>
+                  <a:rPr lang="en-US" altLang="zh-CN" sz="2000" dirty="0"/>
+                  <a:t> </a:t>
+                </a:r>
+                <a:r>
+                  <a:rPr lang="zh-CN" altLang="en-US" sz="2000" dirty="0"/>
+                  <a:t> 其海森矩阵负 全局最大值 一阶导数为</a:t>
+                </a:r>
+                <a:r>
+                  <a:rPr lang="en-US" altLang="zh-CN" sz="2000" dirty="0" smtClean="0"/>
+                  <a:t>0</a:t>
+                </a:r>
+              </a:p>
+              <a:p>
+                <a:pPr marL="0" indent="0">
+                  <a:buNone/>
+                </a:pPr>
+                <a:r>
+                  <a:rPr lang="zh-CN" altLang="en-US" sz="2000" dirty="0" smtClean="0"/>
+                  <a:t>梯度下降法</a:t>
+                </a:r>
+                <a:r>
+                  <a:rPr lang="en-US" altLang="zh-CN" sz="2000" smtClean="0"/>
+                  <a:t>(… …)</a:t>
+                </a:r>
+                <a:endParaRPr lang="en-US" altLang="zh-CN" sz="2000" dirty="0" smtClean="0"/>
+              </a:p>
+              <a:p>
+                <a:pPr marL="0" indent="0">
+                  <a:buNone/>
+                </a:pPr>
+                <a:r>
+                  <a:rPr lang="zh-CN" altLang="en-US" sz="2000" dirty="0" smtClean="0"/>
+                  <a:t>牛顿法</a:t>
+                </a:r>
+                <a:endParaRPr lang="en-US" altLang="zh-CN" sz="2000" dirty="0" smtClean="0"/>
+              </a:p>
+              <a:p>
+                <a:pPr marL="0" indent="0">
+                  <a:buNone/>
+                </a:pPr>
+                <a:r>
+                  <a:rPr lang="zh-CN" altLang="en-US" sz="2000" dirty="0" smtClean="0"/>
+                  <a:t>拟牛顿法</a:t>
+                </a:r>
+                <a:endParaRPr lang="en-US" altLang="zh-CN" sz="2000" dirty="0" smtClean="0"/>
+              </a:p>
+              <a:p>
+                <a:pPr marL="0" indent="0">
+                  <a:buNone/>
+                </a:pPr>
+                <a:r>
+                  <a:rPr lang="en-US" altLang="zh-CN" sz="2000" dirty="0" smtClean="0"/>
+                  <a:t>Coordinate ascent</a:t>
+                </a:r>
+              </a:p>
+              <a:p>
+                <a:pPr marL="0" indent="0">
+                  <a:buNone/>
+                </a:pPr>
+                <a:r>
+                  <a:rPr lang="en-US" altLang="zh-CN" sz="2000" dirty="0" smtClean="0"/>
+                  <a:t>Conjugate gradient ascent</a:t>
+                </a:r>
+              </a:p>
+              <a:p>
+                <a:pPr marL="0" indent="0">
+                  <a:buNone/>
+                </a:pPr>
+                <a:r>
+                  <a:rPr lang="en-US" altLang="zh-CN" sz="2000" dirty="0" smtClean="0"/>
+                  <a:t>Fixed Hessian Newton method</a:t>
+                </a:r>
+              </a:p>
+              <a:p>
+                <a:pPr marL="0" indent="0">
+                  <a:buNone/>
+                </a:pPr>
+                <a:r>
+                  <a:rPr lang="en-US" altLang="zh-CN" sz="2000" dirty="0" smtClean="0"/>
+                  <a:t>Iterative Scaling </a:t>
+                </a:r>
+              </a:p>
+              <a:p>
+                <a:pPr marL="0" indent="0">
+                  <a:buNone/>
+                </a:pPr>
+                <a:r>
+                  <a:rPr lang="en-US" altLang="zh-CN" sz="2000" dirty="0" smtClean="0"/>
+                  <a:t>… </a:t>
+                </a:r>
+              </a:p>
+              <a:p>
+                <a:pPr marL="0" indent="0">
+                  <a:buNone/>
+                </a:pPr>
+                <a:endParaRPr lang="en-US" altLang="zh-CN" sz="2000" dirty="0" smtClean="0"/>
+              </a:p>
+            </p:txBody>
+          </p:sp>
+        </mc:Choice>
+        <mc:Fallback>
+          <p:sp>
+            <p:nvSpPr>
+              <p:cNvPr id="3" name="内容占位符 2"/>
+              <p:cNvSpPr>
+                <a:spLocks noGrp="1" noRot="1" noChangeAspect="1" noMove="1" noResize="1" noEditPoints="1" noAdjustHandles="1" noChangeArrowheads="1" noChangeShapeType="1" noTextEdit="1"/>
+              </p:cNvSpPr>
+              <p:nvPr>
+                <p:ph idx="1"/>
+              </p:nvPr>
+            </p:nvSpPr>
+            <p:spPr>
+              <a:blipFill>
+                <a:blip r:embed="rId2"/>
+                <a:stretch>
+                  <a:fillRect l="-638" t="-1401"/>
+                </a:stretch>
+              </a:blipFill>
+            </p:spPr>
+            <p:txBody>
+              <a:bodyPr/>
+              <a:lstStyle/>
+              <a:p>
+                <a:r>
+                  <a:rPr lang="zh-CN" altLang="en-US">
+                    <a:noFill/>
+                  </a:rPr>
+                  <a:t> </a:t>
+                </a:r>
+              </a:p>
+            </p:txBody>
+          </p:sp>
+        </mc:Fallback>
+      </mc:AlternateContent>
     </p:spTree>
     <p:extLst>
       <p:ext uri="{BB962C8B-B14F-4D97-AF65-F5344CB8AC3E}">
-        <p14:creationId xmlns:p14="http://schemas.microsoft.com/office/powerpoint/2010/main" val="3364885011"/>
+        <p14:creationId xmlns:p14="http://schemas.microsoft.com/office/powerpoint/2010/main" val="3887815713"/>
       </p:ext>
     </p:extLst>
   </p:cSld>
@@ -19118,8 +21499,8 @@
           </a:p>
         </p:txBody>
       </p:sp>
-      <mc:AlternateContent xmlns:mc="http://schemas.openxmlformats.org/markup-compatibility/2006">
-        <mc:Choice xmlns:a14="http://schemas.microsoft.com/office/drawing/2010/main" Requires="a14">
+      <mc:AlternateContent xmlns:mc="http://schemas.openxmlformats.org/markup-compatibility/2006" xmlns:a14="http://schemas.microsoft.com/office/drawing/2010/main">
+        <mc:Choice Requires="a14">
           <p:sp>
             <p:nvSpPr>
               <p:cNvPr id="3" name="内容占位符 2"/>
@@ -19862,7 +22243,7 @@
             </p:txBody>
           </p:sp>
         </mc:Choice>
-        <mc:Fallback>
+        <mc:Fallback xmlns="">
           <p:sp>
             <p:nvSpPr>
               <p:cNvPr id="3" name="内容占位符 2"/>
@@ -23911,8 +26292,8 @@
           </a:p>
         </p:txBody>
       </p:sp>
-      <mc:AlternateContent xmlns:mc="http://schemas.openxmlformats.org/markup-compatibility/2006">
-        <mc:Choice xmlns:a14="http://schemas.microsoft.com/office/drawing/2010/main" Requires="a14">
+      <mc:AlternateContent xmlns:mc="http://schemas.openxmlformats.org/markup-compatibility/2006" xmlns:a14="http://schemas.microsoft.com/office/drawing/2010/main">
+        <mc:Choice Requires="a14">
           <p:sp>
             <p:nvSpPr>
               <p:cNvPr id="3" name="内容占位符 2"/>
@@ -24785,7 +27166,7 @@
             </p:txBody>
           </p:sp>
         </mc:Choice>
-        <mc:Fallback>
+        <mc:Fallback xmlns="">
           <p:sp>
             <p:nvSpPr>
               <p:cNvPr id="3" name="内容占位符 2"/>
